--- a/PP WORK/Instructor Version/Week 5/Week 5 Lecture 1-Impedance and Admittance.pptx
+++ b/PP WORK/Instructor Version/Week 5/Week 5 Lecture 1-Impedance and Admittance.pptx
@@ -128,7 +128,7 @@
   </p:defaultTextStyle>
   <p:extLst>
     <p:ext uri="{EFAFB233-063F-42B5-8137-9DF3F51BA10A}">
-      <p15:sldGuideLst xmlns:p15="http://schemas.microsoft.com/office/powerpoint/2012/main">
+      <p15:sldGuideLst xmlns:p15="http://schemas.microsoft.com/office/powerpoint/2012/main" xmlns="">
         <p15:guide id="1" orient="horz" pos="2160" userDrawn="1">
           <p15:clr>
             <a:srgbClr val="A4A3A4"/>
@@ -227,7 +227,7 @@
           <a:p>
             <a:fld id="{18AB4343-410D-4114-8175-E2D7C9308D80}" type="datetimeFigureOut">
               <a:rPr lang="en-US" smtClean="0"/>
-              <a:t>10/17/2024</a:t>
+              <a:t>1/14/2025</a:t>
             </a:fld>
             <a:endParaRPr lang="en-US"/>
           </a:p>
@@ -1351,7 +1351,7 @@
           <a:p>
             <a:fld id="{1D8BD707-D9CF-40AE-B4C6-C98DA3205C09}" type="datetimeFigureOut">
               <a:rPr lang="en-US"/>
-              <a:t>10/17/2024</a:t>
+              <a:t>1/14/2025</a:t>
             </a:fld>
             <a:endParaRPr lang="en-US"/>
           </a:p>
@@ -1521,7 +1521,7 @@
           <a:p>
             <a:fld id="{1D8BD707-D9CF-40AE-B4C6-C98DA3205C09}" type="datetimeFigureOut">
               <a:rPr lang="en-US"/>
-              <a:t>10/17/2024</a:t>
+              <a:t>1/14/2025</a:t>
             </a:fld>
             <a:endParaRPr lang="en-US"/>
           </a:p>
@@ -1734,7 +1734,7 @@
           <a:p>
             <a:fld id="{1D8BD707-D9CF-40AE-B4C6-C98DA3205C09}" type="datetimeFigureOut">
               <a:rPr lang="en-US"/>
-              <a:t>10/17/2024</a:t>
+              <a:t>1/14/2025</a:t>
             </a:fld>
             <a:endParaRPr lang="en-US"/>
           </a:p>
@@ -1881,7 +1881,7 @@
           <a:p>
             <a:fld id="{1D8BD707-D9CF-40AE-B4C6-C98DA3205C09}" type="datetimeFigureOut">
               <a:rPr lang="en-US"/>
-              <a:t>10/17/2024</a:t>
+              <a:t>1/14/2025</a:t>
             </a:fld>
             <a:endParaRPr lang="en-US"/>
           </a:p>
@@ -2005,7 +2005,7 @@
           <a:p>
             <a:fld id="{1D8BD707-D9CF-40AE-B4C6-C98DA3205C09}" type="datetimeFigureOut">
               <a:rPr lang="en-US"/>
-              <a:t>10/17/2024</a:t>
+              <a:t>1/14/2025</a:t>
             </a:fld>
             <a:endParaRPr lang="en-US"/>
           </a:p>
@@ -2078,7 +2078,7 @@
           <p:cNvPr id="25" name="Rectangle 24">
             <a:extLst>
               <a:ext uri="{FF2B5EF4-FFF2-40B4-BE49-F238E27FC236}">
-                <a16:creationId xmlns:a16="http://schemas.microsoft.com/office/drawing/2014/main" id="{669E0535-6FD9-4D8F-80CA-FF7A96DB665F}"/>
+                <a16:creationId xmlns:a16="http://schemas.microsoft.com/office/drawing/2014/main" xmlns="" id="{669E0535-6FD9-4D8F-80CA-FF7A96DB665F}"/>
               </a:ext>
             </a:extLst>
           </p:cNvPr>
@@ -2121,7 +2121,7 @@
           <a:lstStyle/>
           <a:p>
             <a:pPr algn="ctr"/>
-            <a:endParaRPr lang="en-KW" sz="2400"/>
+            <a:endParaRPr lang="x-none" sz="2400"/>
           </a:p>
         </p:txBody>
       </p:sp>
@@ -2130,7 +2130,7 @@
           <p:cNvPr id="26" name="Picture 25" descr="A black and red background with a bird&#10;&#10;Description automatically generated">
             <a:extLst>
               <a:ext uri="{FF2B5EF4-FFF2-40B4-BE49-F238E27FC236}">
-                <a16:creationId xmlns:a16="http://schemas.microsoft.com/office/drawing/2014/main" id="{7356EFA9-D406-4147-B1F7-82B217840839}"/>
+                <a16:creationId xmlns:a16="http://schemas.microsoft.com/office/drawing/2014/main" xmlns="" id="{7356EFA9-D406-4147-B1F7-82B217840839}"/>
               </a:ext>
             </a:extLst>
           </p:cNvPr>
@@ -2160,7 +2160,7 @@
           <p:cNvPr id="27" name="Google Shape;15;p13">
             <a:extLst>
               <a:ext uri="{FF2B5EF4-FFF2-40B4-BE49-F238E27FC236}">
-                <a16:creationId xmlns:a16="http://schemas.microsoft.com/office/drawing/2014/main" id="{F5F3B15A-58C1-48A3-AB6A-E8A3A8F0B1F0}"/>
+                <a16:creationId xmlns:a16="http://schemas.microsoft.com/office/drawing/2014/main" xmlns="" id="{F5F3B15A-58C1-48A3-AB6A-E8A3A8F0B1F0}"/>
               </a:ext>
             </a:extLst>
           </p:cNvPr>
@@ -2326,7 +2326,7 @@
           <p:cNvPr id="28" name="Google Shape;19;p14">
             <a:extLst>
               <a:ext uri="{FF2B5EF4-FFF2-40B4-BE49-F238E27FC236}">
-                <a16:creationId xmlns:a16="http://schemas.microsoft.com/office/drawing/2014/main" id="{A6353D6C-199F-4C21-9FC8-2D00FAAA26A6}"/>
+                <a16:creationId xmlns:a16="http://schemas.microsoft.com/office/drawing/2014/main" xmlns="" id="{A6353D6C-199F-4C21-9FC8-2D00FAAA26A6}"/>
               </a:ext>
             </a:extLst>
           </p:cNvPr>
@@ -2605,7 +2605,7 @@
           <p:cNvPr id="29" name="Google Shape;55;p1">
             <a:extLst>
               <a:ext uri="{FF2B5EF4-FFF2-40B4-BE49-F238E27FC236}">
-                <a16:creationId xmlns:a16="http://schemas.microsoft.com/office/drawing/2014/main" id="{4544F053-DAFF-4191-A4FE-EAC318BF6A0C}"/>
+                <a16:creationId xmlns:a16="http://schemas.microsoft.com/office/drawing/2014/main" xmlns="" id="{4544F053-DAFF-4191-A4FE-EAC318BF6A0C}"/>
               </a:ext>
             </a:extLst>
           </p:cNvPr>
@@ -2677,7 +2677,7 @@
           <p:cNvPr id="2" name="Title 1">
             <a:extLst>
               <a:ext uri="{FF2B5EF4-FFF2-40B4-BE49-F238E27FC236}">
-                <a16:creationId xmlns:a16="http://schemas.microsoft.com/office/drawing/2014/main" id="{7B6E2517-3805-41A0-9280-523D3C8CC82F}"/>
+                <a16:creationId xmlns:a16="http://schemas.microsoft.com/office/drawing/2014/main" xmlns="" id="{7B6E2517-3805-41A0-9280-523D3C8CC82F}"/>
               </a:ext>
             </a:extLst>
           </p:cNvPr>
@@ -2749,7 +2749,7 @@
           <p:cNvPr id="8" name="Google Shape;54;p1">
             <a:extLst>
               <a:ext uri="{FF2B5EF4-FFF2-40B4-BE49-F238E27FC236}">
-                <a16:creationId xmlns:a16="http://schemas.microsoft.com/office/drawing/2014/main" id="{631C2DF5-1362-47E0-9992-CA0F5EE5E7F4}"/>
+                <a16:creationId xmlns:a16="http://schemas.microsoft.com/office/drawing/2014/main" xmlns="" id="{631C2DF5-1362-47E0-9992-CA0F5EE5E7F4}"/>
               </a:ext>
             </a:extLst>
           </p:cNvPr>
@@ -2836,7 +2836,7 @@
           <p:cNvPr id="9" name="Google Shape;55;p1">
             <a:extLst>
               <a:ext uri="{FF2B5EF4-FFF2-40B4-BE49-F238E27FC236}">
-                <a16:creationId xmlns:a16="http://schemas.microsoft.com/office/drawing/2014/main" id="{E5E4EFC6-10AC-457A-90BE-EB16C5D5FDC1}"/>
+                <a16:creationId xmlns:a16="http://schemas.microsoft.com/office/drawing/2014/main" xmlns="" id="{E5E4EFC6-10AC-457A-90BE-EB16C5D5FDC1}"/>
               </a:ext>
             </a:extLst>
           </p:cNvPr>
@@ -2908,7 +2908,7 @@
           <p:cNvPr id="10" name="Oval 9">
             <a:extLst>
               <a:ext uri="{FF2B5EF4-FFF2-40B4-BE49-F238E27FC236}">
-                <a16:creationId xmlns:a16="http://schemas.microsoft.com/office/drawing/2014/main" id="{38DC77A7-8710-436F-B5E7-19B60E66B5F0}"/>
+                <a16:creationId xmlns:a16="http://schemas.microsoft.com/office/drawing/2014/main" xmlns="" id="{38DC77A7-8710-436F-B5E7-19B60E66B5F0}"/>
               </a:ext>
             </a:extLst>
           </p:cNvPr>
@@ -2951,7 +2951,7 @@
           <a:lstStyle/>
           <a:p>
             <a:pPr algn="ctr"/>
-            <a:endParaRPr lang="en-KW" sz="2400"/>
+            <a:endParaRPr lang="x-none" sz="2400"/>
           </a:p>
         </p:txBody>
       </p:sp>
@@ -2960,7 +2960,7 @@
           <p:cNvPr id="11" name="Picture 10" descr="A red and white background with a design&#10;&#10;Description automatically generated">
             <a:extLst>
               <a:ext uri="{FF2B5EF4-FFF2-40B4-BE49-F238E27FC236}">
-                <a16:creationId xmlns:a16="http://schemas.microsoft.com/office/drawing/2014/main" id="{418E62F8-02A7-4379-A005-0EF5EC635BBF}"/>
+                <a16:creationId xmlns:a16="http://schemas.microsoft.com/office/drawing/2014/main" xmlns="" id="{418E62F8-02A7-4379-A005-0EF5EC635BBF}"/>
               </a:ext>
             </a:extLst>
           </p:cNvPr>
@@ -2990,7 +2990,7 @@
           <p:cNvPr id="12" name="Picture 11">
             <a:extLst>
               <a:ext uri="{FF2B5EF4-FFF2-40B4-BE49-F238E27FC236}">
-                <a16:creationId xmlns:a16="http://schemas.microsoft.com/office/drawing/2014/main" id="{28A0ADE9-7A46-486B-82F3-A690D904DFF4}"/>
+                <a16:creationId xmlns:a16="http://schemas.microsoft.com/office/drawing/2014/main" xmlns="" id="{28A0ADE9-7A46-486B-82F3-A690D904DFF4}"/>
               </a:ext>
             </a:extLst>
           </p:cNvPr>
@@ -3217,7 +3217,7 @@
           <a:p>
             <a:fld id="{1D8BD707-D9CF-40AE-B4C6-C98DA3205C09}" type="datetimeFigureOut">
               <a:rPr lang="en-US"/>
-              <a:t>10/17/2024</a:t>
+              <a:t>1/14/2025</a:t>
             </a:fld>
             <a:endParaRPr lang="en-US"/>
           </a:p>
@@ -3453,7 +3453,7 @@
         </p:nvSpPr>
         <p:spPr bwMode="auto">
           <a:xfrm>
-            <a:off x="148791" y="4290050"/>
+            <a:off x="1034173" y="3917071"/>
             <a:ext cx="7543800" cy="1200329"/>
           </a:xfrm>
           <a:prstGeom prst="rect">
@@ -3496,7 +3496,7 @@
                   <a:noFill/>
                 </a:ln>
                 <a:solidFill>
-                  <a:srgbClr val="00B050"/>
+                  <a:srgbClr val="0000FF"/>
                 </a:solidFill>
                 <a:effectLst/>
                 <a:uLnTx/>
@@ -3532,7 +3532,7 @@
                   <a:noFill/>
                 </a:ln>
                 <a:solidFill>
-                  <a:srgbClr val="00B050"/>
+                  <a:srgbClr val="0000FF"/>
                 </a:solidFill>
                 <a:effectLst/>
                 <a:uLnTx/>
@@ -3549,7 +3549,7 @@
                   <a:noFill/>
                 </a:ln>
                 <a:solidFill>
-                  <a:srgbClr val="00B050"/>
+                  <a:srgbClr val="0000FF"/>
                 </a:solidFill>
                 <a:effectLst/>
                 <a:uLnTx/>
@@ -3566,7 +3566,7 @@
                   <a:noFill/>
                 </a:ln>
                 <a:solidFill>
-                  <a:srgbClr val="00B050"/>
+                  <a:srgbClr val="0000FF"/>
                 </a:solidFill>
                 <a:effectLst/>
                 <a:uLnTx/>
@@ -3575,15 +3575,15 @@
                 <a:ea typeface="+mn-ea"/>
                 <a:cs typeface="Arial" pitchFamily="34" charset="0"/>
               </a:rPr>
-              <a:t> 20</a:t>
+              <a:t> </a:t>
             </a:r>
             <a:r>
-              <a:rPr kumimoji="0" lang="en-US" sz="3600" b="1" i="0" u="none" strike="noStrike" kern="1200" cap="none" spc="0" normalizeH="0" baseline="0" noProof="0" dirty="0">
+              <a:rPr kumimoji="0" lang="x-none" sz="3600" b="1" i="0" u="none" strike="noStrike" kern="1200" cap="none" spc="0" normalizeH="0" baseline="0" noProof="0">
                 <a:ln>
                   <a:noFill/>
                 </a:ln>
                 <a:solidFill>
-                  <a:srgbClr val="00B050"/>
+                  <a:srgbClr val="0000FF"/>
                 </a:solidFill>
                 <a:effectLst/>
                 <a:uLnTx/>
@@ -3592,8 +3592,39 @@
                 <a:ea typeface="+mn-ea"/>
                 <a:cs typeface="Arial" pitchFamily="34" charset="0"/>
               </a:rPr>
-              <a:t>2</a:t>
+              <a:t>20</a:t>
             </a:r>
+            <a:r>
+              <a:rPr kumimoji="0" lang="en-US" sz="3600" b="1" i="0" u="none" strike="noStrike" kern="1200" cap="none" spc="0" normalizeH="0" baseline="0" noProof="0" dirty="0" smtClean="0">
+                <a:ln>
+                  <a:noFill/>
+                </a:ln>
+                <a:solidFill>
+                  <a:srgbClr val="0000FF"/>
+                </a:solidFill>
+                <a:effectLst/>
+                <a:uLnTx/>
+                <a:uFillTx/>
+                <a:latin typeface="Arial" pitchFamily="34" charset="0"/>
+                <a:ea typeface="+mn-ea"/>
+                <a:cs typeface="Arial" pitchFamily="34" charset="0"/>
+              </a:rPr>
+              <a:t>2 – Spring 2025</a:t>
+            </a:r>
+            <a:endParaRPr kumimoji="0" lang="en-US" sz="3600" b="1" i="0" u="none" strike="noStrike" kern="1200" cap="none" spc="0" normalizeH="0" baseline="0" noProof="0" dirty="0">
+              <a:ln>
+                <a:noFill/>
+              </a:ln>
+              <a:solidFill>
+                <a:srgbClr val="0000FF"/>
+              </a:solidFill>
+              <a:effectLst/>
+              <a:uLnTx/>
+              <a:uFillTx/>
+              <a:latin typeface="Arial" pitchFamily="34" charset="0"/>
+              <a:ea typeface="+mn-ea"/>
+              <a:cs typeface="Arial" pitchFamily="34" charset="0"/>
+            </a:endParaRPr>
           </a:p>
         </p:txBody>
       </p:sp>
@@ -3602,7 +3633,7 @@
           <p:cNvPr id="2" name="TextBox 1">
             <a:extLst>
               <a:ext uri="{FF2B5EF4-FFF2-40B4-BE49-F238E27FC236}">
-                <a16:creationId xmlns:a16="http://schemas.microsoft.com/office/drawing/2014/main" id="{07DEEC26-75A9-F4A2-6948-691F17B753B2}"/>
+                <a16:creationId xmlns:a16="http://schemas.microsoft.com/office/drawing/2014/main" xmlns="" id="{07DEEC26-75A9-F4A2-6948-691F17B753B2}"/>
               </a:ext>
             </a:extLst>
           </p:cNvPr>
@@ -3648,7 +3679,7 @@
                   <a:noFill/>
                 </a:ln>
                 <a:solidFill>
-                  <a:srgbClr val="0000FF"/>
+                  <a:srgbClr val="00B050"/>
                 </a:solidFill>
                 <a:effectLst/>
                 <a:uLnTx/>
@@ -3739,7 +3770,7 @@
           <p:cNvPr id="30" name="Group 29">
             <a:extLst>
               <a:ext uri="{FF2B5EF4-FFF2-40B4-BE49-F238E27FC236}">
-                <a16:creationId xmlns:a16="http://schemas.microsoft.com/office/drawing/2014/main" id="{C6998696-1D09-9032-2025-9F2B74621F09}"/>
+                <a16:creationId xmlns:a16="http://schemas.microsoft.com/office/drawing/2014/main" xmlns="" id="{C6998696-1D09-9032-2025-9F2B74621F09}"/>
               </a:ext>
             </a:extLst>
           </p:cNvPr>
@@ -3790,7 +3821,7 @@
             <p:cNvPr id="29" name="Group 28">
               <a:extLst>
                 <a:ext uri="{FF2B5EF4-FFF2-40B4-BE49-F238E27FC236}">
-                  <a16:creationId xmlns:a16="http://schemas.microsoft.com/office/drawing/2014/main" id="{25DE959F-0401-2931-E699-23506AEAFDC4}"/>
+                  <a16:creationId xmlns:a16="http://schemas.microsoft.com/office/drawing/2014/main" xmlns="" id="{25DE959F-0401-2931-E699-23506AEAFDC4}"/>
                 </a:ext>
               </a:extLst>
             </p:cNvPr>
@@ -3841,7 +3872,7 @@
               <p:cNvPr id="7" name="Group 6">
                 <a:extLst>
                   <a:ext uri="{FF2B5EF4-FFF2-40B4-BE49-F238E27FC236}">
-                    <a16:creationId xmlns:a16="http://schemas.microsoft.com/office/drawing/2014/main" id="{AA95C0BF-F886-9FA7-8162-FAE969F0AB9A}"/>
+                    <a16:creationId xmlns:a16="http://schemas.microsoft.com/office/drawing/2014/main" xmlns="" id="{AA95C0BF-F886-9FA7-8162-FAE969F0AB9A}"/>
                   </a:ext>
                 </a:extLst>
               </p:cNvPr>
@@ -4921,7 +4952,7 @@
                       <m:fPr>
                         <m:ctrlPr>
                           <a:rPr lang="en-US" sz="4000" i="1" smtClean="0">
-                            <a:latin typeface="Cambria Math" panose="02040503050406030204" pitchFamily="18" charset="0"/>
+                            <a:latin typeface="Cambria Math"/>
                             <a:ea typeface="Cambria Math" panose="02040503050406030204" pitchFamily="18" charset="0"/>
                           </a:rPr>
                         </m:ctrlPr>
@@ -5022,7 +5053,7 @@
             <a:r>
               <a:rPr lang="en-US" sz="4000" b="1" dirty="0">
                 <a:solidFill>
-                  <a:srgbClr val="0000CC"/>
+                  <a:srgbClr val="00B050"/>
                 </a:solidFill>
                 <a:latin typeface="Cambria" panose="02040503050406030204" pitchFamily="18" charset="0"/>
               </a:rPr>
@@ -5068,7 +5099,7 @@
                       <m:fPr>
                         <m:ctrlPr>
                           <a:rPr lang="en-US" sz="4000" i="1" smtClean="0">
-                            <a:latin typeface="Cambria Math" panose="02040503050406030204" pitchFamily="18" charset="0"/>
+                            <a:latin typeface="Cambria Math"/>
                             <a:ea typeface="Cambria Math" panose="02040503050406030204" pitchFamily="18" charset="0"/>
                           </a:rPr>
                         </m:ctrlPr>
@@ -5127,7 +5158,7 @@
                       <m:fPr>
                         <m:ctrlPr>
                           <a:rPr lang="en-US" sz="4000" i="1">
-                            <a:latin typeface="Cambria Math" panose="02040503050406030204" pitchFamily="18" charset="0"/>
+                            <a:latin typeface="Cambria Math"/>
                             <a:ea typeface="Cambria Math" panose="02040503050406030204" pitchFamily="18" charset="0"/>
                           </a:rPr>
                         </m:ctrlPr>
@@ -5186,7 +5217,7 @@
                           <m:fPr>
                             <m:ctrlPr>
                               <a:rPr lang="en-US" sz="4000" i="1">
-                                <a:latin typeface="Cambria Math" panose="02040503050406030204" pitchFamily="18" charset="0"/>
+                                <a:latin typeface="Cambria Math"/>
                                 <a:ea typeface="Cambria Math" panose="02040503050406030204" pitchFamily="18" charset="0"/>
                               </a:rPr>
                             </m:ctrlPr>
@@ -5266,7 +5297,7 @@
           <p:cNvPr id="5" name="TextBox 4">
             <a:extLst>
               <a:ext uri="{FF2B5EF4-FFF2-40B4-BE49-F238E27FC236}">
-                <a16:creationId xmlns:a16="http://schemas.microsoft.com/office/drawing/2014/main" id="{B6DA45AE-0603-E846-B603-CBD46E3B654B}"/>
+                <a16:creationId xmlns:a16="http://schemas.microsoft.com/office/drawing/2014/main" xmlns="" id="{B6DA45AE-0603-E846-B603-CBD46E3B654B}"/>
               </a:ext>
             </a:extLst>
           </p:cNvPr>
@@ -5309,7 +5340,7 @@
           <p:cNvPr id="40" name="TextBox 39">
             <a:extLst>
               <a:ext uri="{FF2B5EF4-FFF2-40B4-BE49-F238E27FC236}">
-                <a16:creationId xmlns:a16="http://schemas.microsoft.com/office/drawing/2014/main" id="{19B494AE-FCA1-0844-907E-E477641C0B42}"/>
+                <a16:creationId xmlns:a16="http://schemas.microsoft.com/office/drawing/2014/main" xmlns="" id="{19B494AE-FCA1-0844-907E-E477641C0B42}"/>
               </a:ext>
             </a:extLst>
           </p:cNvPr>
@@ -5363,7 +5394,7 @@
           <p:cNvPr id="6" name="TextBox 5">
             <a:extLst>
               <a:ext uri="{FF2B5EF4-FFF2-40B4-BE49-F238E27FC236}">
-                <a16:creationId xmlns:a16="http://schemas.microsoft.com/office/drawing/2014/main" id="{F298FC8F-72DF-45F9-A773-68518AC86A20}"/>
+                <a16:creationId xmlns:a16="http://schemas.microsoft.com/office/drawing/2014/main" xmlns="" id="{F298FC8F-72DF-45F9-A773-68518AC86A20}"/>
               </a:ext>
             </a:extLst>
           </p:cNvPr>
@@ -5575,7 +5606,7 @@
             <a:r>
               <a:rPr lang="en-US" sz="4000" b="1" dirty="0">
                 <a:solidFill>
-                  <a:srgbClr val="0000CC"/>
+                  <a:srgbClr val="00B050"/>
                 </a:solidFill>
                 <a:latin typeface="Cambria" panose="02040503050406030204" pitchFamily="18" charset="0"/>
               </a:rPr>
@@ -6759,7 +6790,7 @@
                       <m:fPr>
                         <m:ctrlPr>
                           <a:rPr lang="en-US" sz="4000" i="1" smtClean="0">
-                            <a:latin typeface="Cambria Math" panose="02040503050406030204" pitchFamily="18" charset="0"/>
+                            <a:latin typeface="Cambria Math"/>
                             <a:ea typeface="Cambria Math" panose="02040503050406030204" pitchFamily="18" charset="0"/>
                           </a:rPr>
                         </m:ctrlPr>
@@ -6794,7 +6825,7 @@
                       <m:fPr>
                         <m:ctrlPr>
                           <a:rPr lang="en-US" sz="4000" b="0" i="1" smtClean="0">
-                            <a:latin typeface="Cambria Math" panose="02040503050406030204" pitchFamily="18" charset="0"/>
+                            <a:latin typeface="Cambria Math"/>
                             <a:ea typeface="Cambria Math" panose="02040503050406030204" pitchFamily="18" charset="0"/>
                           </a:rPr>
                         </m:ctrlPr>
@@ -6932,7 +6963,7 @@
                       <m:fPr>
                         <m:ctrlPr>
                           <a:rPr lang="en-US" sz="4000" i="1" smtClean="0">
-                            <a:latin typeface="Cambria Math" panose="02040503050406030204" pitchFamily="18" charset="0"/>
+                            <a:latin typeface="Cambria Math"/>
                             <a:ea typeface="Cambria Math" panose="02040503050406030204" pitchFamily="18" charset="0"/>
                           </a:rPr>
                         </m:ctrlPr>
@@ -7033,7 +7064,7 @@
               <p:cNvPr id="3" name="Rectangle 2">
                 <a:extLst>
                   <a:ext uri="{FF2B5EF4-FFF2-40B4-BE49-F238E27FC236}">
-                    <a16:creationId xmlns:a16="http://schemas.microsoft.com/office/drawing/2014/main" id="{A236DAAA-7493-A446-A990-D465898476A9}"/>
+                    <a16:creationId xmlns:a16="http://schemas.microsoft.com/office/drawing/2014/main" xmlns="" id="{A236DAAA-7493-A446-A990-D465898476A9}"/>
                   </a:ext>
                 </a:extLst>
               </p:cNvPr>
@@ -7077,7 +7108,7 @@
                       <m:dPr>
                         <m:ctrlPr>
                           <a:rPr lang="en-CA" sz="4000" i="1">
-                            <a:latin typeface="Cambria Math" panose="02040503050406030204" pitchFamily="18" charset="0"/>
+                            <a:latin typeface="Cambria Math"/>
                             <a:ea typeface="Calibri" panose="020F0502020204030204" pitchFamily="34" charset="0"/>
                             <a:cs typeface="Times New Roman" panose="02020603050405020304" pitchFamily="18" charset="0"/>
                           </a:rPr>
@@ -7106,7 +7137,7 @@
                       <m:sSubPr>
                         <m:ctrlPr>
                           <a:rPr lang="en-CA" sz="4000" i="1">
-                            <a:latin typeface="Cambria Math" panose="02040503050406030204" pitchFamily="18" charset="0"/>
+                            <a:latin typeface="Cambria Math"/>
                             <a:ea typeface="Calibri" panose="020F0502020204030204" pitchFamily="34" charset="0"/>
                             <a:cs typeface="Times New Roman" panose="02020603050405020304" pitchFamily="18" charset="0"/>
                           </a:rPr>
@@ -7149,7 +7180,7 @@
                       <m:sSubPr>
                         <m:ctrlPr>
                           <a:rPr lang="en-CA" sz="4000" i="1">
-                            <a:latin typeface="Cambria Math" panose="02040503050406030204" pitchFamily="18" charset="0"/>
+                            <a:latin typeface="Cambria Math"/>
                             <a:ea typeface="Calibri" panose="020F0502020204030204" pitchFamily="34" charset="0"/>
                             <a:cs typeface="Times New Roman" panose="02020603050405020304" pitchFamily="18" charset="0"/>
                           </a:rPr>
@@ -7188,7 +7219,7 @@
                       <m:sSubPr>
                         <m:ctrlPr>
                           <a:rPr lang="en-CA" sz="4000" i="1">
-                            <a:latin typeface="Cambria Math" panose="02040503050406030204" pitchFamily="18" charset="0"/>
+                            <a:latin typeface="Cambria Math"/>
                             <a:ea typeface="Calibri" panose="020F0502020204030204" pitchFamily="34" charset="0"/>
                             <a:cs typeface="Times New Roman" panose="02020603050405020304" pitchFamily="18" charset="0"/>
                           </a:rPr>
@@ -7277,7 +7308,7 @@
           <p:cNvPr id="35" name="TextBox 34">
             <a:extLst>
               <a:ext uri="{FF2B5EF4-FFF2-40B4-BE49-F238E27FC236}">
-                <a16:creationId xmlns:a16="http://schemas.microsoft.com/office/drawing/2014/main" id="{73356809-2F4D-9245-99C0-1DA42E363C0D}"/>
+                <a16:creationId xmlns:a16="http://schemas.microsoft.com/office/drawing/2014/main" xmlns="" id="{73356809-2F4D-9245-99C0-1DA42E363C0D}"/>
               </a:ext>
             </a:extLst>
           </p:cNvPr>
@@ -7336,7 +7367,7 @@
           <p:cNvPr id="36" name="TextBox 35">
             <a:extLst>
               <a:ext uri="{FF2B5EF4-FFF2-40B4-BE49-F238E27FC236}">
-                <a16:creationId xmlns:a16="http://schemas.microsoft.com/office/drawing/2014/main" id="{485AD5E2-4BD7-4C2B-A371-45C6CAC61885}"/>
+                <a16:creationId xmlns:a16="http://schemas.microsoft.com/office/drawing/2014/main" xmlns="" id="{485AD5E2-4BD7-4C2B-A371-45C6CAC61885}"/>
               </a:ext>
             </a:extLst>
           </p:cNvPr>
@@ -7375,7 +7406,7 @@
           <p:cNvPr id="71" name="Group 70">
             <a:extLst>
               <a:ext uri="{FF2B5EF4-FFF2-40B4-BE49-F238E27FC236}">
-                <a16:creationId xmlns:a16="http://schemas.microsoft.com/office/drawing/2014/main" id="{C6FC54E4-012E-1819-61A1-36AFD15D465F}"/>
+                <a16:creationId xmlns:a16="http://schemas.microsoft.com/office/drawing/2014/main" xmlns="" id="{C6FC54E4-012E-1819-61A1-36AFD15D465F}"/>
               </a:ext>
             </a:extLst>
           </p:cNvPr>
@@ -7395,7 +7426,7 @@
             <p:cNvPr id="10" name="Oval 9">
               <a:extLst>
                 <a:ext uri="{FF2B5EF4-FFF2-40B4-BE49-F238E27FC236}">
-                  <a16:creationId xmlns:a16="http://schemas.microsoft.com/office/drawing/2014/main" id="{CE8A3DB7-EFA6-6A78-B505-468A18735952}"/>
+                  <a16:creationId xmlns:a16="http://schemas.microsoft.com/office/drawing/2014/main" xmlns="" id="{CE8A3DB7-EFA6-6A78-B505-468A18735952}"/>
                 </a:ext>
               </a:extLst>
             </p:cNvPr>
@@ -7447,7 +7478,7 @@
             <p:cNvPr id="13" name="Straight Connector 12">
               <a:extLst>
                 <a:ext uri="{FF2B5EF4-FFF2-40B4-BE49-F238E27FC236}">
-                  <a16:creationId xmlns:a16="http://schemas.microsoft.com/office/drawing/2014/main" id="{939AAFA0-8B0C-B643-9B72-B799C8572F5E}"/>
+                  <a16:creationId xmlns:a16="http://schemas.microsoft.com/office/drawing/2014/main" xmlns="" id="{939AAFA0-8B0C-B643-9B72-B799C8572F5E}"/>
                 </a:ext>
               </a:extLst>
             </p:cNvPr>
@@ -7488,7 +7519,7 @@
             <p:cNvPr id="14" name="Straight Connector 13">
               <a:extLst>
                 <a:ext uri="{FF2B5EF4-FFF2-40B4-BE49-F238E27FC236}">
-                  <a16:creationId xmlns:a16="http://schemas.microsoft.com/office/drawing/2014/main" id="{D1F57F53-E83B-6C16-B638-5482116CEA58}"/>
+                  <a16:creationId xmlns:a16="http://schemas.microsoft.com/office/drawing/2014/main" xmlns="" id="{D1F57F53-E83B-6C16-B638-5482116CEA58}"/>
                 </a:ext>
               </a:extLst>
             </p:cNvPr>
@@ -7531,7 +7562,7 @@
             <p:cNvPr id="19" name="Straight Connector 18">
               <a:extLst>
                 <a:ext uri="{FF2B5EF4-FFF2-40B4-BE49-F238E27FC236}">
-                  <a16:creationId xmlns:a16="http://schemas.microsoft.com/office/drawing/2014/main" id="{C3B4BA9D-9E00-99E8-703D-05DD0561847F}"/>
+                  <a16:creationId xmlns:a16="http://schemas.microsoft.com/office/drawing/2014/main" xmlns="" id="{C3B4BA9D-9E00-99E8-703D-05DD0561847F}"/>
                 </a:ext>
               </a:extLst>
             </p:cNvPr>
@@ -7574,7 +7605,7 @@
             <p:cNvPr id="32" name="Straight Connector 31">
               <a:extLst>
                 <a:ext uri="{FF2B5EF4-FFF2-40B4-BE49-F238E27FC236}">
-                  <a16:creationId xmlns:a16="http://schemas.microsoft.com/office/drawing/2014/main" id="{2635E699-A730-866B-AB95-10781340D38D}"/>
+                  <a16:creationId xmlns:a16="http://schemas.microsoft.com/office/drawing/2014/main" xmlns="" id="{2635E699-A730-866B-AB95-10781340D38D}"/>
                 </a:ext>
               </a:extLst>
             </p:cNvPr>
@@ -7617,7 +7648,7 @@
             <p:cNvPr id="33" name="Straight Connector 32">
               <a:extLst>
                 <a:ext uri="{FF2B5EF4-FFF2-40B4-BE49-F238E27FC236}">
-                  <a16:creationId xmlns:a16="http://schemas.microsoft.com/office/drawing/2014/main" id="{6ACFE52F-8A32-7503-27C9-8D6647F1AF65}"/>
+                  <a16:creationId xmlns:a16="http://schemas.microsoft.com/office/drawing/2014/main" xmlns="" id="{6ACFE52F-8A32-7503-27C9-8D6647F1AF65}"/>
                 </a:ext>
               </a:extLst>
             </p:cNvPr>
@@ -7658,7 +7689,7 @@
             <p:cNvPr id="37" name="Arc 36">
               <a:extLst>
                 <a:ext uri="{FF2B5EF4-FFF2-40B4-BE49-F238E27FC236}">
-                  <a16:creationId xmlns:a16="http://schemas.microsoft.com/office/drawing/2014/main" id="{0DBC2BD8-1188-F521-7A55-38E75FC9094D}"/>
+                  <a16:creationId xmlns:a16="http://schemas.microsoft.com/office/drawing/2014/main" xmlns="" id="{0DBC2BD8-1188-F521-7A55-38E75FC9094D}"/>
                 </a:ext>
               </a:extLst>
             </p:cNvPr>
@@ -7710,7 +7741,7 @@
             <p:cNvPr id="39" name="Straight Connector 38">
               <a:extLst>
                 <a:ext uri="{FF2B5EF4-FFF2-40B4-BE49-F238E27FC236}">
-                  <a16:creationId xmlns:a16="http://schemas.microsoft.com/office/drawing/2014/main" id="{09C0CD8B-458E-177D-E91D-436A716BE5FD}"/>
+                  <a16:creationId xmlns:a16="http://schemas.microsoft.com/office/drawing/2014/main" xmlns="" id="{09C0CD8B-458E-177D-E91D-436A716BE5FD}"/>
                 </a:ext>
               </a:extLst>
             </p:cNvPr>
@@ -7751,7 +7782,7 @@
             <p:cNvPr id="40" name="Straight Connector 39">
               <a:extLst>
                 <a:ext uri="{FF2B5EF4-FFF2-40B4-BE49-F238E27FC236}">
-                  <a16:creationId xmlns:a16="http://schemas.microsoft.com/office/drawing/2014/main" id="{1899F925-202B-63A0-18C2-06A17B8EAC59}"/>
+                  <a16:creationId xmlns:a16="http://schemas.microsoft.com/office/drawing/2014/main" xmlns="" id="{1899F925-202B-63A0-18C2-06A17B8EAC59}"/>
                 </a:ext>
               </a:extLst>
             </p:cNvPr>
@@ -7792,7 +7823,7 @@
             <p:cNvPr id="42" name="TextBox 41">
               <a:extLst>
                 <a:ext uri="{FF2B5EF4-FFF2-40B4-BE49-F238E27FC236}">
-                  <a16:creationId xmlns:a16="http://schemas.microsoft.com/office/drawing/2014/main" id="{7A9EA286-8E81-3121-2D60-0FC27A15E0CE}"/>
+                  <a16:creationId xmlns:a16="http://schemas.microsoft.com/office/drawing/2014/main" xmlns="" id="{7A9EA286-8E81-3121-2D60-0FC27A15E0CE}"/>
                 </a:ext>
               </a:extLst>
             </p:cNvPr>
@@ -7829,7 +7860,7 @@
             <p:cNvPr id="45" name="Rectangle 44">
               <a:extLst>
                 <a:ext uri="{FF2B5EF4-FFF2-40B4-BE49-F238E27FC236}">
-                  <a16:creationId xmlns:a16="http://schemas.microsoft.com/office/drawing/2014/main" id="{66A1188C-FC6C-5B31-B00A-797712CD54E1}"/>
+                  <a16:creationId xmlns:a16="http://schemas.microsoft.com/office/drawing/2014/main" xmlns="" id="{66A1188C-FC6C-5B31-B00A-797712CD54E1}"/>
                 </a:ext>
               </a:extLst>
             </p:cNvPr>
@@ -7866,7 +7897,7 @@
             <p:cNvPr id="46" name="Rectangle 45">
               <a:extLst>
                 <a:ext uri="{FF2B5EF4-FFF2-40B4-BE49-F238E27FC236}">
-                  <a16:creationId xmlns:a16="http://schemas.microsoft.com/office/drawing/2014/main" id="{61427CE3-BAF5-80AF-0B5C-1075102F5EE9}"/>
+                  <a16:creationId xmlns:a16="http://schemas.microsoft.com/office/drawing/2014/main" xmlns="" id="{61427CE3-BAF5-80AF-0B5C-1075102F5EE9}"/>
                 </a:ext>
               </a:extLst>
             </p:cNvPr>
@@ -7903,7 +7934,7 @@
             <p:cNvPr id="48" name="TextBox 47">
               <a:extLst>
                 <a:ext uri="{FF2B5EF4-FFF2-40B4-BE49-F238E27FC236}">
-                  <a16:creationId xmlns:a16="http://schemas.microsoft.com/office/drawing/2014/main" id="{0BBECE20-3511-1422-C460-73CB50778E3A}"/>
+                  <a16:creationId xmlns:a16="http://schemas.microsoft.com/office/drawing/2014/main" xmlns="" id="{0BBECE20-3511-1422-C460-73CB50778E3A}"/>
                 </a:ext>
               </a:extLst>
             </p:cNvPr>
@@ -7940,7 +7971,7 @@
             <p:cNvPr id="49" name="Rectangle 48">
               <a:extLst>
                 <a:ext uri="{FF2B5EF4-FFF2-40B4-BE49-F238E27FC236}">
-                  <a16:creationId xmlns:a16="http://schemas.microsoft.com/office/drawing/2014/main" id="{30CF9312-643C-D218-396D-5EB05AAE50ED}"/>
+                  <a16:creationId xmlns:a16="http://schemas.microsoft.com/office/drawing/2014/main" xmlns="" id="{30CF9312-643C-D218-396D-5EB05AAE50ED}"/>
                 </a:ext>
               </a:extLst>
             </p:cNvPr>
@@ -7977,7 +8008,7 @@
             <p:cNvPr id="66" name="Group 65">
               <a:extLst>
                 <a:ext uri="{FF2B5EF4-FFF2-40B4-BE49-F238E27FC236}">
-                  <a16:creationId xmlns:a16="http://schemas.microsoft.com/office/drawing/2014/main" id="{1A0D9FEA-7ABB-8C15-F1C4-6A08E6D394C2}"/>
+                  <a16:creationId xmlns:a16="http://schemas.microsoft.com/office/drawing/2014/main" xmlns="" id="{1A0D9FEA-7ABB-8C15-F1C4-6A08E6D394C2}"/>
                 </a:ext>
               </a:extLst>
             </p:cNvPr>
@@ -7997,7 +8028,7 @@
               <p:cNvPr id="15" name="Straight Connector 14">
                 <a:extLst>
                   <a:ext uri="{FF2B5EF4-FFF2-40B4-BE49-F238E27FC236}">
-                    <a16:creationId xmlns:a16="http://schemas.microsoft.com/office/drawing/2014/main" id="{DF5AC679-0391-AA1C-993E-DF617E3C35A2}"/>
+                    <a16:creationId xmlns:a16="http://schemas.microsoft.com/office/drawing/2014/main" xmlns="" id="{DF5AC679-0391-AA1C-993E-DF617E3C35A2}"/>
                   </a:ext>
                 </a:extLst>
               </p:cNvPr>
@@ -8038,7 +8069,7 @@
               <p:cNvPr id="16" name="Straight Connector 15">
                 <a:extLst>
                   <a:ext uri="{FF2B5EF4-FFF2-40B4-BE49-F238E27FC236}">
-                    <a16:creationId xmlns:a16="http://schemas.microsoft.com/office/drawing/2014/main" id="{D67E2722-C439-B0DC-FAAB-07ED90DCC3E0}"/>
+                    <a16:creationId xmlns:a16="http://schemas.microsoft.com/office/drawing/2014/main" xmlns="" id="{D67E2722-C439-B0DC-FAAB-07ED90DCC3E0}"/>
                   </a:ext>
                 </a:extLst>
               </p:cNvPr>
@@ -8079,7 +8110,7 @@
               <p:cNvPr id="54" name="Straight Connector 53">
                 <a:extLst>
                   <a:ext uri="{FF2B5EF4-FFF2-40B4-BE49-F238E27FC236}">
-                    <a16:creationId xmlns:a16="http://schemas.microsoft.com/office/drawing/2014/main" id="{CBFD11BC-F40B-0084-DD28-F47F8CB1F868}"/>
+                    <a16:creationId xmlns:a16="http://schemas.microsoft.com/office/drawing/2014/main" xmlns="" id="{CBFD11BC-F40B-0084-DD28-F47F8CB1F868}"/>
                   </a:ext>
                 </a:extLst>
               </p:cNvPr>
@@ -8120,7 +8151,7 @@
               <p:cNvPr id="55" name="Straight Connector 54">
                 <a:extLst>
                   <a:ext uri="{FF2B5EF4-FFF2-40B4-BE49-F238E27FC236}">
-                    <a16:creationId xmlns:a16="http://schemas.microsoft.com/office/drawing/2014/main" id="{F862EEAF-438D-22D5-FD07-911218370F97}"/>
+                    <a16:creationId xmlns:a16="http://schemas.microsoft.com/office/drawing/2014/main" xmlns="" id="{F862EEAF-438D-22D5-FD07-911218370F97}"/>
                   </a:ext>
                 </a:extLst>
               </p:cNvPr>
@@ -8161,7 +8192,7 @@
               <p:cNvPr id="56" name="Straight Connector 55">
                 <a:extLst>
                   <a:ext uri="{FF2B5EF4-FFF2-40B4-BE49-F238E27FC236}">
-                    <a16:creationId xmlns:a16="http://schemas.microsoft.com/office/drawing/2014/main" id="{7EF8743C-C7BA-1EF6-107C-7A171615C168}"/>
+                    <a16:creationId xmlns:a16="http://schemas.microsoft.com/office/drawing/2014/main" xmlns="" id="{7EF8743C-C7BA-1EF6-107C-7A171615C168}"/>
                   </a:ext>
                 </a:extLst>
               </p:cNvPr>
@@ -8202,7 +8233,7 @@
               <p:cNvPr id="57" name="Straight Connector 56">
                 <a:extLst>
                   <a:ext uri="{FF2B5EF4-FFF2-40B4-BE49-F238E27FC236}">
-                    <a16:creationId xmlns:a16="http://schemas.microsoft.com/office/drawing/2014/main" id="{8EAC1522-6A53-6172-BC89-6B53B682CCE9}"/>
+                    <a16:creationId xmlns:a16="http://schemas.microsoft.com/office/drawing/2014/main" xmlns="" id="{8EAC1522-6A53-6172-BC89-6B53B682CCE9}"/>
                   </a:ext>
                 </a:extLst>
               </p:cNvPr>
@@ -8244,7 +8275,7 @@
             <p:cNvPr id="69" name="Straight Connector 68">
               <a:extLst>
                 <a:ext uri="{FF2B5EF4-FFF2-40B4-BE49-F238E27FC236}">
-                  <a16:creationId xmlns:a16="http://schemas.microsoft.com/office/drawing/2014/main" id="{E0A3348C-95E9-6552-4A0E-4B2487283173}"/>
+                  <a16:creationId xmlns:a16="http://schemas.microsoft.com/office/drawing/2014/main" xmlns="" id="{E0A3348C-95E9-6552-4A0E-4B2487283173}"/>
                 </a:ext>
               </a:extLst>
             </p:cNvPr>
@@ -8480,7 +8511,7 @@
             <a:r>
               <a:rPr lang="en-US" sz="4000" b="1" dirty="0">
                 <a:solidFill>
-                  <a:srgbClr val="0000CC"/>
+                  <a:srgbClr val="00B050"/>
                 </a:solidFill>
                 <a:latin typeface="Cambria" panose="02040503050406030204" pitchFamily="18" charset="0"/>
               </a:rPr>
@@ -8496,7 +8527,7 @@
               <p:cNvPr id="2" name="TextBox 1">
                 <a:extLst>
                   <a:ext uri="{FF2B5EF4-FFF2-40B4-BE49-F238E27FC236}">
-                    <a16:creationId xmlns:a16="http://schemas.microsoft.com/office/drawing/2014/main" id="{40D2C7BB-1EC1-B362-EC3F-7D1A25ECA01C}"/>
+                    <a16:creationId xmlns:a16="http://schemas.microsoft.com/office/drawing/2014/main" xmlns="" id="{40D2C7BB-1EC1-B362-EC3F-7D1A25ECA01C}"/>
                   </a:ext>
                 </a:extLst>
               </p:cNvPr>
@@ -8525,7 +8556,7 @@
                       <m:sSubPr>
                         <m:ctrlPr>
                           <a:rPr lang="en-GB" sz="3200" b="0" i="1" smtClean="0">
-                            <a:latin typeface="Cambria Math" panose="02040503050406030204" pitchFamily="18" charset="0"/>
+                            <a:latin typeface="Cambria Math"/>
                           </a:rPr>
                         </m:ctrlPr>
                       </m:sSubPr>
@@ -8568,7 +8599,7 @@
                       <m:fPr>
                         <m:ctrlPr>
                           <a:rPr lang="en-GB" sz="3200" i="1" smtClean="0">
-                            <a:latin typeface="Cambria Math" panose="02040503050406030204" pitchFamily="18" charset="0"/>
+                            <a:latin typeface="Cambria Math"/>
                           </a:rPr>
                         </m:ctrlPr>
                       </m:fPr>
@@ -8577,7 +8608,7 @@
                           <m:sSubPr>
                             <m:ctrlPr>
                               <a:rPr lang="en-GB" sz="3200" i="1" smtClean="0">
-                                <a:latin typeface="Cambria Math" panose="02040503050406030204" pitchFamily="18" charset="0"/>
+                                <a:latin typeface="Cambria Math"/>
                               </a:rPr>
                             </m:ctrlPr>
                           </m:sSubPr>
@@ -8602,7 +8633,7 @@
                           <m:fPr>
                             <m:ctrlPr>
                               <a:rPr lang="en-GB" sz="3200" b="0" i="1" smtClean="0">
-                                <a:latin typeface="Cambria Math" panose="02040503050406030204" pitchFamily="18" charset="0"/>
+                                <a:latin typeface="Cambria Math"/>
                               </a:rPr>
                             </m:ctrlPr>
                           </m:fPr>
@@ -8629,7 +8660,7 @@
                           <m:sSubPr>
                             <m:ctrlPr>
                               <a:rPr lang="en-GB" sz="3200" i="1">
-                                <a:latin typeface="Cambria Math" panose="02040503050406030204" pitchFamily="18" charset="0"/>
+                                <a:latin typeface="Cambria Math"/>
                               </a:rPr>
                             </m:ctrlPr>
                           </m:sSubPr>
@@ -8660,7 +8691,7 @@
                           <m:fPr>
                             <m:ctrlPr>
                               <a:rPr lang="en-GB" sz="3200" i="1">
-                                <a:latin typeface="Cambria Math" panose="02040503050406030204" pitchFamily="18" charset="0"/>
+                                <a:latin typeface="Cambria Math"/>
                               </a:rPr>
                             </m:ctrlPr>
                           </m:fPr>
@@ -8698,7 +8729,7 @@
                       <m:fPr>
                         <m:ctrlPr>
                           <a:rPr lang="en-GB" sz="3200" i="1">
-                            <a:latin typeface="Cambria Math" panose="02040503050406030204" pitchFamily="18" charset="0"/>
+                            <a:latin typeface="Cambria Math"/>
                           </a:rPr>
                         </m:ctrlPr>
                       </m:fPr>
@@ -8707,7 +8738,7 @@
                           <m:sSubPr>
                             <m:ctrlPr>
                               <a:rPr lang="en-GB" sz="3200" i="1">
-                                <a:latin typeface="Cambria Math" panose="02040503050406030204" pitchFamily="18" charset="0"/>
+                                <a:latin typeface="Cambria Math"/>
                               </a:rPr>
                             </m:ctrlPr>
                           </m:sSubPr>
@@ -8740,7 +8771,7 @@
                           <m:sSubPr>
                             <m:ctrlPr>
                               <a:rPr lang="en-GB" sz="3200" i="1">
-                                <a:latin typeface="Cambria Math" panose="02040503050406030204" pitchFamily="18" charset="0"/>
+                                <a:latin typeface="Cambria Math"/>
                               </a:rPr>
                             </m:ctrlPr>
                           </m:sSubPr>
@@ -8837,7 +8868,7 @@
               <p:cNvPr id="3" name="TextBox 2">
                 <a:extLst>
                   <a:ext uri="{FF2B5EF4-FFF2-40B4-BE49-F238E27FC236}">
-                    <a16:creationId xmlns:a16="http://schemas.microsoft.com/office/drawing/2014/main" id="{E2501AF9-86D2-6D82-057D-0BEDCF4C1B7E}"/>
+                    <a16:creationId xmlns:a16="http://schemas.microsoft.com/office/drawing/2014/main" xmlns="" id="{E2501AF9-86D2-6D82-057D-0BEDCF4C1B7E}"/>
                   </a:ext>
                 </a:extLst>
               </p:cNvPr>
@@ -8871,7 +8902,7 @@
                         <m:sSubPr>
                           <m:ctrlPr>
                             <a:rPr lang="en-GB" sz="3200" i="1" smtClean="0">
-                              <a:latin typeface="Cambria Math" panose="02040503050406030204" pitchFamily="18" charset="0"/>
+                              <a:latin typeface="Cambria Math"/>
                             </a:rPr>
                           </m:ctrlPr>
                         </m:sSubPr>
@@ -8896,7 +8927,7 @@
                         <m:dPr>
                           <m:ctrlPr>
                             <a:rPr lang="en-GB" sz="3200" i="1">
-                              <a:latin typeface="Cambria Math" panose="02040503050406030204" pitchFamily="18" charset="0"/>
+                              <a:latin typeface="Cambria Math"/>
                             </a:rPr>
                           </m:ctrlPr>
                         </m:dPr>
@@ -8919,7 +8950,7 @@
                         <m:fPr>
                           <m:ctrlPr>
                             <a:rPr lang="en-GB" sz="3200" i="1" smtClean="0">
-                              <a:latin typeface="Cambria Math" panose="02040503050406030204" pitchFamily="18" charset="0"/>
+                              <a:latin typeface="Cambria Math"/>
                             </a:rPr>
                           </m:ctrlPr>
                         </m:fPr>
@@ -8956,7 +8987,7 @@
                         <m:fPr>
                           <m:ctrlPr>
                             <a:rPr lang="en-GB" sz="3200" i="1">
-                              <a:latin typeface="Cambria Math" panose="02040503050406030204" pitchFamily="18" charset="0"/>
+                              <a:latin typeface="Cambria Math"/>
                             </a:rPr>
                           </m:ctrlPr>
                         </m:fPr>
@@ -11059,7 +11090,7 @@
             <a:r>
               <a:rPr lang="en-US" sz="4000" b="1" dirty="0">
                 <a:solidFill>
-                  <a:srgbClr val="0000CC"/>
+                  <a:srgbClr val="00B050"/>
                 </a:solidFill>
                 <a:latin typeface="Cambria" panose="02040503050406030204" pitchFamily="18" charset="0"/>
               </a:rPr>
@@ -11073,7 +11104,7 @@
           <p:cNvPr id="3" name="Rectangle 2">
             <a:extLst>
               <a:ext uri="{FF2B5EF4-FFF2-40B4-BE49-F238E27FC236}">
-                <a16:creationId xmlns:a16="http://schemas.microsoft.com/office/drawing/2014/main" id="{D0AE54A1-2B47-7748-8F60-8CB9B389D10D}"/>
+                <a16:creationId xmlns:a16="http://schemas.microsoft.com/office/drawing/2014/main" xmlns="" id="{D0AE54A1-2B47-7748-8F60-8CB9B389D10D}"/>
               </a:ext>
             </a:extLst>
           </p:cNvPr>
@@ -11330,7 +11361,7 @@
           <p:cNvPr id="4" name="Rectangle 3">
             <a:extLst>
               <a:ext uri="{FF2B5EF4-FFF2-40B4-BE49-F238E27FC236}">
-                <a16:creationId xmlns:a16="http://schemas.microsoft.com/office/drawing/2014/main" id="{59E76D6B-E8C5-4944-B60B-98E2CF1179D5}"/>
+                <a16:creationId xmlns:a16="http://schemas.microsoft.com/office/drawing/2014/main" xmlns="" id="{59E76D6B-E8C5-4944-B60B-98E2CF1179D5}"/>
               </a:ext>
             </a:extLst>
           </p:cNvPr>
@@ -11404,7 +11435,7 @@
           <p:cNvPr id="4" name="Rectangle 2">
             <a:extLst>
               <a:ext uri="{FF2B5EF4-FFF2-40B4-BE49-F238E27FC236}">
-                <a16:creationId xmlns:a16="http://schemas.microsoft.com/office/drawing/2014/main" id="{B0D09C4D-C41B-7A4E-9721-01B1A336FFFA}"/>
+                <a16:creationId xmlns:a16="http://schemas.microsoft.com/office/drawing/2014/main" xmlns="" id="{B0D09C4D-C41B-7A4E-9721-01B1A336FFFA}"/>
               </a:ext>
             </a:extLst>
           </p:cNvPr>
@@ -11473,7 +11504,7 @@
           <p:cNvPr id="5" name="Object 4">
             <a:extLst>
               <a:ext uri="{FF2B5EF4-FFF2-40B4-BE49-F238E27FC236}">
-                <a16:creationId xmlns:a16="http://schemas.microsoft.com/office/drawing/2014/main" id="{D3DE165E-B6EA-9042-B5E5-2FE129DEA71E}"/>
+                <a16:creationId xmlns:a16="http://schemas.microsoft.com/office/drawing/2014/main" xmlns="" id="{D3DE165E-B6EA-9042-B5E5-2FE129DEA71E}"/>
               </a:ext>
             </a:extLst>
           </p:cNvPr>
@@ -11496,19 +11527,19 @@
           <a:graphicData uri="http://schemas.openxmlformats.org/presentationml/2006/ole">
             <mc:AlternateContent xmlns:mc="http://schemas.openxmlformats.org/markup-compatibility/2006">
               <mc:Choice xmlns:v="urn:schemas-microsoft-com:vml" Requires="v">
-                <p:oleObj r:id="rId2" imgW="3981450" imgH="2057400" progId="PBrush">
+                <p:oleObj spid="_x0000_s2052" r:id="rId3" imgW="3981450" imgH="2057400" progId="PBrush">
                   <p:embed/>
                 </p:oleObj>
               </mc:Choice>
               <mc:Fallback>
-                <p:oleObj r:id="rId2" imgW="3981450" imgH="2057400" progId="PBrush">
+                <p:oleObj r:id="rId3" imgW="3981450" imgH="2057400" progId="PBrush">
                   <p:embed/>
                   <p:pic>
                     <p:nvPicPr>
                       <p:cNvPr id="5" name="Object 4">
                         <a:extLst>
                           <a:ext uri="{FF2B5EF4-FFF2-40B4-BE49-F238E27FC236}">
-                            <a16:creationId xmlns:a16="http://schemas.microsoft.com/office/drawing/2014/main" id="{D3DE165E-B6EA-9042-B5E5-2FE129DEA71E}"/>
+                            <a16:creationId xmlns:a16="http://schemas.microsoft.com/office/drawing/2014/main" xmlns="" id="{D3DE165E-B6EA-9042-B5E5-2FE129DEA71E}"/>
                           </a:ext>
                         </a:extLst>
                       </p:cNvPr>
@@ -11518,7 +11549,7 @@
                       <p:nvPr/>
                     </p:nvPicPr>
                     <p:blipFill>
-                      <a:blip r:embed="rId3">
+                      <a:blip r:embed="rId4">
                         <a:extLst>
                           <a:ext uri="{28A0092B-C50C-407E-A947-70E740481C1C}">
                             <a14:useLocalDpi xmlns:a14="http://schemas.microsoft.com/office/drawing/2010/main" val="0"/>
@@ -11554,7 +11585,7 @@
               <p:cNvPr id="6" name="Rectangle 5">
                 <a:extLst>
                   <a:ext uri="{FF2B5EF4-FFF2-40B4-BE49-F238E27FC236}">
-                    <a16:creationId xmlns:a16="http://schemas.microsoft.com/office/drawing/2014/main" id="{913D5FC7-B718-1B42-B558-0ED87FCEC162}"/>
+                    <a16:creationId xmlns:a16="http://schemas.microsoft.com/office/drawing/2014/main" xmlns="" id="{913D5FC7-B718-1B42-B558-0ED87FCEC162}"/>
                   </a:ext>
                 </a:extLst>
               </p:cNvPr>
@@ -11753,7 +11784,7 @@
                       <m:fPr>
                         <m:ctrlPr>
                           <a:rPr lang="en-CA" sz="2800" i="1">
-                            <a:latin typeface="Cambria Math" panose="02040503050406030204" pitchFamily="18" charset="0"/>
+                            <a:latin typeface="Cambria Math"/>
                             <a:ea typeface="Times New Roman" panose="02020603050405020304" pitchFamily="18" charset="0"/>
                             <a:cs typeface="Times New Roman" panose="02020603050405020304" pitchFamily="18" charset="0"/>
                           </a:rPr>
@@ -11774,7 +11805,7 @@
                           <m:sSubPr>
                             <m:ctrlPr>
                               <a:rPr lang="en-CA" sz="2800" i="1">
-                                <a:latin typeface="Cambria Math" panose="02040503050406030204" pitchFamily="18" charset="0"/>
+                                <a:latin typeface="Cambria Math"/>
                                 <a:ea typeface="Times New Roman" panose="02020603050405020304" pitchFamily="18" charset="0"/>
                                 <a:cs typeface="Times New Roman" panose="02020603050405020304" pitchFamily="18" charset="0"/>
                               </a:rPr>
@@ -11819,7 +11850,7 @@
                       <m:fPr>
                         <m:ctrlPr>
                           <a:rPr lang="en-CA" sz="2800" i="1">
-                            <a:latin typeface="Cambria Math" panose="02040503050406030204" pitchFamily="18" charset="0"/>
+                            <a:latin typeface="Cambria Math"/>
                             <a:ea typeface="Times New Roman" panose="02020603050405020304" pitchFamily="18" charset="0"/>
                             <a:cs typeface="Times New Roman" panose="02020603050405020304" pitchFamily="18" charset="0"/>
                           </a:rPr>
@@ -11858,7 +11889,7 @@
                       <m:fPr>
                         <m:ctrlPr>
                           <a:rPr lang="en-CA" sz="2800" i="1">
-                            <a:latin typeface="Cambria Math" panose="02040503050406030204" pitchFamily="18" charset="0"/>
+                            <a:latin typeface="Cambria Math"/>
                             <a:ea typeface="Times New Roman" panose="02020603050405020304" pitchFamily="18" charset="0"/>
                             <a:cs typeface="Times New Roman" panose="02020603050405020304" pitchFamily="18" charset="0"/>
                           </a:rPr>
@@ -11941,7 +11972,7 @@
                       <m:fPr>
                         <m:ctrlPr>
                           <a:rPr lang="en-CA" sz="2800" i="1">
-                            <a:latin typeface="Cambria Math" panose="02040503050406030204" pitchFamily="18" charset="0"/>
+                            <a:latin typeface="Cambria Math"/>
                             <a:ea typeface="Times New Roman" panose="02020603050405020304" pitchFamily="18" charset="0"/>
                             <a:cs typeface="Times New Roman" panose="02020603050405020304" pitchFamily="18" charset="0"/>
                           </a:rPr>
@@ -12194,7 +12225,7 @@
                       <m:fPr>
                         <m:ctrlPr>
                           <a:rPr lang="en-CA" sz="2800" i="1">
-                            <a:latin typeface="Cambria Math" panose="02040503050406030204" pitchFamily="18" charset="0"/>
+                            <a:latin typeface="Cambria Math"/>
                             <a:ea typeface="Times New Roman" panose="02020603050405020304" pitchFamily="18" charset="0"/>
                             <a:cs typeface="Times New Roman" panose="02020603050405020304" pitchFamily="18" charset="0"/>
                           </a:rPr>
@@ -12233,7 +12264,7 @@
                       <m:fPr>
                         <m:ctrlPr>
                           <a:rPr lang="en-CA" sz="2800" i="1">
-                            <a:latin typeface="Cambria Math" panose="02040503050406030204" pitchFamily="18" charset="0"/>
+                            <a:latin typeface="Cambria Math"/>
                             <a:ea typeface="Times New Roman" panose="02020603050405020304" pitchFamily="18" charset="0"/>
                             <a:cs typeface="Times New Roman" panose="02020603050405020304" pitchFamily="18" charset="0"/>
                           </a:rPr>
@@ -12254,7 +12285,7 @@
                           <m:sSubPr>
                             <m:ctrlPr>
                               <a:rPr lang="en-CA" sz="2800" i="1">
-                                <a:latin typeface="Cambria Math" panose="02040503050406030204" pitchFamily="18" charset="0"/>
+                                <a:latin typeface="Cambria Math"/>
                                 <a:ea typeface="Times New Roman" panose="02020603050405020304" pitchFamily="18" charset="0"/>
                                 <a:cs typeface="Times New Roman" panose="02020603050405020304" pitchFamily="18" charset="0"/>
                               </a:rPr>
@@ -12299,7 +12330,7 @@
                       <m:fPr>
                         <m:ctrlPr>
                           <a:rPr lang="en-CA" sz="2800" i="1">
-                            <a:latin typeface="Cambria Math" panose="02040503050406030204" pitchFamily="18" charset="0"/>
+                            <a:latin typeface="Cambria Math"/>
                             <a:ea typeface="Times New Roman" panose="02020603050405020304" pitchFamily="18" charset="0"/>
                             <a:cs typeface="Times New Roman" panose="02020603050405020304" pitchFamily="18" charset="0"/>
                           </a:rPr>
@@ -12346,7 +12377,7 @@
                       <m:fPr>
                         <m:ctrlPr>
                           <a:rPr lang="en-CA" sz="2800" i="1">
-                            <a:latin typeface="Cambria Math" panose="02040503050406030204" pitchFamily="18" charset="0"/>
+                            <a:latin typeface="Cambria Math"/>
                             <a:ea typeface="Times New Roman" panose="02020603050405020304" pitchFamily="18" charset="0"/>
                             <a:cs typeface="Times New Roman" panose="02020603050405020304" pitchFamily="18" charset="0"/>
                           </a:rPr>
@@ -12385,7 +12416,7 @@
                       <m:fPr>
                         <m:ctrlPr>
                           <a:rPr lang="en-CA" sz="2800" i="1">
-                            <a:latin typeface="Cambria Math" panose="02040503050406030204" pitchFamily="18" charset="0"/>
+                            <a:latin typeface="Cambria Math"/>
                             <a:ea typeface="Times New Roman" panose="02020603050405020304" pitchFamily="18" charset="0"/>
                             <a:cs typeface="Times New Roman" panose="02020603050405020304" pitchFamily="18" charset="0"/>
                           </a:rPr>
@@ -12476,7 +12507,7 @@
                       <m:fPr>
                         <m:ctrlPr>
                           <a:rPr lang="en-CA" sz="2800" i="1">
-                            <a:latin typeface="Cambria Math" panose="02040503050406030204" pitchFamily="18" charset="0"/>
+                            <a:latin typeface="Cambria Math"/>
                             <a:ea typeface="Times New Roman" panose="02020603050405020304" pitchFamily="18" charset="0"/>
                             <a:cs typeface="Times New Roman" panose="02020603050405020304" pitchFamily="18" charset="0"/>
                           </a:rPr>
@@ -12555,7 +12586,7 @@
                 <a:avLst/>
               </a:prstGeom>
               <a:blipFill>
-                <a:blip r:embed="rId4"/>
+                <a:blip r:embed="rId5"/>
                 <a:stretch>
                   <a:fillRect t="-1105" b="-442"/>
                 </a:stretch>
@@ -12581,7 +12612,7 @@
           <p:cNvPr id="7" name="Rectangle 6">
             <a:extLst>
               <a:ext uri="{FF2B5EF4-FFF2-40B4-BE49-F238E27FC236}">
-                <a16:creationId xmlns:a16="http://schemas.microsoft.com/office/drawing/2014/main" id="{1276B89C-A522-C746-820F-6FAC9E924199}"/>
+                <a16:creationId xmlns:a16="http://schemas.microsoft.com/office/drawing/2014/main" xmlns="" id="{1276B89C-A522-C746-820F-6FAC9E924199}"/>
               </a:ext>
             </a:extLst>
           </p:cNvPr>
@@ -12633,7 +12664,7 @@
           <p:cNvPr id="8" name="Rectangle 7">
             <a:extLst>
               <a:ext uri="{FF2B5EF4-FFF2-40B4-BE49-F238E27FC236}">
-                <a16:creationId xmlns:a16="http://schemas.microsoft.com/office/drawing/2014/main" id="{5209CFF9-4780-6244-885C-320313342A00}"/>
+                <a16:creationId xmlns:a16="http://schemas.microsoft.com/office/drawing/2014/main" xmlns="" id="{5209CFF9-4780-6244-885C-320313342A00}"/>
               </a:ext>
             </a:extLst>
           </p:cNvPr>
@@ -12685,7 +12716,7 @@
           <p:cNvPr id="2" name="Rectangle 1">
             <a:extLst>
               <a:ext uri="{FF2B5EF4-FFF2-40B4-BE49-F238E27FC236}">
-                <a16:creationId xmlns:a16="http://schemas.microsoft.com/office/drawing/2014/main" id="{439691F9-8E47-8D4B-A888-287634D2D252}"/>
+                <a16:creationId xmlns:a16="http://schemas.microsoft.com/office/drawing/2014/main" xmlns="" id="{439691F9-8E47-8D4B-A888-287634D2D252}"/>
               </a:ext>
             </a:extLst>
           </p:cNvPr>
@@ -12732,7 +12763,7 @@
           <p:cNvPr id="9" name="Rectangle 8">
             <a:extLst>
               <a:ext uri="{FF2B5EF4-FFF2-40B4-BE49-F238E27FC236}">
-                <a16:creationId xmlns:a16="http://schemas.microsoft.com/office/drawing/2014/main" id="{390E159B-6B16-C343-BF53-458A69B833BB}"/>
+                <a16:creationId xmlns:a16="http://schemas.microsoft.com/office/drawing/2014/main" xmlns="" id="{390E159B-6B16-C343-BF53-458A69B833BB}"/>
               </a:ext>
             </a:extLst>
           </p:cNvPr>
@@ -12779,7 +12810,7 @@
           <p:cNvPr id="3" name="TextBox 2">
             <a:extLst>
               <a:ext uri="{FF2B5EF4-FFF2-40B4-BE49-F238E27FC236}">
-                <a16:creationId xmlns:a16="http://schemas.microsoft.com/office/drawing/2014/main" id="{334279E6-6AE4-DEF5-CB2D-858EFB50AF8B}"/>
+                <a16:creationId xmlns:a16="http://schemas.microsoft.com/office/drawing/2014/main" xmlns="" id="{334279E6-6AE4-DEF5-CB2D-858EFB50AF8B}"/>
               </a:ext>
             </a:extLst>
           </p:cNvPr>
@@ -12808,7 +12839,7 @@
             <a:r>
               <a:rPr lang="en-US" sz="4000" b="1" dirty="0">
                 <a:solidFill>
-                  <a:srgbClr val="0000CC"/>
+                  <a:srgbClr val="00B050"/>
                 </a:solidFill>
                 <a:latin typeface="Cambria" panose="02040503050406030204" pitchFamily="18" charset="0"/>
               </a:rPr>
@@ -12817,7 +12848,7 @@
             <a:r>
               <a:rPr lang="en-US" sz="4000" b="1" dirty="0" err="1">
                 <a:solidFill>
-                  <a:srgbClr val="0000CC"/>
+                  <a:srgbClr val="00B050"/>
                 </a:solidFill>
                 <a:latin typeface="Cambria" panose="02040503050406030204" pitchFamily="18" charset="0"/>
               </a:rPr>
@@ -12826,7 +12857,7 @@
             <a:r>
               <a:rPr lang="en-US" sz="4000" b="1" dirty="0">
                 <a:solidFill>
-                  <a:srgbClr val="0000CC"/>
+                  <a:srgbClr val="00B050"/>
                 </a:solidFill>
                 <a:latin typeface="Cambria" panose="02040503050406030204" pitchFamily="18" charset="0"/>
               </a:rPr>
@@ -13757,7 +13788,7 @@
                       <m:sSubPr>
                         <m:ctrlPr>
                           <a:rPr lang="en-US" sz="3200" i="1" dirty="0" smtClean="0">
-                            <a:latin typeface="Cambria Math" panose="02040503050406030204" pitchFamily="18" charset="0"/>
+                            <a:latin typeface="Cambria Math"/>
                             <a:ea typeface="Cambria Math" panose="02040503050406030204" pitchFamily="18" charset="0"/>
                           </a:rPr>
                         </m:ctrlPr>
@@ -13796,7 +13827,7 @@
                       <m:fPr>
                         <m:ctrlPr>
                           <a:rPr lang="en-US" sz="3200" i="1" dirty="0" smtClean="0">
-                            <a:latin typeface="Cambria Math" panose="02040503050406030204" pitchFamily="18" charset="0"/>
+                            <a:latin typeface="Cambria Math"/>
                             <a:ea typeface="Cambria Math" panose="02040503050406030204" pitchFamily="18" charset="0"/>
                           </a:rPr>
                         </m:ctrlPr>
@@ -13906,7 +13937,7 @@
                       <m:sSubPr>
                         <m:ctrlPr>
                           <a:rPr lang="en-US" sz="3200" i="1" dirty="0" smtClean="0">
-                            <a:latin typeface="Cambria Math" panose="02040503050406030204" pitchFamily="18" charset="0"/>
+                            <a:latin typeface="Cambria Math"/>
                             <a:ea typeface="Cambria Math" panose="02040503050406030204" pitchFamily="18" charset="0"/>
                           </a:rPr>
                         </m:ctrlPr>
@@ -13945,7 +13976,7 @@
                       <m:fPr>
                         <m:ctrlPr>
                           <a:rPr lang="en-US" sz="3200" i="1" dirty="0" smtClean="0">
-                            <a:latin typeface="Cambria Math" panose="02040503050406030204" pitchFamily="18" charset="0"/>
+                            <a:latin typeface="Cambria Math"/>
                             <a:ea typeface="Cambria Math" panose="02040503050406030204" pitchFamily="18" charset="0"/>
                           </a:rPr>
                         </m:ctrlPr>
@@ -14080,7 +14111,7 @@
                             <a:solidFill>
                               <a:srgbClr val="0000FF"/>
                             </a:solidFill>
-                            <a:latin typeface="Cambria Math" panose="02040503050406030204" pitchFamily="18" charset="0"/>
+                            <a:latin typeface="Cambria Math"/>
                             <a:ea typeface="Cambria Math" panose="02040503050406030204" pitchFamily="18" charset="0"/>
                           </a:rPr>
                         </m:ctrlPr>
@@ -14131,7 +14162,7 @@
                             <a:solidFill>
                               <a:srgbClr val="0000FF"/>
                             </a:solidFill>
-                            <a:latin typeface="Cambria Math" panose="02040503050406030204" pitchFamily="18" charset="0"/>
+                            <a:latin typeface="Cambria Math"/>
                             <a:ea typeface="Cambria Math" panose="02040503050406030204" pitchFamily="18" charset="0"/>
                           </a:rPr>
                         </m:ctrlPr>
@@ -14257,7 +14288,7 @@
                       <m:dPr>
                         <m:ctrlPr>
                           <a:rPr lang="en-US" sz="2800" i="1" smtClean="0">
-                            <a:latin typeface="Cambria Math" panose="02040503050406030204" pitchFamily="18" charset="0"/>
+                            <a:latin typeface="Cambria Math"/>
                           </a:rPr>
                         </m:ctrlPr>
                       </m:dPr>
@@ -14280,7 +14311,7 @@
                       <m:fPr>
                         <m:ctrlPr>
                           <a:rPr lang="en-US" sz="2800" i="1" smtClean="0">
-                            <a:latin typeface="Cambria Math" panose="02040503050406030204" pitchFamily="18" charset="0"/>
+                            <a:latin typeface="Cambria Math"/>
                           </a:rPr>
                         </m:ctrlPr>
                       </m:fPr>
@@ -14295,7 +14326,7 @@
                           <m:dPr>
                             <m:ctrlPr>
                               <a:rPr lang="en-US" sz="2800" i="1" smtClean="0">
-                                <a:latin typeface="Cambria Math" panose="02040503050406030204" pitchFamily="18" charset="0"/>
+                                <a:latin typeface="Cambria Math"/>
                               </a:rPr>
                             </m:ctrlPr>
                           </m:dPr>
@@ -14390,7 +14421,7 @@
                       <m:fPr>
                         <m:ctrlPr>
                           <a:rPr lang="en-US" sz="2800" i="1" smtClean="0">
-                            <a:latin typeface="Cambria Math" panose="02040503050406030204" pitchFamily="18" charset="0"/>
+                            <a:latin typeface="Cambria Math"/>
                           </a:rPr>
                         </m:ctrlPr>
                       </m:fPr>
@@ -14405,7 +14436,7 @@
                           <m:sSupPr>
                             <m:ctrlPr>
                               <a:rPr lang="en-US" sz="2800" i="1" smtClean="0">
-                                <a:latin typeface="Cambria Math" panose="02040503050406030204" pitchFamily="18" charset="0"/>
+                                <a:latin typeface="Cambria Math"/>
                               </a:rPr>
                             </m:ctrlPr>
                           </m:sSupPr>
@@ -14529,7 +14560,7 @@
           <p:cNvPr id="37" name="Rectangle 36">
             <a:extLst>
               <a:ext uri="{FF2B5EF4-FFF2-40B4-BE49-F238E27FC236}">
-                <a16:creationId xmlns:a16="http://schemas.microsoft.com/office/drawing/2014/main" id="{7C3161A5-8273-A64F-B43A-E03ED09D5590}"/>
+                <a16:creationId xmlns:a16="http://schemas.microsoft.com/office/drawing/2014/main" xmlns="" id="{7C3161A5-8273-A64F-B43A-E03ED09D5590}"/>
               </a:ext>
             </a:extLst>
           </p:cNvPr>
@@ -14578,7 +14609,7 @@
           <p:cNvPr id="38" name="Rectangle 37">
             <a:extLst>
               <a:ext uri="{FF2B5EF4-FFF2-40B4-BE49-F238E27FC236}">
-                <a16:creationId xmlns:a16="http://schemas.microsoft.com/office/drawing/2014/main" id="{94DA3321-0782-2444-B6C5-A0182E5E2736}"/>
+                <a16:creationId xmlns:a16="http://schemas.microsoft.com/office/drawing/2014/main" xmlns="" id="{94DA3321-0782-2444-B6C5-A0182E5E2736}"/>
               </a:ext>
             </a:extLst>
           </p:cNvPr>
@@ -14627,7 +14658,7 @@
           <p:cNvPr id="39" name="Rectangle 38">
             <a:extLst>
               <a:ext uri="{FF2B5EF4-FFF2-40B4-BE49-F238E27FC236}">
-                <a16:creationId xmlns:a16="http://schemas.microsoft.com/office/drawing/2014/main" id="{9652CAB5-70B9-4C4E-A56B-3A91DC9BA8CE}"/>
+                <a16:creationId xmlns:a16="http://schemas.microsoft.com/office/drawing/2014/main" xmlns="" id="{9652CAB5-70B9-4C4E-A56B-3A91DC9BA8CE}"/>
               </a:ext>
             </a:extLst>
           </p:cNvPr>
@@ -14674,7 +14705,7 @@
           <p:cNvPr id="3" name="TextBox 2">
             <a:extLst>
               <a:ext uri="{FF2B5EF4-FFF2-40B4-BE49-F238E27FC236}">
-                <a16:creationId xmlns:a16="http://schemas.microsoft.com/office/drawing/2014/main" id="{B1B36626-46A4-A769-6BAF-9D8F36071D02}"/>
+                <a16:creationId xmlns:a16="http://schemas.microsoft.com/office/drawing/2014/main" xmlns="" id="{B1B36626-46A4-A769-6BAF-9D8F36071D02}"/>
               </a:ext>
             </a:extLst>
           </p:cNvPr>
@@ -14703,7 +14734,7 @@
             <a:r>
               <a:rPr lang="en-US" sz="4000" b="1" dirty="0">
                 <a:solidFill>
-                  <a:srgbClr val="0000CC"/>
+                  <a:srgbClr val="00B050"/>
                 </a:solidFill>
                 <a:latin typeface="Cambria" panose="02040503050406030204" pitchFamily="18" charset="0"/>
               </a:rPr>
@@ -14712,7 +14743,7 @@
             <a:r>
               <a:rPr lang="en-US" sz="4000" b="1" dirty="0" err="1">
                 <a:solidFill>
-                  <a:srgbClr val="0000CC"/>
+                  <a:srgbClr val="00B050"/>
                 </a:solidFill>
                 <a:latin typeface="Cambria" panose="02040503050406030204" pitchFamily="18" charset="0"/>
               </a:rPr>
@@ -14721,7 +14752,7 @@
             <a:r>
               <a:rPr lang="en-US" sz="4000" b="1" dirty="0">
                 <a:solidFill>
-                  <a:srgbClr val="0000CC"/>
+                  <a:srgbClr val="00B050"/>
                 </a:solidFill>
                 <a:latin typeface="Cambria" panose="02040503050406030204" pitchFamily="18" charset="0"/>
               </a:rPr>
@@ -14767,7 +14798,7 @@
               <p:cNvPr id="4" name="Rectangle 3">
                 <a:extLst>
                   <a:ext uri="{FF2B5EF4-FFF2-40B4-BE49-F238E27FC236}">
-                    <a16:creationId xmlns:a16="http://schemas.microsoft.com/office/drawing/2014/main" id="{5A19D62E-5F31-B54E-A270-B42C6DD833E9}"/>
+                    <a16:creationId xmlns:a16="http://schemas.microsoft.com/office/drawing/2014/main" xmlns="" id="{5A19D62E-5F31-B54E-A270-B42C6DD833E9}"/>
                   </a:ext>
                 </a:extLst>
               </p:cNvPr>
@@ -14819,7 +14850,7 @@
                       <m:sSubPr>
                         <m:ctrlPr>
                           <a:rPr lang="en-CA" sz="2400" i="1">
-                            <a:latin typeface="Cambria Math" panose="02040503050406030204" pitchFamily="18" charset="0"/>
+                            <a:latin typeface="Cambria Math"/>
                             <a:ea typeface="Times New Roman" panose="02020603050405020304" pitchFamily="18" charset="0"/>
                             <a:cs typeface="Times New Roman" panose="02020603050405020304" pitchFamily="18" charset="0"/>
                           </a:rPr>
@@ -14850,7 +14881,7 @@
                       <m:dPr>
                         <m:ctrlPr>
                           <a:rPr lang="en-CA" sz="2400" i="1">
-                            <a:latin typeface="Cambria Math" panose="02040503050406030204" pitchFamily="18" charset="0"/>
+                            <a:latin typeface="Cambria Math"/>
                             <a:ea typeface="Times New Roman" panose="02020603050405020304" pitchFamily="18" charset="0"/>
                             <a:cs typeface="Times New Roman" panose="02020603050405020304" pitchFamily="18" charset="0"/>
                           </a:rPr>
@@ -14879,7 +14910,7 @@
                       <m:fPr>
                         <m:ctrlPr>
                           <a:rPr lang="en-CA" sz="2400" i="1">
-                            <a:latin typeface="Cambria Math" panose="02040503050406030204" pitchFamily="18" charset="0"/>
+                            <a:latin typeface="Cambria Math"/>
                             <a:ea typeface="Times New Roman" panose="02020603050405020304" pitchFamily="18" charset="0"/>
                             <a:cs typeface="Times New Roman" panose="02020603050405020304" pitchFamily="18" charset="0"/>
                           </a:rPr>
@@ -14890,7 +14921,7 @@
                           <m:sSubPr>
                             <m:ctrlPr>
                               <a:rPr lang="en-CA" sz="2400" i="1">
-                                <a:latin typeface="Cambria Math" panose="02040503050406030204" pitchFamily="18" charset="0"/>
+                                <a:latin typeface="Cambria Math"/>
                                 <a:ea typeface="Times New Roman" panose="02020603050405020304" pitchFamily="18" charset="0"/>
                                 <a:cs typeface="Times New Roman" panose="02020603050405020304" pitchFamily="18" charset="0"/>
                               </a:rPr>
@@ -14921,7 +14952,7 @@
                           <m:dPr>
                             <m:ctrlPr>
                               <a:rPr lang="en-CA" sz="2400" i="1">
-                                <a:latin typeface="Cambria Math" panose="02040503050406030204" pitchFamily="18" charset="0"/>
+                                <a:latin typeface="Cambria Math"/>
                                 <a:ea typeface="Times New Roman" panose="02020603050405020304" pitchFamily="18" charset="0"/>
                                 <a:cs typeface="Times New Roman" panose="02020603050405020304" pitchFamily="18" charset="0"/>
                               </a:rPr>
@@ -14952,7 +14983,7 @@
                           <m:dPr>
                             <m:ctrlPr>
                               <a:rPr lang="en-CA" sz="2400" i="1">
-                                <a:latin typeface="Cambria Math" panose="02040503050406030204" pitchFamily="18" charset="0"/>
+                                <a:latin typeface="Cambria Math"/>
                                 <a:ea typeface="Times New Roman" panose="02020603050405020304" pitchFamily="18" charset="0"/>
                                 <a:cs typeface="Times New Roman" panose="02020603050405020304" pitchFamily="18" charset="0"/>
                               </a:rPr>
@@ -15039,7 +15070,7 @@
                         <m:sSubPr>
                           <m:ctrlPr>
                             <a:rPr lang="en-CA" sz="2400" i="1">
-                              <a:latin typeface="Cambria Math" panose="02040503050406030204" pitchFamily="18" charset="0"/>
+                              <a:latin typeface="Cambria Math"/>
                               <a:ea typeface="Times New Roman" panose="02020603050405020304" pitchFamily="18" charset="0"/>
                               <a:cs typeface="Times New Roman" panose="02020603050405020304" pitchFamily="18" charset="0"/>
                             </a:rPr>
@@ -15070,7 +15101,7 @@
                         <m:dPr>
                           <m:ctrlPr>
                             <a:rPr lang="en-CA" sz="2400" i="1">
-                              <a:latin typeface="Cambria Math" panose="02040503050406030204" pitchFamily="18" charset="0"/>
+                              <a:latin typeface="Cambria Math"/>
                               <a:ea typeface="Times New Roman" panose="02020603050405020304" pitchFamily="18" charset="0"/>
                               <a:cs typeface="Times New Roman" panose="02020603050405020304" pitchFamily="18" charset="0"/>
                             </a:rPr>
@@ -15099,7 +15130,7 @@
                         <m:fPr>
                           <m:ctrlPr>
                             <a:rPr lang="en-CA" sz="2400" i="1">
-                              <a:latin typeface="Cambria Math" panose="02040503050406030204" pitchFamily="18" charset="0"/>
+                              <a:latin typeface="Cambria Math"/>
                               <a:ea typeface="Times New Roman" panose="02020603050405020304" pitchFamily="18" charset="0"/>
                               <a:cs typeface="Times New Roman" panose="02020603050405020304" pitchFamily="18" charset="0"/>
                             </a:rPr>
@@ -15110,7 +15141,7 @@
                             <m:fPr>
                               <m:ctrlPr>
                                 <a:rPr lang="en-CA" sz="2400" i="1">
-                                  <a:latin typeface="Cambria Math" panose="02040503050406030204" pitchFamily="18" charset="0"/>
+                                  <a:latin typeface="Cambria Math"/>
                                   <a:ea typeface="Times New Roman" panose="02020603050405020304" pitchFamily="18" charset="0"/>
                                   <a:cs typeface="Times New Roman" panose="02020603050405020304" pitchFamily="18" charset="0"/>
                                 </a:rPr>
@@ -15159,7 +15190,7 @@
                             <m:fPr>
                               <m:ctrlPr>
                                 <a:rPr lang="en-CA" sz="2400" i="1">
-                                  <a:latin typeface="Cambria Math" panose="02040503050406030204" pitchFamily="18" charset="0"/>
+                                  <a:latin typeface="Cambria Math"/>
                                   <a:ea typeface="Times New Roman" panose="02020603050405020304" pitchFamily="18" charset="0"/>
                                   <a:cs typeface="Times New Roman" panose="02020603050405020304" pitchFamily="18" charset="0"/>
                                 </a:rPr>
@@ -15178,7 +15209,7 @@
                                 <m:sSupPr>
                                   <m:ctrlPr>
                                     <a:rPr lang="en-CA" sz="2400" i="1">
-                                      <a:latin typeface="Cambria Math" panose="02040503050406030204" pitchFamily="18" charset="0"/>
+                                      <a:latin typeface="Cambria Math"/>
                                       <a:ea typeface="Times New Roman" panose="02020603050405020304" pitchFamily="18" charset="0"/>
                                       <a:cs typeface="Times New Roman" panose="02020603050405020304" pitchFamily="18" charset="0"/>
                                     </a:rPr>
@@ -15360,7 +15391,7 @@
                         <m:sSubPr>
                           <m:ctrlPr>
                             <a:rPr lang="en-CA" sz="2400" i="1">
-                              <a:latin typeface="Cambria Math" panose="02040503050406030204" pitchFamily="18" charset="0"/>
+                              <a:latin typeface="Cambria Math"/>
                               <a:ea typeface="Times New Roman" panose="02020603050405020304" pitchFamily="18" charset="0"/>
                               <a:cs typeface="Times New Roman" panose="02020603050405020304" pitchFamily="18" charset="0"/>
                             </a:rPr>
@@ -15391,7 +15422,7 @@
                         <m:dPr>
                           <m:ctrlPr>
                             <a:rPr lang="en-CA" sz="2400" i="1">
-                              <a:latin typeface="Cambria Math" panose="02040503050406030204" pitchFamily="18" charset="0"/>
+                              <a:latin typeface="Cambria Math"/>
                               <a:ea typeface="Times New Roman" panose="02020603050405020304" pitchFamily="18" charset="0"/>
                               <a:cs typeface="Times New Roman" panose="02020603050405020304" pitchFamily="18" charset="0"/>
                             </a:rPr>
@@ -15420,7 +15451,7 @@
                         <m:fPr>
                           <m:ctrlPr>
                             <a:rPr lang="en-CA" sz="2400" i="1">
-                              <a:latin typeface="Cambria Math" panose="02040503050406030204" pitchFamily="18" charset="0"/>
+                              <a:latin typeface="Cambria Math"/>
                               <a:ea typeface="Times New Roman" panose="02020603050405020304" pitchFamily="18" charset="0"/>
                               <a:cs typeface="Times New Roman" panose="02020603050405020304" pitchFamily="18" charset="0"/>
                             </a:rPr>
@@ -15513,7 +15544,7 @@
                             <m:sSupPr>
                               <m:ctrlPr>
                                 <a:rPr lang="en-CA" sz="2400" i="1">
-                                  <a:latin typeface="Cambria Math" panose="02040503050406030204" pitchFamily="18" charset="0"/>
+                                  <a:latin typeface="Cambria Math"/>
                                   <a:ea typeface="Times New Roman" panose="02020603050405020304" pitchFamily="18" charset="0"/>
                                   <a:cs typeface="Times New Roman" panose="02020603050405020304" pitchFamily="18" charset="0"/>
                                 </a:rPr>
@@ -15651,7 +15682,7 @@
                         <m:sSubPr>
                           <m:ctrlPr>
                             <a:rPr lang="en-CA" sz="2400" i="1">
-                              <a:latin typeface="Cambria Math" panose="02040503050406030204" pitchFamily="18" charset="0"/>
+                              <a:latin typeface="Cambria Math"/>
                               <a:ea typeface="Times New Roman" panose="02020603050405020304" pitchFamily="18" charset="0"/>
                               <a:cs typeface="Times New Roman" panose="02020603050405020304" pitchFamily="18" charset="0"/>
                             </a:rPr>
@@ -15682,7 +15713,7 @@
                         <m:dPr>
                           <m:ctrlPr>
                             <a:rPr lang="en-CA" sz="2400" i="1">
-                              <a:latin typeface="Cambria Math" panose="02040503050406030204" pitchFamily="18" charset="0"/>
+                              <a:latin typeface="Cambria Math"/>
                               <a:ea typeface="Times New Roman" panose="02020603050405020304" pitchFamily="18" charset="0"/>
                               <a:cs typeface="Times New Roman" panose="02020603050405020304" pitchFamily="18" charset="0"/>
                             </a:rPr>
@@ -15711,7 +15742,7 @@
                         <m:fPr>
                           <m:ctrlPr>
                             <a:rPr lang="en-CA" sz="2400" i="1">
-                              <a:latin typeface="Cambria Math" panose="02040503050406030204" pitchFamily="18" charset="0"/>
+                              <a:latin typeface="Cambria Math"/>
                               <a:ea typeface="Times New Roman" panose="02020603050405020304" pitchFamily="18" charset="0"/>
                               <a:cs typeface="Times New Roman" panose="02020603050405020304" pitchFamily="18" charset="0"/>
                             </a:rPr>
@@ -15772,7 +15803,7 @@
                             <m:sSupPr>
                               <m:ctrlPr>
                                 <a:rPr lang="en-CA" sz="2400" i="1">
-                                  <a:latin typeface="Cambria Math" panose="02040503050406030204" pitchFamily="18" charset="0"/>
+                                  <a:latin typeface="Cambria Math"/>
                                   <a:ea typeface="Times New Roman" panose="02020603050405020304" pitchFamily="18" charset="0"/>
                                   <a:cs typeface="Times New Roman" panose="02020603050405020304" pitchFamily="18" charset="0"/>
                                 </a:rPr>
@@ -15908,7 +15939,7 @@
                             <a:solidFill>
                               <a:srgbClr val="C00000"/>
                             </a:solidFill>
-                            <a:latin typeface="Cambria Math" panose="02040503050406030204" pitchFamily="18" charset="0"/>
+                            <a:latin typeface="Cambria Math"/>
                             <a:ea typeface="Times New Roman" panose="02020603050405020304" pitchFamily="18" charset="0"/>
                             <a:cs typeface="Times New Roman" panose="02020603050405020304" pitchFamily="18" charset="0"/>
                           </a:rPr>
@@ -15948,7 +15979,7 @@
                             <a:solidFill>
                               <a:srgbClr val="C00000"/>
                             </a:solidFill>
-                            <a:latin typeface="Cambria Math" panose="02040503050406030204" pitchFamily="18" charset="0"/>
+                            <a:latin typeface="Cambria Math"/>
                             <a:ea typeface="Times New Roman" panose="02020603050405020304" pitchFamily="18" charset="0"/>
                             <a:cs typeface="Times New Roman" panose="02020603050405020304" pitchFamily="18" charset="0"/>
                           </a:rPr>
@@ -15986,7 +16017,7 @@
                             <a:solidFill>
                               <a:srgbClr val="C00000"/>
                             </a:solidFill>
-                            <a:latin typeface="Cambria Math" panose="02040503050406030204" pitchFamily="18" charset="0"/>
+                            <a:latin typeface="Cambria Math"/>
                             <a:ea typeface="Times New Roman" panose="02020603050405020304" pitchFamily="18" charset="0"/>
                             <a:cs typeface="Times New Roman" panose="02020603050405020304" pitchFamily="18" charset="0"/>
                           </a:rPr>
@@ -16057,7 +16088,7 @@
                                 <a:solidFill>
                                   <a:srgbClr val="C00000"/>
                                 </a:solidFill>
-                                <a:latin typeface="Cambria Math" panose="02040503050406030204" pitchFamily="18" charset="0"/>
+                                <a:latin typeface="Cambria Math"/>
                                 <a:ea typeface="Times New Roman" panose="02020603050405020304" pitchFamily="18" charset="0"/>
                                 <a:cs typeface="Times New Roman" panose="02020603050405020304" pitchFamily="18" charset="0"/>
                               </a:rPr>
@@ -16246,7 +16277,7 @@
           <p:cNvPr id="5" name="Rectangle 2">
             <a:extLst>
               <a:ext uri="{FF2B5EF4-FFF2-40B4-BE49-F238E27FC236}">
-                <a16:creationId xmlns:a16="http://schemas.microsoft.com/office/drawing/2014/main" id="{1CFC8511-B5EB-8D46-B72A-2B22389DB99E}"/>
+                <a16:creationId xmlns:a16="http://schemas.microsoft.com/office/drawing/2014/main" xmlns="" id="{1CFC8511-B5EB-8D46-B72A-2B22389DB99E}"/>
               </a:ext>
             </a:extLst>
           </p:cNvPr>
@@ -16315,7 +16346,7 @@
           <p:cNvPr id="2" name="TextBox 1">
             <a:extLst>
               <a:ext uri="{FF2B5EF4-FFF2-40B4-BE49-F238E27FC236}">
-                <a16:creationId xmlns:a16="http://schemas.microsoft.com/office/drawing/2014/main" id="{C6672379-20DC-BAF6-1519-AC4EC0D425AF}"/>
+                <a16:creationId xmlns:a16="http://schemas.microsoft.com/office/drawing/2014/main" xmlns="" id="{C6672379-20DC-BAF6-1519-AC4EC0D425AF}"/>
               </a:ext>
             </a:extLst>
           </p:cNvPr>
@@ -16344,7 +16375,7 @@
             <a:r>
               <a:rPr lang="en-US" sz="4000" b="1" dirty="0">
                 <a:solidFill>
-                  <a:srgbClr val="0000CC"/>
+                  <a:srgbClr val="00B050"/>
                 </a:solidFill>
                 <a:latin typeface="Cambria" panose="02040503050406030204" pitchFamily="18" charset="0"/>
               </a:rPr>
@@ -16353,7 +16384,7 @@
             <a:r>
               <a:rPr lang="en-US" sz="4000" b="1" dirty="0" err="1">
                 <a:solidFill>
-                  <a:srgbClr val="0000CC"/>
+                  <a:srgbClr val="00B050"/>
                 </a:solidFill>
                 <a:latin typeface="Cambria" panose="02040503050406030204" pitchFamily="18" charset="0"/>
               </a:rPr>
@@ -16362,7 +16393,7 @@
             <a:r>
               <a:rPr lang="en-US" sz="4000" b="1" dirty="0">
                 <a:solidFill>
-                  <a:srgbClr val="0000CC"/>
+                  <a:srgbClr val="00B050"/>
                 </a:solidFill>
                 <a:latin typeface="Cambria" panose="02040503050406030204" pitchFamily="18" charset="0"/>
               </a:rPr>
@@ -16408,7 +16439,7 @@
               <p:cNvPr id="4" name="Rectangle 3">
                 <a:extLst>
                   <a:ext uri="{FF2B5EF4-FFF2-40B4-BE49-F238E27FC236}">
-                    <a16:creationId xmlns:a16="http://schemas.microsoft.com/office/drawing/2014/main" id="{78A745A9-9FAA-2140-B39E-EDEC9AB8694E}"/>
+                    <a16:creationId xmlns:a16="http://schemas.microsoft.com/office/drawing/2014/main" xmlns="" id="{78A745A9-9FAA-2140-B39E-EDEC9AB8694E}"/>
                   </a:ext>
                 </a:extLst>
               </p:cNvPr>
@@ -16513,7 +16544,7 @@
                         <m:sSubPr>
                           <m:ctrlPr>
                             <a:rPr lang="en-CA" i="1">
-                              <a:latin typeface="Cambria Math" panose="02040503050406030204" pitchFamily="18" charset="0"/>
+                              <a:latin typeface="Cambria Math"/>
                               <a:ea typeface="Times New Roman" panose="02020603050405020304" pitchFamily="18" charset="0"/>
                               <a:cs typeface="Times New Roman" panose="02020603050405020304" pitchFamily="18" charset="0"/>
                             </a:rPr>
@@ -16544,7 +16575,7 @@
                         <m:dPr>
                           <m:ctrlPr>
                             <a:rPr lang="en-CA" i="1">
-                              <a:latin typeface="Cambria Math" panose="02040503050406030204" pitchFamily="18" charset="0"/>
+                              <a:latin typeface="Cambria Math"/>
                               <a:ea typeface="Times New Roman" panose="02020603050405020304" pitchFamily="18" charset="0"/>
                               <a:cs typeface="Times New Roman" panose="02020603050405020304" pitchFamily="18" charset="0"/>
                             </a:rPr>
@@ -16573,7 +16604,7 @@
                         <m:fPr>
                           <m:ctrlPr>
                             <a:rPr lang="en-CA" i="1">
-                              <a:latin typeface="Cambria Math" panose="02040503050406030204" pitchFamily="18" charset="0"/>
+                              <a:latin typeface="Cambria Math"/>
                               <a:ea typeface="Times New Roman" panose="02020603050405020304" pitchFamily="18" charset="0"/>
                               <a:cs typeface="Times New Roman" panose="02020603050405020304" pitchFamily="18" charset="0"/>
                             </a:rPr>
@@ -16626,7 +16657,7 @@
                             <m:sSupPr>
                               <m:ctrlPr>
                                 <a:rPr lang="en-CA" i="1">
-                                  <a:latin typeface="Cambria Math" panose="02040503050406030204" pitchFamily="18" charset="0"/>
+                                  <a:latin typeface="Cambria Math"/>
                                   <a:ea typeface="Times New Roman" panose="02020603050405020304" pitchFamily="18" charset="0"/>
                                   <a:cs typeface="Times New Roman" panose="02020603050405020304" pitchFamily="18" charset="0"/>
                                 </a:rPr>
@@ -16788,7 +16819,7 @@
                         <m:sSubPr>
                           <m:ctrlPr>
                             <a:rPr lang="en-CA" i="1">
-                              <a:latin typeface="Cambria Math" panose="02040503050406030204" pitchFamily="18" charset="0"/>
+                              <a:latin typeface="Cambria Math"/>
                               <a:ea typeface="Times New Roman" panose="02020603050405020304" pitchFamily="18" charset="0"/>
                               <a:cs typeface="Times New Roman" panose="02020603050405020304" pitchFamily="18" charset="0"/>
                             </a:rPr>
@@ -16819,7 +16850,7 @@
                         <m:dPr>
                           <m:ctrlPr>
                             <a:rPr lang="en-CA" i="1">
-                              <a:latin typeface="Cambria Math" panose="02040503050406030204" pitchFamily="18" charset="0"/>
+                              <a:latin typeface="Cambria Math"/>
                               <a:ea typeface="Times New Roman" panose="02020603050405020304" pitchFamily="18" charset="0"/>
                               <a:cs typeface="Times New Roman" panose="02020603050405020304" pitchFamily="18" charset="0"/>
                             </a:rPr>
@@ -16848,7 +16879,7 @@
                         <m:fPr>
                           <m:ctrlPr>
                             <a:rPr lang="en-CA" i="1">
-                              <a:latin typeface="Cambria Math" panose="02040503050406030204" pitchFamily="18" charset="0"/>
+                              <a:latin typeface="Cambria Math"/>
                               <a:ea typeface="Times New Roman" panose="02020603050405020304" pitchFamily="18" charset="0"/>
                               <a:cs typeface="Times New Roman" panose="02020603050405020304" pitchFamily="18" charset="0"/>
                             </a:rPr>
@@ -16870,7 +16901,7 @@
                             <m:dPr>
                               <m:ctrlPr>
                                 <a:rPr lang="en-CA" i="1">
-                                  <a:latin typeface="Cambria Math" panose="02040503050406030204" pitchFamily="18" charset="0"/>
+                                  <a:latin typeface="Cambria Math"/>
                                   <a:ea typeface="Times New Roman" panose="02020603050405020304" pitchFamily="18" charset="0"/>
                                   <a:cs typeface="Times New Roman" panose="02020603050405020304" pitchFamily="18" charset="0"/>
                                 </a:rPr>
@@ -16901,7 +16932,7 @@
                             <m:dPr>
                               <m:ctrlPr>
                                 <a:rPr lang="en-CA" i="1">
-                                  <a:latin typeface="Cambria Math" panose="02040503050406030204" pitchFamily="18" charset="0"/>
+                                  <a:latin typeface="Cambria Math"/>
                                   <a:ea typeface="Times New Roman" panose="02020603050405020304" pitchFamily="18" charset="0"/>
                                   <a:cs typeface="Times New Roman" panose="02020603050405020304" pitchFamily="18" charset="0"/>
                                 </a:rPr>
@@ -16912,7 +16943,7 @@
                                 <m:sSupPr>
                                   <m:ctrlPr>
                                     <a:rPr lang="en-CA" i="1">
-                                      <a:latin typeface="Cambria Math" panose="02040503050406030204" pitchFamily="18" charset="0"/>
+                                      <a:latin typeface="Cambria Math"/>
                                       <a:ea typeface="Times New Roman" panose="02020603050405020304" pitchFamily="18" charset="0"/>
                                       <a:cs typeface="Times New Roman" panose="02020603050405020304" pitchFamily="18" charset="0"/>
                                     </a:rPr>
@@ -16979,7 +17010,7 @@
                         <m:fPr>
                           <m:ctrlPr>
                             <a:rPr lang="en-CA" i="1">
-                              <a:latin typeface="Cambria Math" panose="02040503050406030204" pitchFamily="18" charset="0"/>
+                              <a:latin typeface="Cambria Math"/>
                               <a:ea typeface="Times New Roman" panose="02020603050405020304" pitchFamily="18" charset="0"/>
                               <a:cs typeface="Times New Roman" panose="02020603050405020304" pitchFamily="18" charset="0"/>
                             </a:rPr>
@@ -17038,7 +17069,7 @@
                         <m:sSubPr>
                           <m:ctrlPr>
                             <a:rPr lang="en-CA" i="1">
-                              <a:latin typeface="Cambria Math" panose="02040503050406030204" pitchFamily="18" charset="0"/>
+                              <a:latin typeface="Cambria Math"/>
                               <a:ea typeface="Times New Roman" panose="02020603050405020304" pitchFamily="18" charset="0"/>
                               <a:cs typeface="Times New Roman" panose="02020603050405020304" pitchFamily="18" charset="0"/>
                             </a:rPr>
@@ -17069,7 +17100,7 @@
                         <m:dPr>
                           <m:ctrlPr>
                             <a:rPr lang="en-CA" i="1">
-                              <a:latin typeface="Cambria Math" panose="02040503050406030204" pitchFamily="18" charset="0"/>
+                              <a:latin typeface="Cambria Math"/>
                               <a:ea typeface="Times New Roman" panose="02020603050405020304" pitchFamily="18" charset="0"/>
                               <a:cs typeface="Times New Roman" panose="02020603050405020304" pitchFamily="18" charset="0"/>
                             </a:rPr>
@@ -17098,7 +17129,7 @@
                         <m:fPr>
                           <m:ctrlPr>
                             <a:rPr lang="en-CA" i="1">
-                              <a:latin typeface="Cambria Math" panose="02040503050406030204" pitchFamily="18" charset="0"/>
+                              <a:latin typeface="Cambria Math"/>
                               <a:ea typeface="Times New Roman" panose="02020603050405020304" pitchFamily="18" charset="0"/>
                               <a:cs typeface="Times New Roman" panose="02020603050405020304" pitchFamily="18" charset="0"/>
                             </a:rPr>
@@ -17109,7 +17140,7 @@
                             <m:dPr>
                               <m:ctrlPr>
                                 <a:rPr lang="en-CA" i="1">
-                                  <a:latin typeface="Cambria Math" panose="02040503050406030204" pitchFamily="18" charset="0"/>
+                                  <a:latin typeface="Cambria Math"/>
                                   <a:ea typeface="Times New Roman" panose="02020603050405020304" pitchFamily="18" charset="0"/>
                                   <a:cs typeface="Times New Roman" panose="02020603050405020304" pitchFamily="18" charset="0"/>
                                 </a:rPr>
@@ -17140,7 +17171,7 @@
                             <m:dPr>
                               <m:ctrlPr>
                                 <a:rPr lang="en-CA" i="1">
-                                  <a:latin typeface="Cambria Math" panose="02040503050406030204" pitchFamily="18" charset="0"/>
+                                  <a:latin typeface="Cambria Math"/>
                                   <a:ea typeface="Times New Roman" panose="02020603050405020304" pitchFamily="18" charset="0"/>
                                   <a:cs typeface="Times New Roman" panose="02020603050405020304" pitchFamily="18" charset="0"/>
                                 </a:rPr>
@@ -17151,7 +17182,7 @@
                                 <m:sSupPr>
                                   <m:ctrlPr>
                                     <a:rPr lang="en-CA" i="1">
-                                      <a:latin typeface="Cambria Math" panose="02040503050406030204" pitchFamily="18" charset="0"/>
+                                      <a:latin typeface="Cambria Math"/>
                                       <a:ea typeface="Times New Roman" panose="02020603050405020304" pitchFamily="18" charset="0"/>
                                       <a:cs typeface="Times New Roman" panose="02020603050405020304" pitchFamily="18" charset="0"/>
                                     </a:rPr>
@@ -17218,7 +17249,7 @@
                         <m:fPr>
                           <m:ctrlPr>
                             <a:rPr lang="en-CA" i="1">
-                              <a:latin typeface="Cambria Math" panose="02040503050406030204" pitchFamily="18" charset="0"/>
+                              <a:latin typeface="Cambria Math"/>
                               <a:ea typeface="Times New Roman" panose="02020603050405020304" pitchFamily="18" charset="0"/>
                               <a:cs typeface="Times New Roman" panose="02020603050405020304" pitchFamily="18" charset="0"/>
                             </a:rPr>
@@ -17229,7 +17260,7 @@
                             <m:dPr>
                               <m:ctrlPr>
                                 <a:rPr lang="en-CA" i="1">
-                                  <a:latin typeface="Cambria Math" panose="02040503050406030204" pitchFamily="18" charset="0"/>
+                                  <a:latin typeface="Cambria Math"/>
                                   <a:ea typeface="Times New Roman" panose="02020603050405020304" pitchFamily="18" charset="0"/>
                                   <a:cs typeface="Times New Roman" panose="02020603050405020304" pitchFamily="18" charset="0"/>
                                 </a:rPr>
@@ -17268,7 +17299,7 @@
                             <m:dPr>
                               <m:ctrlPr>
                                 <a:rPr lang="en-CA" i="1">
-                                  <a:latin typeface="Cambria Math" panose="02040503050406030204" pitchFamily="18" charset="0"/>
+                                  <a:latin typeface="Cambria Math"/>
                                   <a:ea typeface="Times New Roman" panose="02020603050405020304" pitchFamily="18" charset="0"/>
                                   <a:cs typeface="Times New Roman" panose="02020603050405020304" pitchFamily="18" charset="0"/>
                                 </a:rPr>
@@ -17279,7 +17310,7 @@
                                 <m:sSupPr>
                                   <m:ctrlPr>
                                     <a:rPr lang="en-CA" i="1">
-                                      <a:latin typeface="Cambria Math" panose="02040503050406030204" pitchFamily="18" charset="0"/>
+                                      <a:latin typeface="Cambria Math"/>
                                       <a:ea typeface="Times New Roman" panose="02020603050405020304" pitchFamily="18" charset="0"/>
                                       <a:cs typeface="Times New Roman" panose="02020603050405020304" pitchFamily="18" charset="0"/>
                                     </a:rPr>
@@ -17326,7 +17357,7 @@
                                 <m:sSupPr>
                                   <m:ctrlPr>
                                     <a:rPr lang="en-CA" i="1">
-                                      <a:latin typeface="Cambria Math" panose="02040503050406030204" pitchFamily="18" charset="0"/>
+                                      <a:latin typeface="Cambria Math"/>
                                       <a:ea typeface="Times New Roman" panose="02020603050405020304" pitchFamily="18" charset="0"/>
                                       <a:cs typeface="Times New Roman" panose="02020603050405020304" pitchFamily="18" charset="0"/>
                                     </a:rPr>
@@ -17386,7 +17417,7 @@
                         <m:sSubPr>
                           <m:ctrlPr>
                             <a:rPr lang="en-CA" i="1">
-                              <a:latin typeface="Cambria Math" panose="02040503050406030204" pitchFamily="18" charset="0"/>
+                              <a:latin typeface="Cambria Math"/>
                               <a:ea typeface="Times New Roman" panose="02020603050405020304" pitchFamily="18" charset="0"/>
                               <a:cs typeface="Times New Roman" panose="02020603050405020304" pitchFamily="18" charset="0"/>
                             </a:rPr>
@@ -17417,7 +17448,7 @@
                         <m:dPr>
                           <m:ctrlPr>
                             <a:rPr lang="en-CA" i="1">
-                              <a:latin typeface="Cambria Math" panose="02040503050406030204" pitchFamily="18" charset="0"/>
+                              <a:latin typeface="Cambria Math"/>
                               <a:ea typeface="Times New Roman" panose="02020603050405020304" pitchFamily="18" charset="0"/>
                               <a:cs typeface="Times New Roman" panose="02020603050405020304" pitchFamily="18" charset="0"/>
                             </a:rPr>
@@ -17446,7 +17477,7 @@
                         <m:fPr>
                           <m:ctrlPr>
                             <a:rPr lang="en-CA" i="1">
-                              <a:latin typeface="Cambria Math" panose="02040503050406030204" pitchFamily="18" charset="0"/>
+                              <a:latin typeface="Cambria Math"/>
                               <a:ea typeface="Times New Roman" panose="02020603050405020304" pitchFamily="18" charset="0"/>
                               <a:cs typeface="Times New Roman" panose="02020603050405020304" pitchFamily="18" charset="0"/>
                             </a:rPr>
@@ -17475,7 +17506,7 @@
                             <m:dPr>
                               <m:ctrlPr>
                                 <a:rPr lang="en-CA" i="1">
-                                  <a:latin typeface="Cambria Math" panose="02040503050406030204" pitchFamily="18" charset="0"/>
+                                  <a:latin typeface="Cambria Math"/>
                                   <a:ea typeface="Times New Roman" panose="02020603050405020304" pitchFamily="18" charset="0"/>
                                   <a:cs typeface="Times New Roman" panose="02020603050405020304" pitchFamily="18" charset="0"/>
                                 </a:rPr>
@@ -17486,7 +17517,7 @@
                                 <m:sSupPr>
                                   <m:ctrlPr>
                                     <a:rPr lang="en-CA" i="1">
-                                      <a:latin typeface="Cambria Math" panose="02040503050406030204" pitchFamily="18" charset="0"/>
+                                      <a:latin typeface="Cambria Math"/>
                                       <a:ea typeface="Times New Roman" panose="02020603050405020304" pitchFamily="18" charset="0"/>
                                       <a:cs typeface="Times New Roman" panose="02020603050405020304" pitchFamily="18" charset="0"/>
                                     </a:rPr>
@@ -17533,7 +17564,7 @@
                                 <m:sSupPr>
                                   <m:ctrlPr>
                                     <a:rPr lang="en-CA" i="1">
-                                      <a:latin typeface="Cambria Math" panose="02040503050406030204" pitchFamily="18" charset="0"/>
+                                      <a:latin typeface="Cambria Math"/>
                                       <a:ea typeface="Times New Roman" panose="02020603050405020304" pitchFamily="18" charset="0"/>
                                       <a:cs typeface="Times New Roman" panose="02020603050405020304" pitchFamily="18" charset="0"/>
                                     </a:rPr>
@@ -17576,7 +17607,7 @@
                         <m:fPr>
                           <m:ctrlPr>
                             <a:rPr lang="en-CA" i="1">
-                              <a:latin typeface="Cambria Math" panose="02040503050406030204" pitchFamily="18" charset="0"/>
+                              <a:latin typeface="Cambria Math"/>
                               <a:ea typeface="Times New Roman" panose="02020603050405020304" pitchFamily="18" charset="0"/>
                               <a:cs typeface="Times New Roman" panose="02020603050405020304" pitchFamily="18" charset="0"/>
                             </a:rPr>
@@ -17605,7 +17636,7 @@
                             <m:dPr>
                               <m:ctrlPr>
                                 <a:rPr lang="en-CA" i="1">
-                                  <a:latin typeface="Cambria Math" panose="02040503050406030204" pitchFamily="18" charset="0"/>
+                                  <a:latin typeface="Cambria Math"/>
                                   <a:ea typeface="Times New Roman" panose="02020603050405020304" pitchFamily="18" charset="0"/>
                                   <a:cs typeface="Times New Roman" panose="02020603050405020304" pitchFamily="18" charset="0"/>
                                 </a:rPr>
@@ -17616,7 +17647,7 @@
                                 <m:sSupPr>
                                   <m:ctrlPr>
                                     <a:rPr lang="en-CA" i="1">
-                                      <a:latin typeface="Cambria Math" panose="02040503050406030204" pitchFamily="18" charset="0"/>
+                                      <a:latin typeface="Cambria Math"/>
                                       <a:ea typeface="Times New Roman" panose="02020603050405020304" pitchFamily="18" charset="0"/>
                                       <a:cs typeface="Times New Roman" panose="02020603050405020304" pitchFamily="18" charset="0"/>
                                     </a:rPr>
@@ -17663,7 +17694,7 @@
                                 <m:sSupPr>
                                   <m:ctrlPr>
                                     <a:rPr lang="en-CA" i="1">
-                                      <a:latin typeface="Cambria Math" panose="02040503050406030204" pitchFamily="18" charset="0"/>
+                                      <a:latin typeface="Cambria Math"/>
                                       <a:ea typeface="Times New Roman" panose="02020603050405020304" pitchFamily="18" charset="0"/>
                                       <a:cs typeface="Times New Roman" panose="02020603050405020304" pitchFamily="18" charset="0"/>
                                     </a:rPr>
@@ -17731,7 +17762,7 @@
                         <m:sSubPr>
                           <m:ctrlPr>
                             <a:rPr lang="en-CA" i="1">
-                              <a:latin typeface="Cambria Math" panose="02040503050406030204" pitchFamily="18" charset="0"/>
+                              <a:latin typeface="Cambria Math"/>
                               <a:ea typeface="Times New Roman" panose="02020603050405020304" pitchFamily="18" charset="0"/>
                               <a:cs typeface="Times New Roman" panose="02020603050405020304" pitchFamily="18" charset="0"/>
                             </a:rPr>
@@ -17762,7 +17793,7 @@
                         <m:dPr>
                           <m:ctrlPr>
                             <a:rPr lang="en-CA" i="1">
-                              <a:latin typeface="Cambria Math" panose="02040503050406030204" pitchFamily="18" charset="0"/>
+                              <a:latin typeface="Cambria Math"/>
                               <a:ea typeface="Times New Roman" panose="02020603050405020304" pitchFamily="18" charset="0"/>
                               <a:cs typeface="Times New Roman" panose="02020603050405020304" pitchFamily="18" charset="0"/>
                             </a:rPr>
@@ -17791,7 +17822,7 @@
                         <m:fPr>
                           <m:ctrlPr>
                             <a:rPr lang="en-CA" i="1">
-                              <a:latin typeface="Cambria Math" panose="02040503050406030204" pitchFamily="18" charset="0"/>
+                              <a:latin typeface="Cambria Math"/>
                               <a:ea typeface="Times New Roman" panose="02020603050405020304" pitchFamily="18" charset="0"/>
                               <a:cs typeface="Times New Roman" panose="02020603050405020304" pitchFamily="18" charset="0"/>
                             </a:rPr>
@@ -17831,7 +17862,7 @@
                             <m:dPr>
                               <m:ctrlPr>
                                 <a:rPr lang="en-CA" i="1">
-                                  <a:latin typeface="Cambria Math" panose="02040503050406030204" pitchFamily="18" charset="0"/>
+                                  <a:latin typeface="Cambria Math"/>
                                   <a:ea typeface="Times New Roman" panose="02020603050405020304" pitchFamily="18" charset="0"/>
                                   <a:cs typeface="Times New Roman" panose="02020603050405020304" pitchFamily="18" charset="0"/>
                                 </a:rPr>
@@ -17842,7 +17873,7 @@
                                 <m:sSupPr>
                                   <m:ctrlPr>
                                     <a:rPr lang="en-CA" i="1">
-                                      <a:latin typeface="Cambria Math" panose="02040503050406030204" pitchFamily="18" charset="0"/>
+                                      <a:latin typeface="Cambria Math"/>
                                       <a:ea typeface="Times New Roman" panose="02020603050405020304" pitchFamily="18" charset="0"/>
                                       <a:cs typeface="Times New Roman" panose="02020603050405020304" pitchFamily="18" charset="0"/>
                                     </a:rPr>
@@ -17889,7 +17920,7 @@
                                 <m:sSupPr>
                                   <m:ctrlPr>
                                     <a:rPr lang="en-CA" i="1">
-                                      <a:latin typeface="Cambria Math" panose="02040503050406030204" pitchFamily="18" charset="0"/>
+                                      <a:latin typeface="Cambria Math"/>
                                       <a:ea typeface="Times New Roman" panose="02020603050405020304" pitchFamily="18" charset="0"/>
                                       <a:cs typeface="Times New Roman" panose="02020603050405020304" pitchFamily="18" charset="0"/>
                                     </a:rPr>
@@ -17932,7 +17963,7 @@
                         <m:fPr>
                           <m:ctrlPr>
                             <a:rPr lang="en-CA" i="1">
-                              <a:latin typeface="Cambria Math" panose="02040503050406030204" pitchFamily="18" charset="0"/>
+                              <a:latin typeface="Cambria Math"/>
                               <a:ea typeface="Times New Roman" panose="02020603050405020304" pitchFamily="18" charset="0"/>
                               <a:cs typeface="Times New Roman" panose="02020603050405020304" pitchFamily="18" charset="0"/>
                             </a:rPr>
@@ -17961,7 +17992,7 @@
                             <m:dPr>
                               <m:ctrlPr>
                                 <a:rPr lang="en-CA" i="1">
-                                  <a:latin typeface="Cambria Math" panose="02040503050406030204" pitchFamily="18" charset="0"/>
+                                  <a:latin typeface="Cambria Math"/>
                                   <a:ea typeface="Times New Roman" panose="02020603050405020304" pitchFamily="18" charset="0"/>
                                   <a:cs typeface="Times New Roman" panose="02020603050405020304" pitchFamily="18" charset="0"/>
                                 </a:rPr>
@@ -17972,7 +18003,7 @@
                                 <m:sSupPr>
                                   <m:ctrlPr>
                                     <a:rPr lang="en-CA" i="1">
-                                      <a:latin typeface="Cambria Math" panose="02040503050406030204" pitchFamily="18" charset="0"/>
+                                      <a:latin typeface="Cambria Math"/>
                                       <a:ea typeface="Times New Roman" panose="02020603050405020304" pitchFamily="18" charset="0"/>
                                       <a:cs typeface="Times New Roman" panose="02020603050405020304" pitchFamily="18" charset="0"/>
                                     </a:rPr>
@@ -18019,7 +18050,7 @@
                                 <m:sSupPr>
                                   <m:ctrlPr>
                                     <a:rPr lang="en-CA" i="1">
-                                      <a:latin typeface="Cambria Math" panose="02040503050406030204" pitchFamily="18" charset="0"/>
+                                      <a:latin typeface="Cambria Math"/>
                                       <a:ea typeface="Times New Roman" panose="02020603050405020304" pitchFamily="18" charset="0"/>
                                       <a:cs typeface="Times New Roman" panose="02020603050405020304" pitchFamily="18" charset="0"/>
                                     </a:rPr>
@@ -18079,7 +18110,7 @@
                         <m:sSubPr>
                           <m:ctrlPr>
                             <a:rPr lang="en-CA" i="1">
-                              <a:latin typeface="Cambria Math" panose="02040503050406030204" pitchFamily="18" charset="0"/>
+                              <a:latin typeface="Cambria Math"/>
                               <a:ea typeface="Times New Roman" panose="02020603050405020304" pitchFamily="18" charset="0"/>
                               <a:cs typeface="Times New Roman" panose="02020603050405020304" pitchFamily="18" charset="0"/>
                             </a:rPr>
@@ -18110,7 +18141,7 @@
                         <m:dPr>
                           <m:ctrlPr>
                             <a:rPr lang="en-CA" i="1">
-                              <a:latin typeface="Cambria Math" panose="02040503050406030204" pitchFamily="18" charset="0"/>
+                              <a:latin typeface="Cambria Math"/>
                               <a:ea typeface="Times New Roman" panose="02020603050405020304" pitchFamily="18" charset="0"/>
                               <a:cs typeface="Times New Roman" panose="02020603050405020304" pitchFamily="18" charset="0"/>
                             </a:rPr>
@@ -18139,7 +18170,7 @@
                         <m:fPr>
                           <m:ctrlPr>
                             <a:rPr lang="en-CA" i="1">
-                              <a:latin typeface="Cambria Math" panose="02040503050406030204" pitchFamily="18" charset="0"/>
+                              <a:latin typeface="Cambria Math"/>
                               <a:ea typeface="Times New Roman" panose="02020603050405020304" pitchFamily="18" charset="0"/>
                               <a:cs typeface="Times New Roman" panose="02020603050405020304" pitchFamily="18" charset="0"/>
                             </a:rPr>
@@ -18187,7 +18218,7 @@
                             <m:dPr>
                               <m:ctrlPr>
                                 <a:rPr lang="en-CA" i="1">
-                                  <a:latin typeface="Cambria Math" panose="02040503050406030204" pitchFamily="18" charset="0"/>
+                                  <a:latin typeface="Cambria Math"/>
                                   <a:ea typeface="Times New Roman" panose="02020603050405020304" pitchFamily="18" charset="0"/>
                                   <a:cs typeface="Times New Roman" panose="02020603050405020304" pitchFamily="18" charset="0"/>
                                 </a:rPr>
@@ -18198,7 +18229,7 @@
                                 <m:sSupPr>
                                   <m:ctrlPr>
                                     <a:rPr lang="en-CA" i="1">
-                                      <a:latin typeface="Cambria Math" panose="02040503050406030204" pitchFamily="18" charset="0"/>
+                                      <a:latin typeface="Cambria Math"/>
                                       <a:ea typeface="Times New Roman" panose="02020603050405020304" pitchFamily="18" charset="0"/>
                                       <a:cs typeface="Times New Roman" panose="02020603050405020304" pitchFamily="18" charset="0"/>
                                     </a:rPr>
@@ -18245,7 +18276,7 @@
                                 <m:sSupPr>
                                   <m:ctrlPr>
                                     <a:rPr lang="en-CA" i="1">
-                                      <a:latin typeface="Cambria Math" panose="02040503050406030204" pitchFamily="18" charset="0"/>
+                                      <a:latin typeface="Cambria Math"/>
                                       <a:ea typeface="Times New Roman" panose="02020603050405020304" pitchFamily="18" charset="0"/>
                                       <a:cs typeface="Times New Roman" panose="02020603050405020304" pitchFamily="18" charset="0"/>
                                     </a:rPr>
@@ -18288,7 +18319,7 @@
                         <m:fPr>
                           <m:ctrlPr>
                             <a:rPr lang="en-CA" i="1">
-                              <a:latin typeface="Cambria Math" panose="02040503050406030204" pitchFamily="18" charset="0"/>
+                              <a:latin typeface="Cambria Math"/>
                               <a:ea typeface="Times New Roman" panose="02020603050405020304" pitchFamily="18" charset="0"/>
                               <a:cs typeface="Times New Roman" panose="02020603050405020304" pitchFamily="18" charset="0"/>
                             </a:rPr>
@@ -18328,7 +18359,7 @@
                             <m:dPr>
                               <m:ctrlPr>
                                 <a:rPr lang="en-CA" i="1">
-                                  <a:latin typeface="Cambria Math" panose="02040503050406030204" pitchFamily="18" charset="0"/>
+                                  <a:latin typeface="Cambria Math"/>
                                   <a:ea typeface="Times New Roman" panose="02020603050405020304" pitchFamily="18" charset="0"/>
                                   <a:cs typeface="Times New Roman" panose="02020603050405020304" pitchFamily="18" charset="0"/>
                                 </a:rPr>
@@ -18339,7 +18370,7 @@
                                 <m:sSupPr>
                                   <m:ctrlPr>
                                     <a:rPr lang="en-CA" i="1">
-                                      <a:latin typeface="Cambria Math" panose="02040503050406030204" pitchFamily="18" charset="0"/>
+                                      <a:latin typeface="Cambria Math"/>
                                       <a:ea typeface="Times New Roman" panose="02020603050405020304" pitchFamily="18" charset="0"/>
                                       <a:cs typeface="Times New Roman" panose="02020603050405020304" pitchFamily="18" charset="0"/>
                                     </a:rPr>
@@ -18386,7 +18417,7 @@
                                 <m:sSupPr>
                                   <m:ctrlPr>
                                     <a:rPr lang="en-CA" i="1">
-                                      <a:latin typeface="Cambria Math" panose="02040503050406030204" pitchFamily="18" charset="0"/>
+                                      <a:latin typeface="Cambria Math"/>
                                       <a:ea typeface="Times New Roman" panose="02020603050405020304" pitchFamily="18" charset="0"/>
                                       <a:cs typeface="Times New Roman" panose="02020603050405020304" pitchFamily="18" charset="0"/>
                                     </a:rPr>
@@ -18446,7 +18477,7 @@
                         <m:sSubPr>
                           <m:ctrlPr>
                             <a:rPr lang="en-CA" i="1">
-                              <a:latin typeface="Cambria Math" panose="02040503050406030204" pitchFamily="18" charset="0"/>
+                              <a:latin typeface="Cambria Math"/>
                               <a:ea typeface="Times New Roman" panose="02020603050405020304" pitchFamily="18" charset="0"/>
                               <a:cs typeface="Times New Roman" panose="02020603050405020304" pitchFamily="18" charset="0"/>
                             </a:rPr>
@@ -18477,7 +18508,7 @@
                         <m:dPr>
                           <m:ctrlPr>
                             <a:rPr lang="en-CA" i="1">
-                              <a:latin typeface="Cambria Math" panose="02040503050406030204" pitchFamily="18" charset="0"/>
+                              <a:latin typeface="Cambria Math"/>
                               <a:ea typeface="Times New Roman" panose="02020603050405020304" pitchFamily="18" charset="0"/>
                               <a:cs typeface="Times New Roman" panose="02020603050405020304" pitchFamily="18" charset="0"/>
                             </a:rPr>
@@ -18506,7 +18537,7 @@
                         <m:fPr>
                           <m:ctrlPr>
                             <a:rPr lang="en-CA" i="1">
-                              <a:latin typeface="Cambria Math" panose="02040503050406030204" pitchFamily="18" charset="0"/>
+                              <a:latin typeface="Cambria Math"/>
                               <a:ea typeface="Times New Roman" panose="02020603050405020304" pitchFamily="18" charset="0"/>
                               <a:cs typeface="Times New Roman" panose="02020603050405020304" pitchFamily="18" charset="0"/>
                             </a:rPr>
@@ -18554,7 +18585,7 @@
                             <m:dPr>
                               <m:ctrlPr>
                                 <a:rPr lang="en-CA" i="1">
-                                  <a:latin typeface="Cambria Math" panose="02040503050406030204" pitchFamily="18" charset="0"/>
+                                  <a:latin typeface="Cambria Math"/>
                                   <a:ea typeface="Times New Roman" panose="02020603050405020304" pitchFamily="18" charset="0"/>
                                   <a:cs typeface="Times New Roman" panose="02020603050405020304" pitchFamily="18" charset="0"/>
                                 </a:rPr>
@@ -18565,7 +18596,7 @@
                                 <m:sSupPr>
                                   <m:ctrlPr>
                                     <a:rPr lang="en-CA" i="1">
-                                      <a:latin typeface="Cambria Math" panose="02040503050406030204" pitchFamily="18" charset="0"/>
+                                      <a:latin typeface="Cambria Math"/>
                                       <a:ea typeface="Times New Roman" panose="02020603050405020304" pitchFamily="18" charset="0"/>
                                       <a:cs typeface="Times New Roman" panose="02020603050405020304" pitchFamily="18" charset="0"/>
                                     </a:rPr>
@@ -18612,7 +18643,7 @@
                                 <m:sSupPr>
                                   <m:ctrlPr>
                                     <a:rPr lang="en-CA" i="1">
-                                      <a:latin typeface="Cambria Math" panose="02040503050406030204" pitchFamily="18" charset="0"/>
+                                      <a:latin typeface="Cambria Math"/>
                                       <a:ea typeface="Times New Roman" panose="02020603050405020304" pitchFamily="18" charset="0"/>
                                       <a:cs typeface="Times New Roman" panose="02020603050405020304" pitchFamily="18" charset="0"/>
                                     </a:rPr>
@@ -18655,7 +18686,7 @@
                         <m:fPr>
                           <m:ctrlPr>
                             <a:rPr lang="en-CA" i="1">
-                              <a:latin typeface="Cambria Math" panose="02040503050406030204" pitchFamily="18" charset="0"/>
+                              <a:latin typeface="Cambria Math"/>
                               <a:ea typeface="Times New Roman" panose="02020603050405020304" pitchFamily="18" charset="0"/>
                               <a:cs typeface="Times New Roman" panose="02020603050405020304" pitchFamily="18" charset="0"/>
                             </a:rPr>
@@ -18687,7 +18718,7 @@
                             <m:dPr>
                               <m:ctrlPr>
                                 <a:rPr lang="en-CA" i="1">
-                                  <a:latin typeface="Cambria Math" panose="02040503050406030204" pitchFamily="18" charset="0"/>
+                                  <a:latin typeface="Cambria Math"/>
                                   <a:ea typeface="Times New Roman" panose="02020603050405020304" pitchFamily="18" charset="0"/>
                                   <a:cs typeface="Times New Roman" panose="02020603050405020304" pitchFamily="18" charset="0"/>
                                 </a:rPr>
@@ -18698,7 +18729,7 @@
                                 <m:sSupPr>
                                   <m:ctrlPr>
                                     <a:rPr lang="en-CA" i="1">
-                                      <a:latin typeface="Cambria Math" panose="02040503050406030204" pitchFamily="18" charset="0"/>
+                                      <a:latin typeface="Cambria Math"/>
                                       <a:ea typeface="Times New Roman" panose="02020603050405020304" pitchFamily="18" charset="0"/>
                                       <a:cs typeface="Times New Roman" panose="02020603050405020304" pitchFamily="18" charset="0"/>
                                     </a:rPr>
@@ -18745,7 +18776,7 @@
                                 <m:sSupPr>
                                   <m:ctrlPr>
                                     <a:rPr lang="en-CA" i="1">
-                                      <a:latin typeface="Cambria Math" panose="02040503050406030204" pitchFamily="18" charset="0"/>
+                                      <a:latin typeface="Cambria Math"/>
                                       <a:ea typeface="Times New Roman" panose="02020603050405020304" pitchFamily="18" charset="0"/>
                                       <a:cs typeface="Times New Roman" panose="02020603050405020304" pitchFamily="18" charset="0"/>
                                     </a:rPr>
@@ -18805,7 +18836,7 @@
                         <m:sSubPr>
                           <m:ctrlPr>
                             <a:rPr lang="en-CA" i="1">
-                              <a:latin typeface="Cambria Math" panose="02040503050406030204" pitchFamily="18" charset="0"/>
+                              <a:latin typeface="Cambria Math"/>
                               <a:ea typeface="Times New Roman" panose="02020603050405020304" pitchFamily="18" charset="0"/>
                               <a:cs typeface="Times New Roman" panose="02020603050405020304" pitchFamily="18" charset="0"/>
                             </a:rPr>
@@ -18836,7 +18867,7 @@
                         <m:dPr>
                           <m:ctrlPr>
                             <a:rPr lang="en-CA" i="1">
-                              <a:latin typeface="Cambria Math" panose="02040503050406030204" pitchFamily="18" charset="0"/>
+                              <a:latin typeface="Cambria Math"/>
                               <a:ea typeface="Times New Roman" panose="02020603050405020304" pitchFamily="18" charset="0"/>
                               <a:cs typeface="Times New Roman" panose="02020603050405020304" pitchFamily="18" charset="0"/>
                             </a:rPr>
@@ -18865,7 +18896,7 @@
                         <m:fPr>
                           <m:ctrlPr>
                             <a:rPr lang="en-CA" i="1">
-                              <a:latin typeface="Cambria Math" panose="02040503050406030204" pitchFamily="18" charset="0"/>
+                              <a:latin typeface="Cambria Math"/>
                               <a:ea typeface="Times New Roman" panose="02020603050405020304" pitchFamily="18" charset="0"/>
                               <a:cs typeface="Times New Roman" panose="02020603050405020304" pitchFamily="18" charset="0"/>
                             </a:rPr>
@@ -18913,7 +18944,7 @@
                             <m:dPr>
                               <m:ctrlPr>
                                 <a:rPr lang="en-CA" i="1">
-                                  <a:latin typeface="Cambria Math" panose="02040503050406030204" pitchFamily="18" charset="0"/>
+                                  <a:latin typeface="Cambria Math"/>
                                   <a:ea typeface="Times New Roman" panose="02020603050405020304" pitchFamily="18" charset="0"/>
                                   <a:cs typeface="Times New Roman" panose="02020603050405020304" pitchFamily="18" charset="0"/>
                                 </a:rPr>
@@ -18924,7 +18955,7 @@
                                 <m:sSupPr>
                                   <m:ctrlPr>
                                     <a:rPr lang="en-CA" i="1">
-                                      <a:latin typeface="Cambria Math" panose="02040503050406030204" pitchFamily="18" charset="0"/>
+                                      <a:latin typeface="Cambria Math"/>
                                       <a:ea typeface="Times New Roman" panose="02020603050405020304" pitchFamily="18" charset="0"/>
                                       <a:cs typeface="Times New Roman" panose="02020603050405020304" pitchFamily="18" charset="0"/>
                                     </a:rPr>
@@ -18971,7 +19002,7 @@
                                 <m:sSupPr>
                                   <m:ctrlPr>
                                     <a:rPr lang="en-CA" i="1">
-                                      <a:latin typeface="Cambria Math" panose="02040503050406030204" pitchFamily="18" charset="0"/>
+                                      <a:latin typeface="Cambria Math"/>
                                       <a:ea typeface="Times New Roman" panose="02020603050405020304" pitchFamily="18" charset="0"/>
                                       <a:cs typeface="Times New Roman" panose="02020603050405020304" pitchFamily="18" charset="0"/>
                                     </a:rPr>
@@ -19017,7 +19048,7 @@
                         <m:fPr>
                           <m:ctrlPr>
                             <a:rPr lang="en-CA" i="1">
-                              <a:latin typeface="Cambria Math" panose="02040503050406030204" pitchFamily="18" charset="0"/>
+                              <a:latin typeface="Cambria Math"/>
                               <a:ea typeface="Times New Roman" panose="02020603050405020304" pitchFamily="18" charset="0"/>
                               <a:cs typeface="Times New Roman" panose="02020603050405020304" pitchFamily="18" charset="0"/>
                             </a:rPr>
@@ -19041,7 +19072,7 @@
                             <m:dPr>
                               <m:ctrlPr>
                                 <a:rPr lang="en-CA" i="1">
-                                  <a:latin typeface="Cambria Math" panose="02040503050406030204" pitchFamily="18" charset="0"/>
+                                  <a:latin typeface="Cambria Math"/>
                                   <a:ea typeface="Times New Roman" panose="02020603050405020304" pitchFamily="18" charset="0"/>
                                   <a:cs typeface="Times New Roman" panose="02020603050405020304" pitchFamily="18" charset="0"/>
                                 </a:rPr>
@@ -19060,7 +19091,7 @@
                                 <m:sSupPr>
                                   <m:ctrlPr>
                                     <a:rPr lang="en-CA" i="1">
-                                      <a:latin typeface="Cambria Math" panose="02040503050406030204" pitchFamily="18" charset="0"/>
+                                      <a:latin typeface="Cambria Math"/>
                                       <a:ea typeface="Times New Roman" panose="02020603050405020304" pitchFamily="18" charset="0"/>
                                       <a:cs typeface="Times New Roman" panose="02020603050405020304" pitchFamily="18" charset="0"/>
                                     </a:rPr>
@@ -19107,7 +19138,7 @@
                                 <m:sSupPr>
                                   <m:ctrlPr>
                                     <a:rPr lang="en-CA" i="1">
-                                      <a:latin typeface="Cambria Math" panose="02040503050406030204" pitchFamily="18" charset="0"/>
+                                      <a:latin typeface="Cambria Math"/>
                                       <a:ea typeface="Times New Roman" panose="02020603050405020304" pitchFamily="18" charset="0"/>
                                       <a:cs typeface="Times New Roman" panose="02020603050405020304" pitchFamily="18" charset="0"/>
                                     </a:rPr>
@@ -19190,7 +19221,7 @@
                       <m:sSubPr>
                         <m:ctrlPr>
                           <a:rPr lang="en-CA" sz="2000" b="1" i="1">
-                            <a:latin typeface="Cambria Math" panose="02040503050406030204" pitchFamily="18" charset="0"/>
+                            <a:latin typeface="Cambria Math"/>
                             <a:ea typeface="Times New Roman" panose="02020603050405020304" pitchFamily="18" charset="0"/>
                             <a:cs typeface="Times New Roman" panose="02020603050405020304" pitchFamily="18" charset="0"/>
                           </a:rPr>
@@ -19221,7 +19252,7 @@
                       <m:dPr>
                         <m:ctrlPr>
                           <a:rPr lang="en-CA" sz="2000" b="1" i="1">
-                            <a:latin typeface="Cambria Math" panose="02040503050406030204" pitchFamily="18" charset="0"/>
+                            <a:latin typeface="Cambria Math"/>
                             <a:ea typeface="Times New Roman" panose="02020603050405020304" pitchFamily="18" charset="0"/>
                             <a:cs typeface="Times New Roman" panose="02020603050405020304" pitchFamily="18" charset="0"/>
                           </a:rPr>
@@ -19250,7 +19281,7 @@
                       <m:sSupPr>
                         <m:ctrlPr>
                           <a:rPr lang="en-CA" sz="2000" b="1" i="1">
-                            <a:latin typeface="Cambria Math" panose="02040503050406030204" pitchFamily="18" charset="0"/>
+                            <a:latin typeface="Cambria Math"/>
                             <a:ea typeface="Times New Roman" panose="02020603050405020304" pitchFamily="18" charset="0"/>
                             <a:cs typeface="Times New Roman" panose="02020603050405020304" pitchFamily="18" charset="0"/>
                           </a:rPr>
@@ -19308,7 +19339,7 @@
                       <m:dPr>
                         <m:ctrlPr>
                           <a:rPr lang="en-CA" sz="2000" b="1" i="1">
-                            <a:latin typeface="Cambria Math" panose="02040503050406030204" pitchFamily="18" charset="0"/>
+                            <a:latin typeface="Cambria Math"/>
                             <a:ea typeface="Times New Roman" panose="02020603050405020304" pitchFamily="18" charset="0"/>
                             <a:cs typeface="Times New Roman" panose="02020603050405020304" pitchFamily="18" charset="0"/>
                           </a:rPr>
@@ -19348,7 +19379,7 @@
                       <m:dPr>
                         <m:ctrlPr>
                           <a:rPr lang="en-CA" sz="2000" b="1" i="1">
-                            <a:latin typeface="Cambria Math" panose="02040503050406030204" pitchFamily="18" charset="0"/>
+                            <a:latin typeface="Cambria Math"/>
                             <a:ea typeface="Times New Roman" panose="02020603050405020304" pitchFamily="18" charset="0"/>
                             <a:cs typeface="Times New Roman" panose="02020603050405020304" pitchFamily="18" charset="0"/>
                           </a:rPr>
@@ -19391,7 +19422,7 @@
                       <m:sSupPr>
                         <m:ctrlPr>
                           <a:rPr lang="en-CA" sz="2000" b="1" i="1">
-                            <a:latin typeface="Cambria Math" panose="02040503050406030204" pitchFamily="18" charset="0"/>
+                            <a:latin typeface="Cambria Math"/>
                             <a:ea typeface="Times New Roman" panose="02020603050405020304" pitchFamily="18" charset="0"/>
                             <a:cs typeface="Times New Roman" panose="02020603050405020304" pitchFamily="18" charset="0"/>
                           </a:rPr>
@@ -19449,7 +19480,7 @@
                       <m:dPr>
                         <m:ctrlPr>
                           <a:rPr lang="en-CA" sz="2000" b="1" i="1">
-                            <a:latin typeface="Cambria Math" panose="02040503050406030204" pitchFamily="18" charset="0"/>
+                            <a:latin typeface="Cambria Math"/>
                             <a:ea typeface="Times New Roman" panose="02020603050405020304" pitchFamily="18" charset="0"/>
                             <a:cs typeface="Times New Roman" panose="02020603050405020304" pitchFamily="18" charset="0"/>
                           </a:rPr>
@@ -19489,7 +19520,7 @@
                       <m:dPr>
                         <m:ctrlPr>
                           <a:rPr lang="en-CA" sz="2000" b="1" i="1">
-                            <a:latin typeface="Cambria Math" panose="02040503050406030204" pitchFamily="18" charset="0"/>
+                            <a:latin typeface="Cambria Math"/>
                             <a:ea typeface="Times New Roman" panose="02020603050405020304" pitchFamily="18" charset="0"/>
                             <a:cs typeface="Times New Roman" panose="02020603050405020304" pitchFamily="18" charset="0"/>
                           </a:rPr>
@@ -19545,7 +19576,7 @@
                 <a:avLst/>
               </a:prstGeom>
               <a:blipFill>
-                <a:blip r:embed="rId2"/>
+                <a:blip r:embed="rId3"/>
                 <a:stretch>
                   <a:fillRect t="-547"/>
                 </a:stretch>
@@ -19571,7 +19602,7 @@
           <p:cNvPr id="5" name="Object 4">
             <a:extLst>
               <a:ext uri="{FF2B5EF4-FFF2-40B4-BE49-F238E27FC236}">
-                <a16:creationId xmlns:a16="http://schemas.microsoft.com/office/drawing/2014/main" id="{C711530E-3DCB-7F4F-B36A-1765E60F0FB1}"/>
+                <a16:creationId xmlns:a16="http://schemas.microsoft.com/office/drawing/2014/main" xmlns="" id="{C711530E-3DCB-7F4F-B36A-1765E60F0FB1}"/>
               </a:ext>
             </a:extLst>
           </p:cNvPr>
@@ -19594,19 +19625,19 @@
           <a:graphicData uri="http://schemas.openxmlformats.org/presentationml/2006/ole">
             <mc:AlternateContent xmlns:mc="http://schemas.openxmlformats.org/markup-compatibility/2006">
               <mc:Choice xmlns:v="urn:schemas-microsoft-com:vml" Requires="v">
-                <p:oleObj r:id="rId3" imgW="3981450" imgH="2057400" progId="PBrush">
+                <p:oleObj spid="_x0000_s3076" r:id="rId4" imgW="3981450" imgH="2057400" progId="PBrush">
                   <p:embed/>
                 </p:oleObj>
               </mc:Choice>
               <mc:Fallback>
-                <p:oleObj r:id="rId3" imgW="3981450" imgH="2057400" progId="PBrush">
+                <p:oleObj r:id="rId4" imgW="3981450" imgH="2057400" progId="PBrush">
                   <p:embed/>
                   <p:pic>
                     <p:nvPicPr>
                       <p:cNvPr id="5" name="Object 4">
                         <a:extLst>
                           <a:ext uri="{FF2B5EF4-FFF2-40B4-BE49-F238E27FC236}">
-                            <a16:creationId xmlns:a16="http://schemas.microsoft.com/office/drawing/2014/main" id="{C711530E-3DCB-7F4F-B36A-1765E60F0FB1}"/>
+                            <a16:creationId xmlns:a16="http://schemas.microsoft.com/office/drawing/2014/main" xmlns="" id="{C711530E-3DCB-7F4F-B36A-1765E60F0FB1}"/>
                           </a:ext>
                         </a:extLst>
                       </p:cNvPr>
@@ -19616,7 +19647,7 @@
                       <p:nvPr/>
                     </p:nvPicPr>
                     <p:blipFill>
-                      <a:blip r:embed="rId4">
+                      <a:blip r:embed="rId5">
                         <a:extLst>
                           <a:ext uri="{28A0092B-C50C-407E-A947-70E740481C1C}">
                             <a14:useLocalDpi xmlns:a14="http://schemas.microsoft.com/office/drawing/2010/main" val="0"/>
@@ -19650,7 +19681,7 @@
           <p:cNvPr id="6" name="Cloud 5">
             <a:extLst>
               <a:ext uri="{FF2B5EF4-FFF2-40B4-BE49-F238E27FC236}">
-                <a16:creationId xmlns:a16="http://schemas.microsoft.com/office/drawing/2014/main" id="{4E0C4ED3-F16C-5A48-A387-0033A089ABC2}"/>
+                <a16:creationId xmlns:a16="http://schemas.microsoft.com/office/drawing/2014/main" xmlns="" id="{4E0C4ED3-F16C-5A48-A387-0033A089ABC2}"/>
               </a:ext>
             </a:extLst>
           </p:cNvPr>
@@ -19767,7 +19798,7 @@
           <p:cNvPr id="7" name="Rectangle 6">
             <a:extLst>
               <a:ext uri="{FF2B5EF4-FFF2-40B4-BE49-F238E27FC236}">
-                <a16:creationId xmlns:a16="http://schemas.microsoft.com/office/drawing/2014/main" id="{04868A91-0F43-9D44-AB36-190EC9ACA1E5}"/>
+                <a16:creationId xmlns:a16="http://schemas.microsoft.com/office/drawing/2014/main" xmlns="" id="{04868A91-0F43-9D44-AB36-190EC9ACA1E5}"/>
               </a:ext>
             </a:extLst>
           </p:cNvPr>
@@ -19819,7 +19850,7 @@
           <p:cNvPr id="2" name="Oval 1">
             <a:extLst>
               <a:ext uri="{FF2B5EF4-FFF2-40B4-BE49-F238E27FC236}">
-                <a16:creationId xmlns:a16="http://schemas.microsoft.com/office/drawing/2014/main" id="{B1EC4237-1907-4881-A765-DFF2C2ED6862}"/>
+                <a16:creationId xmlns:a16="http://schemas.microsoft.com/office/drawing/2014/main" xmlns="" id="{B1EC4237-1907-4881-A765-DFF2C2ED6862}"/>
               </a:ext>
             </a:extLst>
           </p:cNvPr>
@@ -19871,7 +19902,7 @@
           <p:cNvPr id="8" name="Straight Arrow Connector 7">
             <a:extLst>
               <a:ext uri="{FF2B5EF4-FFF2-40B4-BE49-F238E27FC236}">
-                <a16:creationId xmlns:a16="http://schemas.microsoft.com/office/drawing/2014/main" id="{98E852F2-727C-46AC-B9A3-B25DC05DC5D5}"/>
+                <a16:creationId xmlns:a16="http://schemas.microsoft.com/office/drawing/2014/main" xmlns="" id="{98E852F2-727C-46AC-B9A3-B25DC05DC5D5}"/>
               </a:ext>
             </a:extLst>
           </p:cNvPr>
@@ -19917,7 +19948,7 @@
               <p:cNvPr id="9" name="TextBox 8">
                 <a:extLst>
                   <a:ext uri="{FF2B5EF4-FFF2-40B4-BE49-F238E27FC236}">
-                    <a16:creationId xmlns:a16="http://schemas.microsoft.com/office/drawing/2014/main" id="{5FB2AB8E-2069-4A60-9542-D31217298027}"/>
+                    <a16:creationId xmlns:a16="http://schemas.microsoft.com/office/drawing/2014/main" xmlns="" id="{5FB2AB8E-2069-4A60-9542-D31217298027}"/>
                   </a:ext>
                 </a:extLst>
               </p:cNvPr>
@@ -20029,7 +20060,7 @@
                 <a:avLst/>
               </a:prstGeom>
               <a:blipFill>
-                <a:blip r:embed="rId5"/>
+                <a:blip r:embed="rId6"/>
                 <a:stretch>
                   <a:fillRect l="-2058" t="-2062" b="-12371"/>
                 </a:stretch>
@@ -22548,7 +22579,7 @@
                       <m:fPr>
                         <m:ctrlPr>
                           <a:rPr lang="en-US" sz="2800" i="1" smtClean="0">
-                            <a:latin typeface="Cambria Math" panose="02040503050406030204" pitchFamily="18" charset="0"/>
+                            <a:latin typeface="Cambria Math"/>
                             <a:ea typeface="Cambria Math" panose="02040503050406030204" pitchFamily="18" charset="0"/>
                           </a:rPr>
                         </m:ctrlPr>
@@ -22588,7 +22619,7 @@
                           <m:fPr>
                             <m:ctrlPr>
                               <a:rPr lang="en-US" sz="2800" i="1" smtClean="0">
-                                <a:latin typeface="Cambria Math" panose="02040503050406030204" pitchFamily="18" charset="0"/>
+                                <a:latin typeface="Cambria Math"/>
                                 <a:ea typeface="Cambria Math" panose="02040503050406030204" pitchFamily="18" charset="0"/>
                               </a:rPr>
                             </m:ctrlPr>
@@ -22730,7 +22761,7 @@
             <a:r>
               <a:rPr lang="en-US" sz="3200" b="1" dirty="0">
                 <a:solidFill>
-                  <a:srgbClr val="0000CC"/>
+                  <a:srgbClr val="00B050"/>
                 </a:solidFill>
                 <a:latin typeface="Cambria" panose="02040503050406030204" pitchFamily="18" charset="0"/>
               </a:rPr>
@@ -22774,7 +22805,7 @@
                         <m:sSubPr>
                           <m:ctrlPr>
                             <a:rPr lang="en-US" sz="3200" i="1" smtClean="0">
-                              <a:latin typeface="Cambria Math" panose="02040503050406030204" pitchFamily="18" charset="0"/>
+                              <a:latin typeface="Cambria Math"/>
                             </a:rPr>
                           </m:ctrlPr>
                         </m:sSubPr>
@@ -22799,7 +22830,7 @@
                         <m:dPr>
                           <m:ctrlPr>
                             <a:rPr lang="en-US" sz="3200" b="0" i="1" smtClean="0">
-                              <a:latin typeface="Cambria Math" panose="02040503050406030204" pitchFamily="18" charset="0"/>
+                              <a:latin typeface="Cambria Math"/>
                             </a:rPr>
                           </m:ctrlPr>
                         </m:dPr>
@@ -22822,7 +22853,7 @@
                         <m:sSubPr>
                           <m:ctrlPr>
                             <a:rPr lang="en-US" sz="3200" b="0" i="1" smtClean="0">
-                              <a:latin typeface="Cambria Math" panose="02040503050406030204" pitchFamily="18" charset="0"/>
+                              <a:latin typeface="Cambria Math"/>
                             </a:rPr>
                           </m:ctrlPr>
                         </m:sSubPr>
@@ -22865,7 +22896,7 @@
                         <m:sSubPr>
                           <m:ctrlPr>
                             <a:rPr lang="en-US" sz="3200" b="0" i="1" smtClean="0">
-                              <a:latin typeface="Cambria Math" panose="02040503050406030204" pitchFamily="18" charset="0"/>
+                              <a:latin typeface="Cambria Math"/>
                             </a:rPr>
                           </m:ctrlPr>
                         </m:sSubPr>
@@ -22908,7 +22939,7 @@
                         <m:sSubPr>
                           <m:ctrlPr>
                             <a:rPr lang="en-US" sz="3200" b="0" i="1" smtClean="0">
-                              <a:latin typeface="Cambria Math" panose="02040503050406030204" pitchFamily="18" charset="0"/>
+                              <a:latin typeface="Cambria Math"/>
                             </a:rPr>
                           </m:ctrlPr>
                         </m:sSubPr>
@@ -23024,7 +23055,7 @@
                       <m:sSubPr>
                         <m:ctrlPr>
                           <a:rPr lang="en-US" sz="3200" i="1" smtClean="0">
-                            <a:latin typeface="Cambria Math" panose="02040503050406030204" pitchFamily="18" charset="0"/>
+                            <a:latin typeface="Cambria Math"/>
                             <a:ea typeface="Cambria Math" panose="02040503050406030204" pitchFamily="18" charset="0"/>
                           </a:rPr>
                         </m:ctrlPr>
@@ -23052,7 +23083,7 @@
                       <m:dPr>
                         <m:ctrlPr>
                           <a:rPr lang="en-US" sz="3200" b="0" i="1" smtClean="0">
-                            <a:latin typeface="Cambria Math" panose="02040503050406030204" pitchFamily="18" charset="0"/>
+                            <a:latin typeface="Cambria Math"/>
                             <a:ea typeface="Cambria Math" panose="02040503050406030204" pitchFamily="18" charset="0"/>
                           </a:rPr>
                         </m:ctrlPr>
@@ -23078,7 +23109,7 @@
                       <m:fPr>
                         <m:ctrlPr>
                           <a:rPr lang="en-US" sz="3200" b="0" i="1" smtClean="0">
-                            <a:latin typeface="Cambria Math" panose="02040503050406030204" pitchFamily="18" charset="0"/>
+                            <a:latin typeface="Cambria Math"/>
                             <a:ea typeface="Cambria Math" panose="02040503050406030204" pitchFamily="18" charset="0"/>
                           </a:rPr>
                         </m:ctrlPr>
@@ -23127,7 +23158,7 @@
                       <m:fPr>
                         <m:ctrlPr>
                           <a:rPr lang="en-US" sz="3200" b="0" i="1" dirty="0" smtClean="0">
-                            <a:latin typeface="Cambria Math" panose="02040503050406030204" pitchFamily="18" charset="0"/>
+                            <a:latin typeface="Cambria Math"/>
                             <a:ea typeface="Cambria Math" panose="02040503050406030204" pitchFamily="18" charset="0"/>
                           </a:rPr>
                         </m:ctrlPr>
@@ -23173,7 +23204,7 @@
                       <m:fPr>
                         <m:ctrlPr>
                           <a:rPr lang="en-US" sz="3200" i="1" dirty="0">
-                            <a:latin typeface="Cambria Math" panose="02040503050406030204" pitchFamily="18" charset="0"/>
+                            <a:latin typeface="Cambria Math"/>
                             <a:ea typeface="Cambria Math" panose="02040503050406030204" pitchFamily="18" charset="0"/>
                           </a:rPr>
                         </m:ctrlPr>
@@ -23183,7 +23214,7 @@
                           <m:sSupPr>
                             <m:ctrlPr>
                               <a:rPr lang="en-US" sz="3200" i="1" dirty="0">
-                                <a:latin typeface="Cambria Math" panose="02040503050406030204" pitchFamily="18" charset="0"/>
+                                <a:latin typeface="Cambria Math"/>
                                 <a:ea typeface="Cambria Math" panose="02040503050406030204" pitchFamily="18" charset="0"/>
                               </a:rPr>
                             </m:ctrlPr>
@@ -23337,7 +23368,7 @@
                         <m:sSubPr>
                           <m:ctrlPr>
                             <a:rPr lang="en-US" sz="3200" i="1" smtClean="0">
-                              <a:latin typeface="Cambria Math" panose="02040503050406030204" pitchFamily="18" charset="0"/>
+                              <a:latin typeface="Cambria Math"/>
                               <a:ea typeface="Cambria Math" panose="02040503050406030204" pitchFamily="18" charset="0"/>
                             </a:rPr>
                           </m:ctrlPr>
@@ -23365,7 +23396,7 @@
                         <m:dPr>
                           <m:ctrlPr>
                             <a:rPr lang="en-US" sz="3200" b="0" i="1" smtClean="0">
-                              <a:latin typeface="Cambria Math" panose="02040503050406030204" pitchFamily="18" charset="0"/>
+                              <a:latin typeface="Cambria Math"/>
                               <a:ea typeface="Cambria Math" panose="02040503050406030204" pitchFamily="18" charset="0"/>
                             </a:rPr>
                           </m:ctrlPr>
@@ -23391,7 +23422,7 @@
                         <m:fPr>
                           <m:ctrlPr>
                             <a:rPr lang="en-US" sz="3200" i="1" dirty="0">
-                              <a:latin typeface="Cambria Math" panose="02040503050406030204" pitchFamily="18" charset="0"/>
+                              <a:latin typeface="Cambria Math"/>
                               <a:ea typeface="Cambria Math" panose="02040503050406030204" pitchFamily="18" charset="0"/>
                             </a:rPr>
                           </m:ctrlPr>
@@ -23417,7 +23448,7 @@
                             <m:sSupPr>
                               <m:ctrlPr>
                                 <a:rPr lang="en-US" sz="3200" i="1" dirty="0">
-                                  <a:latin typeface="Cambria Math" panose="02040503050406030204" pitchFamily="18" charset="0"/>
+                                  <a:latin typeface="Cambria Math"/>
                                   <a:ea typeface="Cambria Math" panose="02040503050406030204" pitchFamily="18" charset="0"/>
                                 </a:rPr>
                               </m:ctrlPr>
@@ -23519,7 +23550,7 @@
           <p:cNvPr id="4" name="Oval 3">
             <a:extLst>
               <a:ext uri="{FF2B5EF4-FFF2-40B4-BE49-F238E27FC236}">
-                <a16:creationId xmlns:a16="http://schemas.microsoft.com/office/drawing/2014/main" id="{FEB15549-7D66-4FAA-8D85-0BC61E29FFF6}"/>
+                <a16:creationId xmlns:a16="http://schemas.microsoft.com/office/drawing/2014/main" xmlns="" id="{FEB15549-7D66-4FAA-8D85-0BC61E29FFF6}"/>
               </a:ext>
             </a:extLst>
           </p:cNvPr>
@@ -23571,7 +23602,7 @@
           <p:cNvPr id="80" name="Oval 79">
             <a:extLst>
               <a:ext uri="{FF2B5EF4-FFF2-40B4-BE49-F238E27FC236}">
-                <a16:creationId xmlns:a16="http://schemas.microsoft.com/office/drawing/2014/main" id="{D4A26F8E-FAAC-412A-A13C-07600E2CCC19}"/>
+                <a16:creationId xmlns:a16="http://schemas.microsoft.com/office/drawing/2014/main" xmlns="" id="{D4A26F8E-FAAC-412A-A13C-07600E2CCC19}"/>
               </a:ext>
             </a:extLst>
           </p:cNvPr>
@@ -23623,7 +23654,7 @@
           <p:cNvPr id="13" name="Straight Arrow Connector 12">
             <a:extLst>
               <a:ext uri="{FF2B5EF4-FFF2-40B4-BE49-F238E27FC236}">
-                <a16:creationId xmlns:a16="http://schemas.microsoft.com/office/drawing/2014/main" id="{03CA27D1-671F-4C8F-B559-8B3B6F5906E0}"/>
+                <a16:creationId xmlns:a16="http://schemas.microsoft.com/office/drawing/2014/main" xmlns="" id="{03CA27D1-671F-4C8F-B559-8B3B6F5906E0}"/>
               </a:ext>
             </a:extLst>
           </p:cNvPr>
@@ -23664,7 +23695,7 @@
           <p:cNvPr id="82" name="Rectangle 81">
             <a:extLst>
               <a:ext uri="{FF2B5EF4-FFF2-40B4-BE49-F238E27FC236}">
-                <a16:creationId xmlns:a16="http://schemas.microsoft.com/office/drawing/2014/main" id="{FFFE8618-A085-4454-BEF2-6F143368B7E5}"/>
+                <a16:creationId xmlns:a16="http://schemas.microsoft.com/office/drawing/2014/main" xmlns="" id="{FFFE8618-A085-4454-BEF2-6F143368B7E5}"/>
               </a:ext>
             </a:extLst>
           </p:cNvPr>
@@ -23708,7 +23739,7 @@
           <p:cNvPr id="83" name="Rectangle 82">
             <a:extLst>
               <a:ext uri="{FF2B5EF4-FFF2-40B4-BE49-F238E27FC236}">
-                <a16:creationId xmlns:a16="http://schemas.microsoft.com/office/drawing/2014/main" id="{F4A725BB-DFC6-4D3C-9147-B2978731236F}"/>
+                <a16:creationId xmlns:a16="http://schemas.microsoft.com/office/drawing/2014/main" xmlns="" id="{F4A725BB-DFC6-4D3C-9147-B2978731236F}"/>
               </a:ext>
             </a:extLst>
           </p:cNvPr>
@@ -23942,7 +23973,7 @@
           <p:cNvPr id="6" name="Rectangle 2">
             <a:extLst>
               <a:ext uri="{FF2B5EF4-FFF2-40B4-BE49-F238E27FC236}">
-                <a16:creationId xmlns:a16="http://schemas.microsoft.com/office/drawing/2014/main" id="{BFE2B8B8-1B06-D1A3-0EBC-AD582F5F969B}"/>
+                <a16:creationId xmlns:a16="http://schemas.microsoft.com/office/drawing/2014/main" xmlns="" id="{BFE2B8B8-1B06-D1A3-0EBC-AD582F5F969B}"/>
               </a:ext>
             </a:extLst>
           </p:cNvPr>
@@ -24401,7 +24432,7 @@
           <p:cNvPr id="7" name="TextBox 6">
             <a:extLst>
               <a:ext uri="{FF2B5EF4-FFF2-40B4-BE49-F238E27FC236}">
-                <a16:creationId xmlns:a16="http://schemas.microsoft.com/office/drawing/2014/main" id="{FA3192D4-19F2-1541-D8C4-EBBEE83E6DC8}"/>
+                <a16:creationId xmlns:a16="http://schemas.microsoft.com/office/drawing/2014/main" xmlns="" id="{FA3192D4-19F2-1541-D8C4-EBBEE83E6DC8}"/>
               </a:ext>
             </a:extLst>
           </p:cNvPr>
@@ -24430,7 +24461,7 @@
             <a:r>
               <a:rPr lang="en-US" sz="4000" b="1" dirty="0">
                 <a:solidFill>
-                  <a:srgbClr val="0000CC"/>
+                  <a:srgbClr val="00B050"/>
                 </a:solidFill>
                 <a:latin typeface="Cambria" panose="02040503050406030204" pitchFamily="18" charset="0"/>
               </a:rPr>
@@ -24478,7 +24509,7 @@
         <p:spPr>
           <a:xfrm>
             <a:off x="387464" y="558856"/>
-            <a:ext cx="4834261" cy="901465"/>
+            <a:ext cx="4834261" cy="1015663"/>
           </a:xfrm>
           <a:prstGeom prst="rect">
             <a:avLst/>
@@ -24514,7 +24545,7 @@
                   <a:noFill/>
                 </a:ln>
                 <a:solidFill>
-                  <a:srgbClr val="0000FF"/>
+                  <a:srgbClr val="00B050"/>
                 </a:solidFill>
                 <a:effectLst/>
                 <a:uLnTx/>
@@ -24894,7 +24925,7 @@
           <p:cNvPr id="4" name="مربع نص 1">
             <a:extLst>
               <a:ext uri="{FF2B5EF4-FFF2-40B4-BE49-F238E27FC236}">
-                <a16:creationId xmlns:a16="http://schemas.microsoft.com/office/drawing/2014/main" id="{652B3B0F-A0D4-D65F-21EB-50F25FC3CB55}"/>
+                <a16:creationId xmlns:a16="http://schemas.microsoft.com/office/drawing/2014/main" xmlns="" id="{652B3B0F-A0D4-D65F-21EB-50F25FC3CB55}"/>
               </a:ext>
             </a:extLst>
           </p:cNvPr>
@@ -24940,7 +24971,7 @@
                   <a:noFill/>
                 </a:ln>
                 <a:solidFill>
-                  <a:srgbClr val="0000FF"/>
+                  <a:srgbClr val="00B050"/>
                 </a:solidFill>
                 <a:effectLst/>
                 <a:uLnTx/>
@@ -24959,7 +24990,7 @@
           <p:cNvPr id="5" name="TextBox 4">
             <a:extLst>
               <a:ext uri="{FF2B5EF4-FFF2-40B4-BE49-F238E27FC236}">
-                <a16:creationId xmlns:a16="http://schemas.microsoft.com/office/drawing/2014/main" id="{8618E1F9-F8A1-5892-0E76-5C22212EC1C5}"/>
+                <a16:creationId xmlns:a16="http://schemas.microsoft.com/office/drawing/2014/main" xmlns="" id="{8618E1F9-F8A1-5892-0E76-5C22212EC1C5}"/>
               </a:ext>
             </a:extLst>
           </p:cNvPr>
@@ -25271,7 +25302,7 @@
         <p:spPr>
           <a:xfrm>
             <a:off x="950647" y="505391"/>
-            <a:ext cx="4834261" cy="901465"/>
+            <a:ext cx="4834261" cy="1015663"/>
           </a:xfrm>
           <a:prstGeom prst="rect">
             <a:avLst/>
@@ -25307,7 +25338,7 @@
                   <a:noFill/>
                 </a:ln>
                 <a:solidFill>
-                  <a:srgbClr val="0000FF"/>
+                  <a:srgbClr val="00B050"/>
                 </a:solidFill>
                 <a:effectLst/>
                 <a:uLnTx/>
@@ -25587,7 +25618,7 @@
           <p:cNvPr id="5" name="مربع نص 1">
             <a:extLst>
               <a:ext uri="{FF2B5EF4-FFF2-40B4-BE49-F238E27FC236}">
-                <a16:creationId xmlns:a16="http://schemas.microsoft.com/office/drawing/2014/main" id="{7711DB52-DA0E-C95D-DFAF-CCC7BD2BE49D}"/>
+                <a16:creationId xmlns:a16="http://schemas.microsoft.com/office/drawing/2014/main" xmlns="" id="{7711DB52-DA0E-C95D-DFAF-CCC7BD2BE49D}"/>
               </a:ext>
             </a:extLst>
           </p:cNvPr>
@@ -25597,7 +25628,7 @@
         <p:spPr>
           <a:xfrm>
             <a:off x="950647" y="2928850"/>
-            <a:ext cx="4834261" cy="901465"/>
+            <a:ext cx="4834261" cy="1015663"/>
           </a:xfrm>
           <a:prstGeom prst="rect">
             <a:avLst/>
@@ -25633,7 +25664,7 @@
                   <a:noFill/>
                 </a:ln>
                 <a:solidFill>
-                  <a:srgbClr val="0000FF"/>
+                  <a:srgbClr val="00B050"/>
                 </a:solidFill>
                 <a:effectLst/>
                 <a:uLnTx/>
@@ -25652,7 +25683,7 @@
           <p:cNvPr id="6" name="TextBox 5">
             <a:extLst>
               <a:ext uri="{FF2B5EF4-FFF2-40B4-BE49-F238E27FC236}">
-                <a16:creationId xmlns:a16="http://schemas.microsoft.com/office/drawing/2014/main" id="{34183D16-35EC-852C-6B9E-C6ED3DBFD9D3}"/>
+                <a16:creationId xmlns:a16="http://schemas.microsoft.com/office/drawing/2014/main" xmlns="" id="{34183D16-35EC-852C-6B9E-C6ED3DBFD9D3}"/>
               </a:ext>
             </a:extLst>
           </p:cNvPr>
@@ -25779,7 +25810,7 @@
         <p:cNvPr id="1" name="">
           <a:extLst>
             <a:ext uri="{FF2B5EF4-FFF2-40B4-BE49-F238E27FC236}">
-              <a16:creationId xmlns:a16="http://schemas.microsoft.com/office/drawing/2014/main" id="{A416EC8C-6F9B-FCB6-E00B-5BC4457A71D0}"/>
+              <a16:creationId xmlns:a16="http://schemas.microsoft.com/office/drawing/2014/main" xmlns="" id="{A416EC8C-6F9B-FCB6-E00B-5BC4457A71D0}"/>
             </a:ext>
           </a:extLst>
         </p:cNvPr>
@@ -25799,7 +25830,7 @@
           <p:cNvPr id="3" name="Object 7">
             <a:extLst>
               <a:ext uri="{FF2B5EF4-FFF2-40B4-BE49-F238E27FC236}">
-                <a16:creationId xmlns:a16="http://schemas.microsoft.com/office/drawing/2014/main" id="{B256729A-3FF4-6AA7-D0E1-E37DAC9A82ED}"/>
+                <a16:creationId xmlns:a16="http://schemas.microsoft.com/office/drawing/2014/main" xmlns="" id="{B256729A-3FF4-6AA7-D0E1-E37DAC9A82ED}"/>
               </a:ext>
             </a:extLst>
           </p:cNvPr>
@@ -25822,12 +25853,12 @@
           <a:graphicData uri="http://schemas.openxmlformats.org/presentationml/2006/ole">
             <mc:AlternateContent xmlns:mc="http://schemas.openxmlformats.org/markup-compatibility/2006">
               <mc:Choice xmlns:v="urn:schemas-microsoft-com:vml" Requires="v">
-                <p:oleObj r:id="rId2" imgW="1218893" imgH="2212665" progId="">
+                <p:oleObj spid="_x0000_s1032" r:id="rId3" imgW="1218893" imgH="2212665" progId="">
                   <p:embed/>
                 </p:oleObj>
               </mc:Choice>
               <mc:Fallback>
-                <p:oleObj r:id="rId2" imgW="1218893" imgH="2212665" progId="">
+                <p:oleObj r:id="rId3" imgW="1218893" imgH="2212665" progId="">
                   <p:embed/>
                   <p:pic>
                     <p:nvPicPr>
@@ -25838,7 +25869,7 @@
                       <p:nvPr/>
                     </p:nvPicPr>
                     <p:blipFill>
-                      <a:blip r:embed="rId3">
+                      <a:blip r:embed="rId4">
                         <a:extLst>
                           <a:ext uri="{28A0092B-C50C-407E-A947-70E740481C1C}">
                             <a14:useLocalDpi xmlns:a14="http://schemas.microsoft.com/office/drawing/2010/main" val="0"/>
@@ -25904,7 +25935,7 @@
           <p:cNvPr id="4" name="Object 9">
             <a:extLst>
               <a:ext uri="{FF2B5EF4-FFF2-40B4-BE49-F238E27FC236}">
-                <a16:creationId xmlns:a16="http://schemas.microsoft.com/office/drawing/2014/main" id="{D015B179-D88C-DD0C-E3E0-0A691C6E4E08}"/>
+                <a16:creationId xmlns:a16="http://schemas.microsoft.com/office/drawing/2014/main" xmlns="" id="{D015B179-D88C-DD0C-E3E0-0A691C6E4E08}"/>
               </a:ext>
             </a:extLst>
           </p:cNvPr>
@@ -25927,12 +25958,12 @@
           <a:graphicData uri="http://schemas.openxmlformats.org/presentationml/2006/ole">
             <mc:AlternateContent xmlns:mc="http://schemas.openxmlformats.org/markup-compatibility/2006">
               <mc:Choice xmlns:v="urn:schemas-microsoft-com:vml" Requires="v">
-                <p:oleObj r:id="rId4" imgW="1163846" imgH="2072118" progId="">
+                <p:oleObj spid="_x0000_s1033" r:id="rId5" imgW="1163846" imgH="2072118" progId="">
                   <p:embed/>
                 </p:oleObj>
               </mc:Choice>
               <mc:Fallback>
-                <p:oleObj r:id="rId4" imgW="1163846" imgH="2072118" progId="">
+                <p:oleObj r:id="rId5" imgW="1163846" imgH="2072118" progId="">
                   <p:embed/>
                   <p:pic>
                     <p:nvPicPr>
@@ -25943,7 +25974,7 @@
                       <p:nvPr/>
                     </p:nvPicPr>
                     <p:blipFill>
-                      <a:blip r:embed="rId5">
+                      <a:blip r:embed="rId6">
                         <a:extLst>
                           <a:ext uri="{28A0092B-C50C-407E-A947-70E740481C1C}">
                             <a14:useLocalDpi xmlns:a14="http://schemas.microsoft.com/office/drawing/2010/main" val="0"/>
@@ -26009,7 +26040,7 @@
           <p:cNvPr id="6" name="Object 12">
             <a:extLst>
               <a:ext uri="{FF2B5EF4-FFF2-40B4-BE49-F238E27FC236}">
-                <a16:creationId xmlns:a16="http://schemas.microsoft.com/office/drawing/2014/main" id="{7F1E7CFE-F7FD-6CEC-EE56-678ED1A4A782}"/>
+                <a16:creationId xmlns:a16="http://schemas.microsoft.com/office/drawing/2014/main" xmlns="" id="{7F1E7CFE-F7FD-6CEC-EE56-678ED1A4A782}"/>
               </a:ext>
             </a:extLst>
           </p:cNvPr>
@@ -26032,12 +26063,12 @@
           <a:graphicData uri="http://schemas.openxmlformats.org/presentationml/2006/ole">
             <mc:AlternateContent xmlns:mc="http://schemas.openxmlformats.org/markup-compatibility/2006">
               <mc:Choice xmlns:v="urn:schemas-microsoft-com:vml" Requires="v">
-                <p:oleObj r:id="rId6" imgW="2450794" imgH="4330159" progId="">
+                <p:oleObj spid="_x0000_s1034" r:id="rId7" imgW="2450794" imgH="4330159" progId="">
                   <p:embed/>
                 </p:oleObj>
               </mc:Choice>
               <mc:Fallback>
-                <p:oleObj r:id="rId6" imgW="2450794" imgH="4330159" progId="">
+                <p:oleObj r:id="rId7" imgW="2450794" imgH="4330159" progId="">
                   <p:embed/>
                   <p:pic>
                     <p:nvPicPr>
@@ -26048,7 +26079,7 @@
                       <p:nvPr/>
                     </p:nvPicPr>
                     <p:blipFill>
-                      <a:blip r:embed="rId7">
+                      <a:blip r:embed="rId8">
                         <a:extLst>
                           <a:ext uri="{28A0092B-C50C-407E-A947-70E740481C1C}">
                             <a14:useLocalDpi xmlns:a14="http://schemas.microsoft.com/office/drawing/2010/main" val="0"/>
@@ -26114,7 +26145,7 @@
           <p:cNvPr id="7" name="Text Box 15">
             <a:extLst>
               <a:ext uri="{FF2B5EF4-FFF2-40B4-BE49-F238E27FC236}">
-                <a16:creationId xmlns:a16="http://schemas.microsoft.com/office/drawing/2014/main" id="{978485FF-257D-A080-E1EF-C844EDDCA6F8}"/>
+                <a16:creationId xmlns:a16="http://schemas.microsoft.com/office/drawing/2014/main" xmlns="" id="{978485FF-257D-A080-E1EF-C844EDDCA6F8}"/>
               </a:ext>
             </a:extLst>
           </p:cNvPr>
@@ -26162,7 +26193,7 @@
           <p:cNvPr id="8" name="Text Box 16">
             <a:extLst>
               <a:ext uri="{FF2B5EF4-FFF2-40B4-BE49-F238E27FC236}">
-                <a16:creationId xmlns:a16="http://schemas.microsoft.com/office/drawing/2014/main" id="{D0A4FB2F-1620-8B62-FCC0-8C48B3DC9204}"/>
+                <a16:creationId xmlns:a16="http://schemas.microsoft.com/office/drawing/2014/main" xmlns="" id="{D0A4FB2F-1620-8B62-FCC0-8C48B3DC9204}"/>
               </a:ext>
             </a:extLst>
           </p:cNvPr>
@@ -26210,7 +26241,7 @@
           <p:cNvPr id="9" name="Text Box 17">
             <a:extLst>
               <a:ext uri="{FF2B5EF4-FFF2-40B4-BE49-F238E27FC236}">
-                <a16:creationId xmlns:a16="http://schemas.microsoft.com/office/drawing/2014/main" id="{D67ED208-947F-DA97-F01A-B1D4BC009B5C}"/>
+                <a16:creationId xmlns:a16="http://schemas.microsoft.com/office/drawing/2014/main" xmlns="" id="{D67ED208-947F-DA97-F01A-B1D4BC009B5C}"/>
               </a:ext>
             </a:extLst>
           </p:cNvPr>
@@ -26258,7 +26289,7 @@
           <p:cNvPr id="10" name="Rectangle 9">
             <a:extLst>
               <a:ext uri="{FF2B5EF4-FFF2-40B4-BE49-F238E27FC236}">
-                <a16:creationId xmlns:a16="http://schemas.microsoft.com/office/drawing/2014/main" id="{DF2D2AD4-8C50-0B1D-CDC0-643B7320C8EF}"/>
+                <a16:creationId xmlns:a16="http://schemas.microsoft.com/office/drawing/2014/main" xmlns="" id="{DF2D2AD4-8C50-0B1D-CDC0-643B7320C8EF}"/>
               </a:ext>
             </a:extLst>
           </p:cNvPr>
@@ -26284,7 +26315,7 @@
             <a:r>
               <a:rPr lang="en-US" sz="4000" b="1" dirty="0">
                 <a:solidFill>
-                  <a:srgbClr val="0000FF"/>
+                  <a:srgbClr val="00B050"/>
                 </a:solidFill>
                 <a:latin typeface="Cambria" panose="02040503050406030204" pitchFamily="18" charset="0"/>
               </a:rPr>
@@ -26348,7 +26379,7 @@
             <a:r>
               <a:rPr lang="en-US" sz="4000" b="1" dirty="0">
                 <a:solidFill>
-                  <a:srgbClr val="0000FF"/>
+                  <a:srgbClr val="00B050"/>
                 </a:solidFill>
                 <a:latin typeface="Cambria" panose="02040503050406030204" pitchFamily="18" charset="0"/>
               </a:rPr>
@@ -26573,7 +26604,7 @@
                       <m:sSubPr>
                         <m:ctrlPr>
                           <a:rPr lang="en-US" sz="3200" b="1" i="1" smtClean="0">
-                            <a:latin typeface="Cambria Math" panose="02040503050406030204" pitchFamily="18" charset="0"/>
+                            <a:latin typeface="Cambria Math"/>
                             <a:ea typeface="Cambria Math" panose="02040503050406030204" pitchFamily="18" charset="0"/>
                           </a:rPr>
                         </m:ctrlPr>
@@ -26633,7 +26664,7 @@
                       <m:fPr>
                         <m:ctrlPr>
                           <a:rPr lang="en-US" sz="3200" b="1" i="1" dirty="0" smtClean="0">
-                            <a:latin typeface="Cambria Math" panose="02040503050406030204" pitchFamily="18" charset="0"/>
+                            <a:latin typeface="Cambria Math"/>
                             <a:ea typeface="Cambria Math" panose="02040503050406030204" pitchFamily="18" charset="0"/>
                           </a:rPr>
                         </m:ctrlPr>
@@ -26643,7 +26674,7 @@
                           <m:sSubPr>
                             <m:ctrlPr>
                               <a:rPr lang="en-US" sz="3200" b="1" i="1" dirty="0" smtClean="0">
-                                <a:latin typeface="Cambria Math" panose="02040503050406030204" pitchFamily="18" charset="0"/>
+                                <a:latin typeface="Cambria Math"/>
                                 <a:ea typeface="Cambria Math" panose="02040503050406030204" pitchFamily="18" charset="0"/>
                               </a:rPr>
                             </m:ctrlPr>
@@ -26694,7 +26725,7 @@
                           <m:sSubPr>
                             <m:ctrlPr>
                               <a:rPr lang="en-US" sz="3200" b="1" i="1" dirty="0" smtClean="0">
-                                <a:latin typeface="Cambria Math" panose="02040503050406030204" pitchFamily="18" charset="0"/>
+                                <a:latin typeface="Cambria Math"/>
                                 <a:ea typeface="Cambria Math" panose="02040503050406030204" pitchFamily="18" charset="0"/>
                               </a:rPr>
                             </m:ctrlPr>
@@ -26962,7 +26993,7 @@
                             <a:solidFill>
                               <a:srgbClr val="7030A0"/>
                             </a:solidFill>
-                            <a:latin typeface="Cambria Math" panose="02040503050406030204" pitchFamily="18" charset="0"/>
+                            <a:latin typeface="Cambria Math"/>
                             <a:ea typeface="Cambria Math" panose="02040503050406030204" pitchFamily="18" charset="0"/>
                           </a:rPr>
                         </m:ctrlPr>
@@ -27053,7 +27084,7 @@
                             <a:solidFill>
                               <a:srgbClr val="7030A0"/>
                             </a:solidFill>
-                            <a:latin typeface="Cambria Math" panose="02040503050406030204" pitchFamily="18" charset="0"/>
+                            <a:latin typeface="Cambria Math"/>
                             <a:ea typeface="Cambria Math" panose="02040503050406030204" pitchFamily="18" charset="0"/>
                           </a:rPr>
                         </m:ctrlPr>
@@ -27078,7 +27109,7 @@
                                 <a:solidFill>
                                   <a:srgbClr val="7030A0"/>
                                 </a:solidFill>
-                                <a:latin typeface="Cambria Math" panose="02040503050406030204" pitchFamily="18" charset="0"/>
+                                <a:latin typeface="Cambria Math"/>
                                 <a:ea typeface="Cambria Math" panose="02040503050406030204" pitchFamily="18" charset="0"/>
                               </a:rPr>
                             </m:ctrlPr>
@@ -27157,7 +27188,7 @@
                             <a:solidFill>
                               <a:srgbClr val="7030A0"/>
                             </a:solidFill>
-                            <a:latin typeface="Cambria Math" panose="02040503050406030204" pitchFamily="18" charset="0"/>
+                            <a:latin typeface="Cambria Math"/>
                             <a:ea typeface="Cambria Math" panose="02040503050406030204" pitchFamily="18" charset="0"/>
                           </a:rPr>
                         </m:ctrlPr>
@@ -27170,7 +27201,7 @@
                                 <a:solidFill>
                                   <a:srgbClr val="7030A0"/>
                                 </a:solidFill>
-                                <a:latin typeface="Cambria Math" panose="02040503050406030204" pitchFamily="18" charset="0"/>
+                                <a:latin typeface="Cambria Math"/>
                                 <a:ea typeface="Cambria Math" panose="02040503050406030204" pitchFamily="18" charset="0"/>
                               </a:rPr>
                             </m:ctrlPr>
@@ -27239,7 +27270,7 @@
                                 <a:solidFill>
                                   <a:srgbClr val="7030A0"/>
                                 </a:solidFill>
-                                <a:latin typeface="Cambria Math" panose="02040503050406030204" pitchFamily="18" charset="0"/>
+                                <a:latin typeface="Cambria Math"/>
                                 <a:ea typeface="Cambria Math" panose="02040503050406030204" pitchFamily="18" charset="0"/>
                               </a:rPr>
                             </m:ctrlPr>
@@ -27388,7 +27419,7 @@
                         <m:sSupPr>
                           <m:ctrlPr>
                             <a:rPr lang="el-GR" sz="3600" b="1" i="1" smtClean="0">
-                              <a:latin typeface="Cambria Math" panose="02040503050406030204" pitchFamily="18" charset="0"/>
+                              <a:latin typeface="Cambria Math"/>
                             </a:rPr>
                           </m:ctrlPr>
                         </m:sSupPr>
@@ -27520,7 +27551,7 @@
             <a:r>
               <a:rPr lang="en-US" sz="3200" b="1" dirty="0">
                 <a:solidFill>
-                  <a:srgbClr val="0000FF"/>
+                  <a:srgbClr val="00B050"/>
                 </a:solidFill>
                 <a:latin typeface="Cambria" panose="02040503050406030204" pitchFamily="18" charset="0"/>
               </a:rPr>
@@ -27564,7 +27595,7 @@
                         <m:sSubPr>
                           <m:ctrlPr>
                             <a:rPr lang="en-US" sz="3200" i="1" smtClean="0">
-                              <a:latin typeface="Cambria Math" panose="02040503050406030204" pitchFamily="18" charset="0"/>
+                              <a:latin typeface="Cambria Math"/>
                             </a:rPr>
                           </m:ctrlPr>
                         </m:sSubPr>
@@ -27646,7 +27677,7 @@
                         <m:sSubPr>
                           <m:ctrlPr>
                             <a:rPr lang="en-US" sz="3200" i="1">
-                              <a:latin typeface="Cambria Math" panose="02040503050406030204" pitchFamily="18" charset="0"/>
+                              <a:latin typeface="Cambria Math"/>
                             </a:rPr>
                           </m:ctrlPr>
                         </m:sSubPr>
@@ -27749,7 +27780,7 @@
                         <m:sSubPr>
                           <m:ctrlPr>
                             <a:rPr lang="en-US" sz="3200" i="1" smtClean="0">
-                              <a:latin typeface="Cambria Math" panose="02040503050406030204" pitchFamily="18" charset="0"/>
+                              <a:latin typeface="Cambria Math"/>
                             </a:rPr>
                           </m:ctrlPr>
                         </m:sSubPr>
@@ -27840,7 +27871,7 @@
                         <m:sSubPr>
                           <m:ctrlPr>
                             <a:rPr lang="en-US" sz="3200" b="0" i="1" smtClean="0">
-                              <a:latin typeface="Cambria Math" panose="02040503050406030204" pitchFamily="18" charset="0"/>
+                              <a:latin typeface="Cambria Math"/>
                             </a:rPr>
                           </m:ctrlPr>
                         </m:sSubPr>
@@ -27883,7 +27914,7 @@
                         <m:sSubPr>
                           <m:ctrlPr>
                             <a:rPr lang="en-US" sz="3200" i="1">
-                              <a:latin typeface="Cambria Math" panose="02040503050406030204" pitchFamily="18" charset="0"/>
+                              <a:latin typeface="Cambria Math"/>
                               <a:ea typeface="Cambria Math" panose="02040503050406030204" pitchFamily="18" charset="0"/>
                             </a:rPr>
                           </m:ctrlPr>
@@ -27911,7 +27942,7 @@
                         <m:dPr>
                           <m:ctrlPr>
                             <a:rPr lang="en-US" sz="3200" i="1">
-                              <a:latin typeface="Cambria Math" panose="02040503050406030204" pitchFamily="18" charset="0"/>
+                              <a:latin typeface="Cambria Math"/>
                               <a:ea typeface="Cambria Math" panose="02040503050406030204" pitchFamily="18" charset="0"/>
                             </a:rPr>
                           </m:ctrlPr>
@@ -27930,7 +27961,7 @@
                         <m:sSubPr>
                           <m:ctrlPr>
                             <a:rPr lang="en-US" sz="3200" i="1">
-                              <a:latin typeface="Cambria Math" panose="02040503050406030204" pitchFamily="18" charset="0"/>
+                              <a:latin typeface="Cambria Math"/>
                             </a:rPr>
                           </m:ctrlPr>
                         </m:sSubPr>
@@ -27955,7 +27986,7 @@
                         <m:dPr>
                           <m:ctrlPr>
                             <a:rPr lang="en-US" sz="3200" i="1">
-                              <a:latin typeface="Cambria Math" panose="02040503050406030204" pitchFamily="18" charset="0"/>
+                              <a:latin typeface="Cambria Math"/>
                             </a:rPr>
                           </m:ctrlPr>
                         </m:dPr>
@@ -28047,7 +28078,7 @@
                             <a:solidFill>
                               <a:schemeClr val="tx1"/>
                             </a:solidFill>
-                            <a:latin typeface="Cambria Math" panose="02040503050406030204" pitchFamily="18" charset="0"/>
+                            <a:latin typeface="Cambria Math"/>
                             <a:ea typeface="Cambria Math" panose="02040503050406030204" pitchFamily="18" charset="0"/>
                           </a:rPr>
                         </m:ctrlPr>
@@ -28105,7 +28136,7 @@
                             <a:solidFill>
                               <a:schemeClr val="tx1"/>
                             </a:solidFill>
-                            <a:latin typeface="Cambria Math" panose="02040503050406030204" pitchFamily="18" charset="0"/>
+                            <a:latin typeface="Cambria Math"/>
                             <a:ea typeface="Cambria Math" panose="02040503050406030204" pitchFamily="18" charset="0"/>
                           </a:rPr>
                         </m:ctrlPr>
@@ -28156,7 +28187,7 @@
                             <a:solidFill>
                               <a:schemeClr val="tx1"/>
                             </a:solidFill>
-                            <a:latin typeface="Cambria Math" panose="02040503050406030204" pitchFamily="18" charset="0"/>
+                            <a:latin typeface="Cambria Math"/>
                             <a:ea typeface="Cambria Math" panose="02040503050406030204" pitchFamily="18" charset="0"/>
                           </a:rPr>
                         </m:ctrlPr>
@@ -28227,7 +28258,7 @@
                             <a:solidFill>
                               <a:schemeClr val="tx1"/>
                             </a:solidFill>
-                            <a:latin typeface="Cambria Math" panose="02040503050406030204" pitchFamily="18" charset="0"/>
+                            <a:latin typeface="Cambria Math"/>
                             <a:ea typeface="Cambria Math" panose="02040503050406030204" pitchFamily="18" charset="0"/>
                           </a:rPr>
                         </m:ctrlPr>
@@ -28304,7 +28335,7 @@
                       <m:sSubPr>
                         <m:ctrlPr>
                           <a:rPr lang="en-US" sz="3200" i="1" dirty="0">
-                            <a:latin typeface="Cambria Math" panose="02040503050406030204" pitchFamily="18" charset="0"/>
+                            <a:latin typeface="Cambria Math"/>
                             <a:ea typeface="Cambria Math" panose="02040503050406030204" pitchFamily="18" charset="0"/>
                           </a:rPr>
                         </m:ctrlPr>
@@ -28463,7 +28494,7 @@
               <p:cNvPr id="12" name="TextBox 11">
                 <a:extLst>
                   <a:ext uri="{FF2B5EF4-FFF2-40B4-BE49-F238E27FC236}">
-                    <a16:creationId xmlns:a16="http://schemas.microsoft.com/office/drawing/2014/main" id="{9EC1F962-01BC-4480-9593-A6E7833D6DCE}"/>
+                    <a16:creationId xmlns:a16="http://schemas.microsoft.com/office/drawing/2014/main" xmlns="" id="{9EC1F962-01BC-4480-9593-A6E7833D6DCE}"/>
                   </a:ext>
                 </a:extLst>
               </p:cNvPr>
@@ -28550,7 +28581,7 @@
                             <a:solidFill>
                               <a:srgbClr val="002060"/>
                             </a:solidFill>
-                            <a:latin typeface="Cambria Math" panose="02040503050406030204" pitchFamily="18" charset="0"/>
+                            <a:latin typeface="Cambria Math"/>
                             <a:ea typeface="Cambria Math" panose="02040503050406030204" pitchFamily="18" charset="0"/>
                           </a:rPr>
                         </m:ctrlPr>
@@ -28587,7 +28618,7 @@
                             <a:solidFill>
                               <a:srgbClr val="002060"/>
                             </a:solidFill>
-                            <a:latin typeface="Cambria Math" panose="02040503050406030204" pitchFamily="18" charset="0"/>
+                            <a:latin typeface="Cambria Math"/>
                             <a:ea typeface="Cambria Math" panose="02040503050406030204" pitchFamily="18" charset="0"/>
                           </a:rPr>
                         </m:ctrlPr>
@@ -28652,7 +28683,7 @@
                             <a:solidFill>
                               <a:srgbClr val="002060"/>
                             </a:solidFill>
-                            <a:latin typeface="Cambria Math" panose="02040503050406030204" pitchFamily="18" charset="0"/>
+                            <a:latin typeface="Cambria Math"/>
                             <a:ea typeface="Cambria Math" panose="02040503050406030204" pitchFamily="18" charset="0"/>
                           </a:rPr>
                         </m:ctrlPr>
@@ -28689,7 +28720,7 @@
                             <a:solidFill>
                               <a:srgbClr val="002060"/>
                             </a:solidFill>
-                            <a:latin typeface="Cambria Math" panose="02040503050406030204" pitchFamily="18" charset="0"/>
+                            <a:latin typeface="Cambria Math"/>
                             <a:ea typeface="Cambria Math" panose="02040503050406030204" pitchFamily="18" charset="0"/>
                           </a:rPr>
                         </m:ctrlPr>
@@ -28723,7 +28754,7 @@
                             <a:solidFill>
                               <a:srgbClr val="002060"/>
                             </a:solidFill>
-                            <a:latin typeface="Cambria Math" panose="02040503050406030204" pitchFamily="18" charset="0"/>
+                            <a:latin typeface="Cambria Math"/>
                             <a:ea typeface="Cambria Math" panose="02040503050406030204" pitchFamily="18" charset="0"/>
                           </a:rPr>
                         </m:ctrlPr>
@@ -28819,7 +28850,7 @@
           <p:cNvPr id="3" name="Rectangle 2">
             <a:extLst>
               <a:ext uri="{FF2B5EF4-FFF2-40B4-BE49-F238E27FC236}">
-                <a16:creationId xmlns:a16="http://schemas.microsoft.com/office/drawing/2014/main" id="{34EC83C8-7894-48CD-BB2A-44D81C913C11}"/>
+                <a16:creationId xmlns:a16="http://schemas.microsoft.com/office/drawing/2014/main" xmlns="" id="{34EC83C8-7894-48CD-BB2A-44D81C913C11}"/>
               </a:ext>
             </a:extLst>
           </p:cNvPr>
@@ -28909,7 +28940,7 @@
             <a:r>
               <a:rPr lang="en-US" sz="3200" b="1" dirty="0">
                 <a:solidFill>
-                  <a:srgbClr val="0000FF"/>
+                  <a:srgbClr val="00B050"/>
                 </a:solidFill>
                 <a:latin typeface="Cambria" panose="02040503050406030204" pitchFamily="18" charset="0"/>
               </a:rPr>
@@ -28953,7 +28984,7 @@
                         <m:sSubPr>
                           <m:ctrlPr>
                             <a:rPr lang="en-US" sz="3200" i="1" smtClean="0">
-                              <a:latin typeface="Cambria Math" panose="02040503050406030204" pitchFamily="18" charset="0"/>
+                              <a:latin typeface="Cambria Math"/>
                             </a:rPr>
                           </m:ctrlPr>
                         </m:sSubPr>
@@ -29035,7 +29066,7 @@
                         <m:fPr>
                           <m:ctrlPr>
                             <a:rPr lang="en-US" sz="3200" b="0" i="1" smtClean="0">
-                              <a:latin typeface="Cambria Math" panose="02040503050406030204" pitchFamily="18" charset="0"/>
+                              <a:latin typeface="Cambria Math"/>
                             </a:rPr>
                           </m:ctrlPr>
                         </m:fPr>
@@ -29050,7 +29081,7 @@
                             <m:sSubPr>
                               <m:ctrlPr>
                                 <a:rPr lang="en-US" sz="3200" b="0" i="1" smtClean="0">
-                                  <a:latin typeface="Cambria Math" panose="02040503050406030204" pitchFamily="18" charset="0"/>
+                                  <a:latin typeface="Cambria Math"/>
                                 </a:rPr>
                               </m:ctrlPr>
                             </m:sSubPr>
@@ -29163,7 +29194,7 @@
                         <m:sSubPr>
                           <m:ctrlPr>
                             <a:rPr lang="en-US" sz="3200" i="1" smtClean="0">
-                              <a:latin typeface="Cambria Math" panose="02040503050406030204" pitchFamily="18" charset="0"/>
+                              <a:latin typeface="Cambria Math"/>
                             </a:rPr>
                           </m:ctrlPr>
                         </m:sSubPr>
@@ -29254,7 +29285,7 @@
                         <m:sSubPr>
                           <m:ctrlPr>
                             <a:rPr lang="en-US" sz="3200" b="0" i="1" smtClean="0">
-                              <a:latin typeface="Cambria Math" panose="02040503050406030204" pitchFamily="18" charset="0"/>
+                              <a:latin typeface="Cambria Math"/>
                             </a:rPr>
                           </m:ctrlPr>
                         </m:sSubPr>
@@ -29297,7 +29328,7 @@
                         <m:sSubPr>
                           <m:ctrlPr>
                             <a:rPr lang="en-US" sz="3200" i="1">
-                              <a:latin typeface="Cambria Math" panose="02040503050406030204" pitchFamily="18" charset="0"/>
+                              <a:latin typeface="Cambria Math"/>
                               <a:ea typeface="Cambria Math" panose="02040503050406030204" pitchFamily="18" charset="0"/>
                             </a:rPr>
                           </m:ctrlPr>
@@ -29325,7 +29356,7 @@
                         <m:dPr>
                           <m:ctrlPr>
                             <a:rPr lang="en-US" sz="3200" i="1">
-                              <a:latin typeface="Cambria Math" panose="02040503050406030204" pitchFamily="18" charset="0"/>
+                              <a:latin typeface="Cambria Math"/>
                               <a:ea typeface="Cambria Math" panose="02040503050406030204" pitchFamily="18" charset="0"/>
                             </a:rPr>
                           </m:ctrlPr>
@@ -29344,7 +29375,7 @@
                         <m:sSubPr>
                           <m:ctrlPr>
                             <a:rPr lang="en-US" sz="3200" i="1">
-                              <a:latin typeface="Cambria Math" panose="02040503050406030204" pitchFamily="18" charset="0"/>
+                              <a:latin typeface="Cambria Math"/>
                             </a:rPr>
                           </m:ctrlPr>
                         </m:sSubPr>
@@ -29369,7 +29400,7 @@
                         <m:dPr>
                           <m:ctrlPr>
                             <a:rPr lang="en-US" sz="3200" i="1">
-                              <a:latin typeface="Cambria Math" panose="02040503050406030204" pitchFamily="18" charset="0"/>
+                              <a:latin typeface="Cambria Math"/>
                             </a:rPr>
                           </m:ctrlPr>
                         </m:dPr>
@@ -29461,7 +29492,7 @@
                             <a:solidFill>
                               <a:schemeClr val="tx1"/>
                             </a:solidFill>
-                            <a:latin typeface="Cambria Math" panose="02040503050406030204" pitchFamily="18" charset="0"/>
+                            <a:latin typeface="Cambria Math"/>
                             <a:ea typeface="Cambria Math" panose="02040503050406030204" pitchFamily="18" charset="0"/>
                           </a:rPr>
                         </m:ctrlPr>
@@ -29519,7 +29550,7 @@
                             <a:solidFill>
                               <a:schemeClr val="tx1"/>
                             </a:solidFill>
-                            <a:latin typeface="Cambria Math" panose="02040503050406030204" pitchFamily="18" charset="0"/>
+                            <a:latin typeface="Cambria Math"/>
                             <a:ea typeface="Cambria Math" panose="02040503050406030204" pitchFamily="18" charset="0"/>
                           </a:rPr>
                         </m:ctrlPr>
@@ -29570,7 +29601,7 @@
                             <a:solidFill>
                               <a:schemeClr val="tx1"/>
                             </a:solidFill>
-                            <a:latin typeface="Cambria Math" panose="02040503050406030204" pitchFamily="18" charset="0"/>
+                            <a:latin typeface="Cambria Math"/>
                             <a:ea typeface="Cambria Math" panose="02040503050406030204" pitchFamily="18" charset="0"/>
                           </a:rPr>
                         </m:ctrlPr>
@@ -29641,7 +29672,7 @@
                             <a:solidFill>
                               <a:schemeClr val="tx1"/>
                             </a:solidFill>
-                            <a:latin typeface="Cambria Math" panose="02040503050406030204" pitchFamily="18" charset="0"/>
+                            <a:latin typeface="Cambria Math"/>
                             <a:ea typeface="Cambria Math" panose="02040503050406030204" pitchFamily="18" charset="0"/>
                           </a:rPr>
                         </m:ctrlPr>
@@ -29718,7 +29749,7 @@
                       <m:sSubPr>
                         <m:ctrlPr>
                           <a:rPr lang="en-US" sz="3200" i="1" dirty="0">
-                            <a:latin typeface="Cambria Math" panose="02040503050406030204" pitchFamily="18" charset="0"/>
+                            <a:latin typeface="Cambria Math"/>
                             <a:ea typeface="Cambria Math" panose="02040503050406030204" pitchFamily="18" charset="0"/>
                           </a:rPr>
                         </m:ctrlPr>
@@ -29877,7 +29908,7 @@
               <p:cNvPr id="12" name="TextBox 11">
                 <a:extLst>
                   <a:ext uri="{FF2B5EF4-FFF2-40B4-BE49-F238E27FC236}">
-                    <a16:creationId xmlns:a16="http://schemas.microsoft.com/office/drawing/2014/main" id="{9EC1F962-01BC-4480-9593-A6E7833D6DCE}"/>
+                    <a16:creationId xmlns:a16="http://schemas.microsoft.com/office/drawing/2014/main" xmlns="" id="{9EC1F962-01BC-4480-9593-A6E7833D6DCE}"/>
                   </a:ext>
                 </a:extLst>
               </p:cNvPr>
@@ -29962,7 +29993,7 @@
                             <a:solidFill>
                               <a:srgbClr val="7030A0"/>
                             </a:solidFill>
-                            <a:latin typeface="Cambria Math" panose="02040503050406030204" pitchFamily="18" charset="0"/>
+                            <a:latin typeface="Cambria Math"/>
                             <a:ea typeface="Cambria Math" panose="02040503050406030204" pitchFamily="18" charset="0"/>
                           </a:rPr>
                         </m:ctrlPr>
@@ -29999,7 +30030,7 @@
                             <a:solidFill>
                               <a:srgbClr val="7030A0"/>
                             </a:solidFill>
-                            <a:latin typeface="Cambria Math" panose="02040503050406030204" pitchFamily="18" charset="0"/>
+                            <a:latin typeface="Cambria Math"/>
                             <a:ea typeface="Cambria Math" panose="02040503050406030204" pitchFamily="18" charset="0"/>
                           </a:rPr>
                         </m:ctrlPr>
@@ -30064,7 +30095,7 @@
                             <a:solidFill>
                               <a:srgbClr val="7030A0"/>
                             </a:solidFill>
-                            <a:latin typeface="Cambria Math" panose="02040503050406030204" pitchFamily="18" charset="0"/>
+                            <a:latin typeface="Cambria Math"/>
                             <a:ea typeface="Cambria Math" panose="02040503050406030204" pitchFamily="18" charset="0"/>
                           </a:rPr>
                         </m:ctrlPr>
@@ -30101,7 +30132,7 @@
                             <a:solidFill>
                               <a:srgbClr val="7030A0"/>
                             </a:solidFill>
-                            <a:latin typeface="Cambria Math" panose="02040503050406030204" pitchFamily="18" charset="0"/>
+                            <a:latin typeface="Cambria Math"/>
                             <a:ea typeface="Cambria Math" panose="02040503050406030204" pitchFamily="18" charset="0"/>
                           </a:rPr>
                         </m:ctrlPr>
@@ -30135,7 +30166,7 @@
                             <a:solidFill>
                               <a:srgbClr val="7030A0"/>
                             </a:solidFill>
-                            <a:latin typeface="Cambria Math" panose="02040503050406030204" pitchFamily="18" charset="0"/>
+                            <a:latin typeface="Cambria Math"/>
                             <a:ea typeface="Cambria Math" panose="02040503050406030204" pitchFamily="18" charset="0"/>
                           </a:rPr>
                         </m:ctrlPr>
@@ -30229,7 +30260,7 @@
           <p:cNvPr id="3" name="Rectangle 2">
             <a:extLst>
               <a:ext uri="{FF2B5EF4-FFF2-40B4-BE49-F238E27FC236}">
-                <a16:creationId xmlns:a16="http://schemas.microsoft.com/office/drawing/2014/main" id="{34EC83C8-7894-48CD-BB2A-44D81C913C11}"/>
+                <a16:creationId xmlns:a16="http://schemas.microsoft.com/office/drawing/2014/main" xmlns="" id="{34EC83C8-7894-48CD-BB2A-44D81C913C11}"/>
               </a:ext>
             </a:extLst>
           </p:cNvPr>
@@ -30319,29 +30350,11 @@
             <a:r>
               <a:rPr lang="en-US" sz="4000" b="1" dirty="0">
                 <a:solidFill>
-                  <a:srgbClr val="0000FF"/>
+                  <a:srgbClr val="00B050"/>
                 </a:solidFill>
                 <a:latin typeface="Cambria" panose="02040503050406030204" pitchFamily="18" charset="0"/>
               </a:rPr>
-              <a:t>Capacitance</a:t>
-            </a:r>
-            <a:r>
-              <a:rPr lang="en-US" sz="4000" b="1" dirty="0">
-                <a:solidFill>
-                  <a:srgbClr val="FF0000"/>
-                </a:solidFill>
-                <a:latin typeface="Cambria" panose="02040503050406030204" pitchFamily="18" charset="0"/>
-              </a:rPr>
-              <a:t> </a:t>
-            </a:r>
-            <a:r>
-              <a:rPr lang="en-US" sz="4000" b="1" dirty="0">
-                <a:solidFill>
-                  <a:srgbClr val="0000FF"/>
-                </a:solidFill>
-                <a:latin typeface="Cambria" panose="02040503050406030204" pitchFamily="18" charset="0"/>
-              </a:rPr>
-              <a:t>Impedance/Admittance</a:t>
+              <a:t>Capacitance Impedance/Admittance</a:t>
             </a:r>
           </a:p>
         </p:txBody>
@@ -30381,7 +30394,7 @@
                         <m:sSubPr>
                           <m:ctrlPr>
                             <a:rPr lang="en-US" sz="3200" i="1" smtClean="0">
-                              <a:latin typeface="Cambria Math" panose="02040503050406030204" pitchFamily="18" charset="0"/>
+                              <a:latin typeface="Cambria Math"/>
                             </a:rPr>
                           </m:ctrlPr>
                         </m:sSubPr>
@@ -30463,7 +30476,7 @@
                         <m:fPr>
                           <m:ctrlPr>
                             <a:rPr lang="en-US" sz="3200" b="0" i="1" smtClean="0">
-                              <a:latin typeface="Cambria Math" panose="02040503050406030204" pitchFamily="18" charset="0"/>
+                              <a:latin typeface="Cambria Math"/>
                             </a:rPr>
                           </m:ctrlPr>
                         </m:fPr>
@@ -30478,7 +30491,7 @@
                             <m:sSubPr>
                               <m:ctrlPr>
                                 <a:rPr lang="en-US" sz="3200" b="0" i="1" smtClean="0">
-                                  <a:latin typeface="Cambria Math" panose="02040503050406030204" pitchFamily="18" charset="0"/>
+                                  <a:latin typeface="Cambria Math"/>
                                 </a:rPr>
                               </m:ctrlPr>
                             </m:sSubPr>
@@ -30591,7 +30604,7 @@
                         <m:sSubPr>
                           <m:ctrlPr>
                             <a:rPr lang="en-US" sz="3200" i="1" smtClean="0">
-                              <a:latin typeface="Cambria Math" panose="02040503050406030204" pitchFamily="18" charset="0"/>
+                              <a:latin typeface="Cambria Math"/>
                             </a:rPr>
                           </m:ctrlPr>
                         </m:sSubPr>
@@ -30682,7 +30695,7 @@
                         <m:sSubPr>
                           <m:ctrlPr>
                             <a:rPr lang="en-US" sz="3200" b="0" i="1" smtClean="0">
-                              <a:latin typeface="Cambria Math" panose="02040503050406030204" pitchFamily="18" charset="0"/>
+                              <a:latin typeface="Cambria Math"/>
                             </a:rPr>
                           </m:ctrlPr>
                         </m:sSubPr>
@@ -30725,7 +30738,7 @@
                         <m:sSubPr>
                           <m:ctrlPr>
                             <a:rPr lang="en-US" sz="3200" b="0" i="1" smtClean="0">
-                              <a:latin typeface="Cambria Math" panose="02040503050406030204" pitchFamily="18" charset="0"/>
+                              <a:latin typeface="Cambria Math"/>
                               <a:ea typeface="Cambria Math" panose="02040503050406030204" pitchFamily="18" charset="0"/>
                             </a:rPr>
                           </m:ctrlPr>
@@ -30774,7 +30787,7 @@
                         <m:sSubPr>
                           <m:ctrlPr>
                             <a:rPr lang="en-US" sz="3200" i="1">
-                              <a:latin typeface="Cambria Math" panose="02040503050406030204" pitchFamily="18" charset="0"/>
+                              <a:latin typeface="Cambria Math"/>
                             </a:rPr>
                           </m:ctrlPr>
                         </m:sSubPr>
@@ -30889,7 +30902,7 @@
                       <m:sSubPr>
                         <m:ctrlPr>
                           <a:rPr lang="en-US" sz="3200" i="1" dirty="0">
-                            <a:latin typeface="Cambria Math" panose="02040503050406030204" pitchFamily="18" charset="0"/>
+                            <a:latin typeface="Cambria Math"/>
                           </a:rPr>
                         </m:ctrlPr>
                       </m:sSubPr>
@@ -30930,7 +30943,7 @@
                       <m:fPr>
                         <m:ctrlPr>
                           <a:rPr lang="en-US" sz="3200" i="1" dirty="0">
-                            <a:latin typeface="Cambria Math" panose="02040503050406030204" pitchFamily="18" charset="0"/>
+                            <a:latin typeface="Cambria Math"/>
                           </a:rPr>
                         </m:ctrlPr>
                       </m:fPr>
@@ -30965,7 +30978,7 @@
                       <m:sSubPr>
                         <m:ctrlPr>
                           <a:rPr lang="en-US" sz="3200" i="1" dirty="0">
-                            <a:latin typeface="Cambria Math" panose="02040503050406030204" pitchFamily="18" charset="0"/>
+                            <a:latin typeface="Cambria Math"/>
                           </a:rPr>
                         </m:ctrlPr>
                       </m:sSubPr>
@@ -31006,7 +31019,7 @@
                       <m:sSubPr>
                         <m:ctrlPr>
                           <a:rPr lang="en-US" sz="3200" i="1">
-                            <a:latin typeface="Cambria Math" panose="02040503050406030204" pitchFamily="18" charset="0"/>
+                            <a:latin typeface="Cambria Math"/>
                           </a:rPr>
                         </m:ctrlPr>
                       </m:sSubPr>
@@ -31058,7 +31071,7 @@
                       <m:sSubPr>
                         <m:ctrlPr>
                           <a:rPr lang="en-US" sz="3200" i="1" dirty="0">
-                            <a:latin typeface="Cambria Math" panose="02040503050406030204" pitchFamily="18" charset="0"/>
+                            <a:latin typeface="Cambria Math"/>
                           </a:rPr>
                         </m:ctrlPr>
                       </m:sSubPr>
@@ -31197,7 +31210,7 @@
               <p:cNvPr id="9" name="TextBox 8">
                 <a:extLst>
                   <a:ext uri="{FF2B5EF4-FFF2-40B4-BE49-F238E27FC236}">
-                    <a16:creationId xmlns:a16="http://schemas.microsoft.com/office/drawing/2014/main" id="{0D3E8544-8C04-48C3-8802-4FCDC8F35BBE}"/>
+                    <a16:creationId xmlns:a16="http://schemas.microsoft.com/office/drawing/2014/main" xmlns="" id="{0D3E8544-8C04-48C3-8802-4FCDC8F35BBE}"/>
                   </a:ext>
                 </a:extLst>
               </p:cNvPr>
@@ -31282,7 +31295,7 @@
                             <a:solidFill>
                               <a:srgbClr val="7030A0"/>
                             </a:solidFill>
-                            <a:latin typeface="Cambria Math" panose="02040503050406030204" pitchFamily="18" charset="0"/>
+                            <a:latin typeface="Cambria Math"/>
                             <a:ea typeface="Cambria Math" panose="02040503050406030204" pitchFamily="18" charset="0"/>
                           </a:rPr>
                         </m:ctrlPr>
@@ -31319,7 +31332,7 @@
                             <a:solidFill>
                               <a:srgbClr val="7030A0"/>
                             </a:solidFill>
-                            <a:latin typeface="Cambria Math" panose="02040503050406030204" pitchFamily="18" charset="0"/>
+                            <a:latin typeface="Cambria Math"/>
                             <a:ea typeface="Cambria Math" panose="02040503050406030204" pitchFamily="18" charset="0"/>
                           </a:rPr>
                         </m:ctrlPr>
@@ -31353,7 +31366,7 @@
                             <a:solidFill>
                               <a:srgbClr val="7030A0"/>
                             </a:solidFill>
-                            <a:latin typeface="Cambria Math" panose="02040503050406030204" pitchFamily="18" charset="0"/>
+                            <a:latin typeface="Cambria Math"/>
                             <a:ea typeface="Cambria Math" panose="02040503050406030204" pitchFamily="18" charset="0"/>
                           </a:rPr>
                         </m:ctrlPr>
@@ -31422,7 +31435,7 @@
                             <a:solidFill>
                               <a:srgbClr val="7030A0"/>
                             </a:solidFill>
-                            <a:latin typeface="Cambria Math" panose="02040503050406030204" pitchFamily="18" charset="0"/>
+                            <a:latin typeface="Cambria Math"/>
                             <a:ea typeface="Cambria Math" panose="02040503050406030204" pitchFamily="18" charset="0"/>
                           </a:rPr>
                         </m:ctrlPr>
@@ -31459,7 +31472,7 @@
                             <a:solidFill>
                               <a:srgbClr val="7030A0"/>
                             </a:solidFill>
-                            <a:latin typeface="Cambria Math" panose="02040503050406030204" pitchFamily="18" charset="0"/>
+                            <a:latin typeface="Cambria Math"/>
                             <a:ea typeface="Cambria Math" panose="02040503050406030204" pitchFamily="18" charset="0"/>
                           </a:rPr>
                         </m:ctrlPr>
@@ -31560,7 +31573,7 @@
           <p:cNvPr id="11" name="Rectangle 10">
             <a:extLst>
               <a:ext uri="{FF2B5EF4-FFF2-40B4-BE49-F238E27FC236}">
-                <a16:creationId xmlns:a16="http://schemas.microsoft.com/office/drawing/2014/main" id="{FD762457-B57B-4352-A387-484234C49D30}"/>
+                <a16:creationId xmlns:a16="http://schemas.microsoft.com/office/drawing/2014/main" xmlns="" id="{FD762457-B57B-4352-A387-484234C49D30}"/>
               </a:ext>
             </a:extLst>
           </p:cNvPr>
@@ -31653,21 +31666,21 @@
                     <a:gridCol w="2971941">
                       <a:extLst>
                         <a:ext uri="{9D8B030D-6E8A-4147-A177-3AD203B41FA5}">
-                          <a16:colId xmlns:a16="http://schemas.microsoft.com/office/drawing/2014/main" val="20000"/>
+                          <a16:colId xmlns:a16="http://schemas.microsoft.com/office/drawing/2014/main" xmlns="" val="20000"/>
                         </a:ext>
                       </a:extLst>
                     </a:gridCol>
                     <a:gridCol w="2971941">
                       <a:extLst>
                         <a:ext uri="{9D8B030D-6E8A-4147-A177-3AD203B41FA5}">
-                          <a16:colId xmlns:a16="http://schemas.microsoft.com/office/drawing/2014/main" val="20001"/>
+                          <a16:colId xmlns:a16="http://schemas.microsoft.com/office/drawing/2014/main" xmlns="" val="20001"/>
                         </a:ext>
                       </a:extLst>
                     </a:gridCol>
                     <a:gridCol w="2971941">
                       <a:extLst>
                         <a:ext uri="{9D8B030D-6E8A-4147-A177-3AD203B41FA5}">
-                          <a16:colId xmlns:a16="http://schemas.microsoft.com/office/drawing/2014/main" val="20002"/>
+                          <a16:colId xmlns:a16="http://schemas.microsoft.com/office/drawing/2014/main" xmlns="" val="20002"/>
                         </a:ext>
                       </a:extLst>
                     </a:gridCol>
@@ -31750,7 +31763,7 @@
                     </a:tc>
                     <a:extLst>
                       <a:ext uri="{0D108BD9-81ED-4DB2-BD59-A6C34878D82A}">
-                        <a16:rowId xmlns:a16="http://schemas.microsoft.com/office/drawing/2014/main" val="10000"/>
+                        <a16:rowId xmlns:a16="http://schemas.microsoft.com/office/drawing/2014/main" xmlns="" val="10000"/>
                       </a:ext>
                     </a:extLst>
                   </a:tr>
@@ -31834,7 +31847,7 @@
                                   <m:sSubPr>
                                     <m:ctrlPr>
                                       <a:rPr lang="en-US" sz="3600" i="1" smtClean="0">
-                                        <a:latin typeface="Cambria Math" panose="02040503050406030204" pitchFamily="18" charset="0"/>
+                                        <a:latin typeface="Cambria Math"/>
                                       </a:rPr>
                                     </m:ctrlPr>
                                   </m:sSubPr>
@@ -31865,7 +31878,7 @@
                                   <m:fPr>
                                     <m:ctrlPr>
                                       <a:rPr lang="en-US" sz="3600" b="0" i="1" smtClean="0">
-                                        <a:latin typeface="Cambria Math" panose="02040503050406030204" pitchFamily="18" charset="0"/>
+                                        <a:latin typeface="Cambria Math"/>
                                       </a:rPr>
                                     </m:ctrlPr>
                                   </m:fPr>
@@ -31906,7 +31919,7 @@
                     </a:tc>
                     <a:extLst>
                       <a:ext uri="{0D108BD9-81ED-4DB2-BD59-A6C34878D82A}">
-                        <a16:rowId xmlns:a16="http://schemas.microsoft.com/office/drawing/2014/main" val="10001"/>
+                        <a16:rowId xmlns:a16="http://schemas.microsoft.com/office/drawing/2014/main" xmlns="" val="10001"/>
                       </a:ext>
                     </a:extLst>
                   </a:tr>
@@ -31951,7 +31964,7 @@
                                   <m:sSubPr>
                                     <m:ctrlPr>
                                       <a:rPr lang="en-US" sz="3600" i="1" smtClean="0">
-                                        <a:latin typeface="Cambria Math" panose="02040503050406030204" pitchFamily="18" charset="0"/>
+                                        <a:latin typeface="Cambria Math"/>
                                       </a:rPr>
                                     </m:ctrlPr>
                                   </m:sSubPr>
@@ -32034,7 +32047,7 @@
                                   <m:sSubPr>
                                     <m:ctrlPr>
                                       <a:rPr lang="en-US" sz="3600" i="1" smtClean="0">
-                                        <a:latin typeface="Cambria Math" panose="02040503050406030204" pitchFamily="18" charset="0"/>
+                                        <a:latin typeface="Cambria Math"/>
                                       </a:rPr>
                                     </m:ctrlPr>
                                   </m:sSubPr>
@@ -32065,7 +32078,7 @@
                                   <m:fPr>
                                     <m:ctrlPr>
                                       <a:rPr lang="en-US" sz="3600" b="0" i="1" smtClean="0">
-                                        <a:latin typeface="Cambria Math" panose="02040503050406030204" pitchFamily="18" charset="0"/>
+                                        <a:latin typeface="Cambria Math"/>
                                       </a:rPr>
                                     </m:ctrlPr>
                                   </m:fPr>
@@ -32106,7 +32119,7 @@
                     </a:tc>
                     <a:extLst>
                       <a:ext uri="{0D108BD9-81ED-4DB2-BD59-A6C34878D82A}">
-                        <a16:rowId xmlns:a16="http://schemas.microsoft.com/office/drawing/2014/main" val="10002"/>
+                        <a16:rowId xmlns:a16="http://schemas.microsoft.com/office/drawing/2014/main" xmlns="" val="10002"/>
                       </a:ext>
                     </a:extLst>
                   </a:tr>
@@ -32151,7 +32164,7 @@
                                   <m:sSubPr>
                                     <m:ctrlPr>
                                       <a:rPr lang="en-US" sz="3600" i="1" smtClean="0">
-                                        <a:latin typeface="Cambria Math" panose="02040503050406030204" pitchFamily="18" charset="0"/>
+                                        <a:latin typeface="Cambria Math"/>
                                       </a:rPr>
                                     </m:ctrlPr>
                                   </m:sSubPr>
@@ -32182,7 +32195,7 @@
                                   <m:fPr>
                                     <m:ctrlPr>
                                       <a:rPr lang="en-US" sz="3600" b="0" i="1" smtClean="0">
-                                        <a:latin typeface="Cambria Math" panose="02040503050406030204" pitchFamily="18" charset="0"/>
+                                        <a:latin typeface="Cambria Math"/>
                                       </a:rPr>
                                     </m:ctrlPr>
                                   </m:fPr>
@@ -32253,7 +32266,7 @@
                                   <m:sSubPr>
                                     <m:ctrlPr>
                                       <a:rPr lang="en-US" sz="3600" i="1" smtClean="0">
-                                        <a:latin typeface="Cambria Math" panose="02040503050406030204" pitchFamily="18" charset="0"/>
+                                        <a:latin typeface="Cambria Math"/>
                                       </a:rPr>
                                     </m:ctrlPr>
                                   </m:sSubPr>
@@ -32306,7 +32319,7 @@
                     </a:tc>
                     <a:extLst>
                       <a:ext uri="{0D108BD9-81ED-4DB2-BD59-A6C34878D82A}">
-                        <a16:rowId xmlns:a16="http://schemas.microsoft.com/office/drawing/2014/main" val="10003"/>
+                        <a16:rowId xmlns:a16="http://schemas.microsoft.com/office/drawing/2014/main" xmlns="" val="10003"/>
                       </a:ext>
                     </a:extLst>
                   </a:tr>
@@ -33237,7 +33250,7 @@
   <a:extraClrSchemeLst/>
   <a:extLst>
     <a:ext uri="{05A4C25C-085E-4340-85A3-A5531E510DB2}">
-      <thm15:themeFamily xmlns:thm15="http://schemas.microsoft.com/office/thememl/2012/main" name="Office Theme" id="{62F939B6-93AF-4DB8-9C6B-D6C7DFDC589F}" vid="{4A3C46E8-61CC-4603-A589-7422A47A8E4A}"/>
+      <thm15:themeFamily xmlns:thm15="http://schemas.microsoft.com/office/thememl/2012/main" xmlns="" name="Office Theme" id="{62F939B6-93AF-4DB8-9C6B-D6C7DFDC589F}" vid="{4A3C46E8-61CC-4603-A589-7422A47A8E4A}"/>
     </a:ext>
   </a:extLst>
 </a:theme>
